--- a/doc/FSindo/usage_FSindo.pptx
+++ b/doc/FSindo/usage_FSindo.pptx
@@ -235,7 +235,7 @@
           <a:p>
             <a:fld id="{BB0F0136-69B4-D44B-9FED-4928016A3512}" type="datetimeFigureOut">
               <a:rPr kumimoji="1" lang="ja-JP" altLang="en-US" smtClean="0"/>
-              <a:t>2019/1/6</a:t>
+              <a:t>2019/5/3</a:t>
             </a:fld>
             <a:endParaRPr kumimoji="1" lang="ja-JP" altLang="en-US"/>
           </a:p>
@@ -299,70 +299,69 @@
           <a:p>
             <a:pPr lvl="0"/>
             <a:r>
-              <a:rPr kumimoji="1" lang="ja-JP" altLang="en-US" smtClean="0"/>
+              <a:rPr kumimoji="1" lang="ja-JP" altLang="en-US"/>
               <a:t>マスター テキストの書式設定</a:t>
             </a:r>
           </a:p>
           <a:p>
             <a:pPr lvl="1"/>
             <a:r>
-              <a:rPr kumimoji="1" lang="ja-JP" altLang="en-US" smtClean="0"/>
+              <a:rPr kumimoji="1" lang="ja-JP" altLang="en-US"/>
               <a:t>第 </a:t>
             </a:r>
             <a:r>
-              <a:rPr kumimoji="1" lang="en-US" altLang="ja-JP" smtClean="0"/>
+              <a:rPr kumimoji="1" lang="en-US" altLang="ja-JP"/>
               <a:t>2 </a:t>
             </a:r>
             <a:r>
-              <a:rPr kumimoji="1" lang="ja-JP" altLang="en-US" smtClean="0"/>
+              <a:rPr kumimoji="1" lang="ja-JP" altLang="en-US"/>
               <a:t>レベル</a:t>
             </a:r>
           </a:p>
           <a:p>
             <a:pPr lvl="2"/>
             <a:r>
-              <a:rPr kumimoji="1" lang="ja-JP" altLang="en-US" smtClean="0"/>
+              <a:rPr kumimoji="1" lang="ja-JP" altLang="en-US"/>
               <a:t>第 </a:t>
             </a:r>
             <a:r>
-              <a:rPr kumimoji="1" lang="en-US" altLang="ja-JP" smtClean="0"/>
+              <a:rPr kumimoji="1" lang="en-US" altLang="ja-JP"/>
               <a:t>3 </a:t>
             </a:r>
             <a:r>
-              <a:rPr kumimoji="1" lang="ja-JP" altLang="en-US" smtClean="0"/>
+              <a:rPr kumimoji="1" lang="ja-JP" altLang="en-US"/>
               <a:t>レベル</a:t>
             </a:r>
           </a:p>
           <a:p>
             <a:pPr lvl="3"/>
             <a:r>
-              <a:rPr kumimoji="1" lang="ja-JP" altLang="en-US" smtClean="0"/>
+              <a:rPr kumimoji="1" lang="ja-JP" altLang="en-US"/>
               <a:t>第 </a:t>
             </a:r>
             <a:r>
-              <a:rPr kumimoji="1" lang="en-US" altLang="ja-JP" smtClean="0"/>
+              <a:rPr kumimoji="1" lang="en-US" altLang="ja-JP"/>
               <a:t>4 </a:t>
             </a:r>
             <a:r>
-              <a:rPr kumimoji="1" lang="ja-JP" altLang="en-US" smtClean="0"/>
+              <a:rPr kumimoji="1" lang="ja-JP" altLang="en-US"/>
               <a:t>レベル</a:t>
             </a:r>
           </a:p>
           <a:p>
             <a:pPr lvl="4"/>
             <a:r>
-              <a:rPr kumimoji="1" lang="ja-JP" altLang="en-US" smtClean="0"/>
+              <a:rPr kumimoji="1" lang="ja-JP" altLang="en-US"/>
               <a:t>第 </a:t>
             </a:r>
             <a:r>
-              <a:rPr kumimoji="1" lang="en-US" altLang="ja-JP" smtClean="0"/>
+              <a:rPr kumimoji="1" lang="en-US" altLang="ja-JP"/>
               <a:t>5 </a:t>
             </a:r>
             <a:r>
-              <a:rPr kumimoji="1" lang="ja-JP" altLang="en-US" smtClean="0"/>
+              <a:rPr kumimoji="1" lang="ja-JP" altLang="en-US"/>
               <a:t>レベル</a:t>
             </a:r>
-            <a:endParaRPr kumimoji="1" lang="ja-JP" altLang="en-US"/>
           </a:p>
         </p:txBody>
       </p:sp>
@@ -661,7 +660,7 @@
           </a:lstStyle>
           <a:p>
             <a:r>
-              <a:rPr lang="ja-JP" altLang="en-US" smtClean="0"/>
+              <a:rPr lang="ja-JP" altLang="en-US"/>
               <a:t>マスター タイトルの書式設定</a:t>
             </a:r>
             <a:endParaRPr lang="en-US" dirty="0"/>
@@ -726,7 +725,7 @@
           </a:lstStyle>
           <a:p>
             <a:r>
-              <a:rPr lang="ja-JP" altLang="en-US" smtClean="0"/>
+              <a:rPr lang="ja-JP" altLang="en-US"/>
               <a:t>マスター サブタイトルの書式設定</a:t>
             </a:r>
             <a:endParaRPr lang="en-US" dirty="0"/>
@@ -750,7 +749,7 @@
           <a:p>
             <a:fld id="{8F1A2EAE-8A19-6140-AB90-FBA793328AFC}" type="datetime1">
               <a:rPr kumimoji="1" lang="ja-JP" altLang="en-US" smtClean="0"/>
-              <a:t>2019/1/6</a:t>
+              <a:t>2019/5/3</a:t>
             </a:fld>
             <a:endParaRPr kumimoji="1" lang="ja-JP" altLang="en-US"/>
           </a:p>
@@ -839,7 +838,7 @@
           <a:lstStyle/>
           <a:p>
             <a:r>
-              <a:rPr lang="ja-JP" altLang="en-US" smtClean="0"/>
+              <a:rPr lang="ja-JP" altLang="en-US"/>
               <a:t>マスター タイトルの書式設定</a:t>
             </a:r>
             <a:endParaRPr lang="en-US" dirty="0"/>
@@ -863,67 +862,67 @@
           <a:p>
             <a:pPr lvl="0"/>
             <a:r>
-              <a:rPr lang="ja-JP" altLang="en-US" smtClean="0"/>
+              <a:rPr lang="ja-JP" altLang="en-US"/>
               <a:t>マスター テキストの書式設定</a:t>
             </a:r>
           </a:p>
           <a:p>
             <a:pPr lvl="1"/>
             <a:r>
-              <a:rPr lang="ja-JP" altLang="en-US" smtClean="0"/>
+              <a:rPr lang="ja-JP" altLang="en-US"/>
               <a:t>第 </a:t>
             </a:r>
             <a:r>
-              <a:rPr lang="en-US" altLang="ja-JP" smtClean="0"/>
+              <a:rPr lang="en-US" altLang="ja-JP"/>
               <a:t>2 </a:t>
             </a:r>
             <a:r>
-              <a:rPr lang="ja-JP" altLang="en-US" smtClean="0"/>
+              <a:rPr lang="ja-JP" altLang="en-US"/>
               <a:t>レベル</a:t>
             </a:r>
           </a:p>
           <a:p>
             <a:pPr lvl="2"/>
             <a:r>
-              <a:rPr lang="ja-JP" altLang="en-US" smtClean="0"/>
+              <a:rPr lang="ja-JP" altLang="en-US"/>
               <a:t>第 </a:t>
             </a:r>
             <a:r>
-              <a:rPr lang="en-US" altLang="ja-JP" smtClean="0"/>
+              <a:rPr lang="en-US" altLang="ja-JP"/>
               <a:t>3 </a:t>
             </a:r>
             <a:r>
-              <a:rPr lang="ja-JP" altLang="en-US" smtClean="0"/>
+              <a:rPr lang="ja-JP" altLang="en-US"/>
               <a:t>レベル</a:t>
             </a:r>
           </a:p>
           <a:p>
             <a:pPr lvl="3"/>
             <a:r>
-              <a:rPr lang="ja-JP" altLang="en-US" smtClean="0"/>
+              <a:rPr lang="ja-JP" altLang="en-US"/>
               <a:t>第 </a:t>
             </a:r>
             <a:r>
-              <a:rPr lang="en-US" altLang="ja-JP" smtClean="0"/>
+              <a:rPr lang="en-US" altLang="ja-JP"/>
               <a:t>4 </a:t>
             </a:r>
             <a:r>
-              <a:rPr lang="ja-JP" altLang="en-US" smtClean="0"/>
+              <a:rPr lang="ja-JP" altLang="en-US"/>
               <a:t>レベル</a:t>
             </a:r>
           </a:p>
           <a:p>
             <a:pPr lvl="4"/>
             <a:r>
-              <a:rPr lang="ja-JP" altLang="en-US" smtClean="0"/>
+              <a:rPr lang="ja-JP" altLang="en-US"/>
               <a:t>第 </a:t>
             </a:r>
             <a:r>
-              <a:rPr lang="en-US" altLang="ja-JP" smtClean="0"/>
+              <a:rPr lang="en-US" altLang="ja-JP"/>
               <a:t>5 </a:t>
             </a:r>
             <a:r>
-              <a:rPr lang="ja-JP" altLang="en-US" smtClean="0"/>
+              <a:rPr lang="ja-JP" altLang="en-US"/>
               <a:t>レベル</a:t>
             </a:r>
             <a:endParaRPr lang="en-US" dirty="0"/>
@@ -947,7 +946,7 @@
           <a:p>
             <a:fld id="{5032F6CD-D8C5-EA47-935C-33C61990A9AF}" type="datetime1">
               <a:rPr kumimoji="1" lang="ja-JP" altLang="en-US" smtClean="0"/>
-              <a:t>2019/1/6</a:t>
+              <a:t>2019/5/3</a:t>
             </a:fld>
             <a:endParaRPr kumimoji="1" lang="ja-JP" altLang="en-US"/>
           </a:p>
@@ -1041,7 +1040,7 @@
           <a:lstStyle/>
           <a:p>
             <a:r>
-              <a:rPr lang="ja-JP" altLang="en-US" smtClean="0"/>
+              <a:rPr lang="ja-JP" altLang="en-US"/>
               <a:t>マスター タイトルの書式設定</a:t>
             </a:r>
             <a:endParaRPr lang="en-US" dirty="0"/>
@@ -1070,67 +1069,67 @@
           <a:p>
             <a:pPr lvl="0"/>
             <a:r>
-              <a:rPr lang="ja-JP" altLang="en-US" smtClean="0"/>
+              <a:rPr lang="ja-JP" altLang="en-US"/>
               <a:t>マスター テキストの書式設定</a:t>
             </a:r>
           </a:p>
           <a:p>
             <a:pPr lvl="1"/>
             <a:r>
-              <a:rPr lang="ja-JP" altLang="en-US" smtClean="0"/>
+              <a:rPr lang="ja-JP" altLang="en-US"/>
               <a:t>第 </a:t>
             </a:r>
             <a:r>
-              <a:rPr lang="en-US" altLang="ja-JP" smtClean="0"/>
+              <a:rPr lang="en-US" altLang="ja-JP"/>
               <a:t>2 </a:t>
             </a:r>
             <a:r>
-              <a:rPr lang="ja-JP" altLang="en-US" smtClean="0"/>
+              <a:rPr lang="ja-JP" altLang="en-US"/>
               <a:t>レベル</a:t>
             </a:r>
           </a:p>
           <a:p>
             <a:pPr lvl="2"/>
             <a:r>
-              <a:rPr lang="ja-JP" altLang="en-US" smtClean="0"/>
+              <a:rPr lang="ja-JP" altLang="en-US"/>
               <a:t>第 </a:t>
             </a:r>
             <a:r>
-              <a:rPr lang="en-US" altLang="ja-JP" smtClean="0"/>
+              <a:rPr lang="en-US" altLang="ja-JP"/>
               <a:t>3 </a:t>
             </a:r>
             <a:r>
-              <a:rPr lang="ja-JP" altLang="en-US" smtClean="0"/>
+              <a:rPr lang="ja-JP" altLang="en-US"/>
               <a:t>レベル</a:t>
             </a:r>
           </a:p>
           <a:p>
             <a:pPr lvl="3"/>
             <a:r>
-              <a:rPr lang="ja-JP" altLang="en-US" smtClean="0"/>
+              <a:rPr lang="ja-JP" altLang="en-US"/>
               <a:t>第 </a:t>
             </a:r>
             <a:r>
-              <a:rPr lang="en-US" altLang="ja-JP" smtClean="0"/>
+              <a:rPr lang="en-US" altLang="ja-JP"/>
               <a:t>4 </a:t>
             </a:r>
             <a:r>
-              <a:rPr lang="ja-JP" altLang="en-US" smtClean="0"/>
+              <a:rPr lang="ja-JP" altLang="en-US"/>
               <a:t>レベル</a:t>
             </a:r>
           </a:p>
           <a:p>
             <a:pPr lvl="4"/>
             <a:r>
-              <a:rPr lang="ja-JP" altLang="en-US" smtClean="0"/>
+              <a:rPr lang="ja-JP" altLang="en-US"/>
               <a:t>第 </a:t>
             </a:r>
             <a:r>
-              <a:rPr lang="en-US" altLang="ja-JP" smtClean="0"/>
+              <a:rPr lang="en-US" altLang="ja-JP"/>
               <a:t>5 </a:t>
             </a:r>
             <a:r>
-              <a:rPr lang="ja-JP" altLang="en-US" smtClean="0"/>
+              <a:rPr lang="ja-JP" altLang="en-US"/>
               <a:t>レベル</a:t>
             </a:r>
             <a:endParaRPr lang="en-US" dirty="0"/>
@@ -1154,7 +1153,7 @@
           <a:p>
             <a:fld id="{7432CAB7-B1D1-C842-BB27-1789136EF085}" type="datetime1">
               <a:rPr kumimoji="1" lang="ja-JP" altLang="en-US" smtClean="0"/>
-              <a:t>2019/1/6</a:t>
+              <a:t>2019/5/3</a:t>
             </a:fld>
             <a:endParaRPr kumimoji="1" lang="ja-JP" altLang="en-US"/>
           </a:p>
@@ -1243,7 +1242,7 @@
           <a:lstStyle/>
           <a:p>
             <a:r>
-              <a:rPr lang="ja-JP" altLang="en-US" smtClean="0"/>
+              <a:rPr lang="ja-JP" altLang="en-US"/>
               <a:t>マスター タイトルの書式設定</a:t>
             </a:r>
             <a:endParaRPr lang="en-US" dirty="0"/>
@@ -1267,67 +1266,67 @@
           <a:p>
             <a:pPr lvl="0"/>
             <a:r>
-              <a:rPr lang="ja-JP" altLang="en-US" smtClean="0"/>
+              <a:rPr lang="ja-JP" altLang="en-US"/>
               <a:t>マスター テキストの書式設定</a:t>
             </a:r>
           </a:p>
           <a:p>
             <a:pPr lvl="1"/>
             <a:r>
-              <a:rPr lang="ja-JP" altLang="en-US" smtClean="0"/>
+              <a:rPr lang="ja-JP" altLang="en-US"/>
               <a:t>第 </a:t>
             </a:r>
             <a:r>
-              <a:rPr lang="en-US" altLang="ja-JP" smtClean="0"/>
+              <a:rPr lang="en-US" altLang="ja-JP"/>
               <a:t>2 </a:t>
             </a:r>
             <a:r>
-              <a:rPr lang="ja-JP" altLang="en-US" smtClean="0"/>
+              <a:rPr lang="ja-JP" altLang="en-US"/>
               <a:t>レベル</a:t>
             </a:r>
           </a:p>
           <a:p>
             <a:pPr lvl="2"/>
             <a:r>
-              <a:rPr lang="ja-JP" altLang="en-US" smtClean="0"/>
+              <a:rPr lang="ja-JP" altLang="en-US"/>
               <a:t>第 </a:t>
             </a:r>
             <a:r>
-              <a:rPr lang="en-US" altLang="ja-JP" smtClean="0"/>
+              <a:rPr lang="en-US" altLang="ja-JP"/>
               <a:t>3 </a:t>
             </a:r>
             <a:r>
-              <a:rPr lang="ja-JP" altLang="en-US" smtClean="0"/>
+              <a:rPr lang="ja-JP" altLang="en-US"/>
               <a:t>レベル</a:t>
             </a:r>
           </a:p>
           <a:p>
             <a:pPr lvl="3"/>
             <a:r>
-              <a:rPr lang="ja-JP" altLang="en-US" smtClean="0"/>
+              <a:rPr lang="ja-JP" altLang="en-US"/>
               <a:t>第 </a:t>
             </a:r>
             <a:r>
-              <a:rPr lang="en-US" altLang="ja-JP" smtClean="0"/>
+              <a:rPr lang="en-US" altLang="ja-JP"/>
               <a:t>4 </a:t>
             </a:r>
             <a:r>
-              <a:rPr lang="ja-JP" altLang="en-US" smtClean="0"/>
+              <a:rPr lang="ja-JP" altLang="en-US"/>
               <a:t>レベル</a:t>
             </a:r>
           </a:p>
           <a:p>
             <a:pPr lvl="4"/>
             <a:r>
-              <a:rPr lang="ja-JP" altLang="en-US" smtClean="0"/>
+              <a:rPr lang="ja-JP" altLang="en-US"/>
               <a:t>第 </a:t>
             </a:r>
             <a:r>
-              <a:rPr lang="en-US" altLang="ja-JP" smtClean="0"/>
+              <a:rPr lang="en-US" altLang="ja-JP"/>
               <a:t>5 </a:t>
             </a:r>
             <a:r>
-              <a:rPr lang="ja-JP" altLang="en-US" smtClean="0"/>
+              <a:rPr lang="ja-JP" altLang="en-US"/>
               <a:t>レベル</a:t>
             </a:r>
             <a:endParaRPr lang="en-US" dirty="0"/>
@@ -1351,7 +1350,7 @@
           <a:p>
             <a:fld id="{59F606A1-BF80-4F40-AD73-3A1303D72015}" type="datetime1">
               <a:rPr kumimoji="1" lang="ja-JP" altLang="en-US" smtClean="0"/>
-              <a:t>2019/1/6</a:t>
+              <a:t>2019/5/3</a:t>
             </a:fld>
             <a:endParaRPr kumimoji="1" lang="ja-JP" altLang="en-US"/>
           </a:p>
@@ -1449,7 +1448,7 @@
           </a:lstStyle>
           <a:p>
             <a:r>
-              <a:rPr lang="ja-JP" altLang="en-US" smtClean="0"/>
+              <a:rPr lang="ja-JP" altLang="en-US"/>
               <a:t>マスター タイトルの書式設定</a:t>
             </a:r>
             <a:endParaRPr lang="en-US" dirty="0"/>
@@ -1567,7 +1566,7 @@
           <a:p>
             <a:pPr lvl="0"/>
             <a:r>
-              <a:rPr lang="ja-JP" altLang="en-US" smtClean="0"/>
+              <a:rPr lang="ja-JP" altLang="en-US"/>
               <a:t>マスター テキストの書式設定</a:t>
             </a:r>
           </a:p>
@@ -1590,7 +1589,7 @@
           <a:p>
             <a:fld id="{201370A8-86D7-DE4D-BAB6-D17D5C3BEC5A}" type="datetime1">
               <a:rPr kumimoji="1" lang="ja-JP" altLang="en-US" smtClean="0"/>
-              <a:t>2019/1/6</a:t>
+              <a:t>2019/5/3</a:t>
             </a:fld>
             <a:endParaRPr kumimoji="1" lang="ja-JP" altLang="en-US"/>
           </a:p>
@@ -1679,7 +1678,7 @@
           <a:lstStyle/>
           <a:p>
             <a:r>
-              <a:rPr lang="ja-JP" altLang="en-US" smtClean="0"/>
+              <a:rPr lang="ja-JP" altLang="en-US"/>
               <a:t>マスター タイトルの書式設定</a:t>
             </a:r>
             <a:endParaRPr lang="en-US" dirty="0"/>
@@ -1708,67 +1707,67 @@
           <a:p>
             <a:pPr lvl="0"/>
             <a:r>
-              <a:rPr lang="ja-JP" altLang="en-US" smtClean="0"/>
+              <a:rPr lang="ja-JP" altLang="en-US"/>
               <a:t>マスター テキストの書式設定</a:t>
             </a:r>
           </a:p>
           <a:p>
             <a:pPr lvl="1"/>
             <a:r>
-              <a:rPr lang="ja-JP" altLang="en-US" smtClean="0"/>
+              <a:rPr lang="ja-JP" altLang="en-US"/>
               <a:t>第 </a:t>
             </a:r>
             <a:r>
-              <a:rPr lang="en-US" altLang="ja-JP" smtClean="0"/>
+              <a:rPr lang="en-US" altLang="ja-JP"/>
               <a:t>2 </a:t>
             </a:r>
             <a:r>
-              <a:rPr lang="ja-JP" altLang="en-US" smtClean="0"/>
+              <a:rPr lang="ja-JP" altLang="en-US"/>
               <a:t>レベル</a:t>
             </a:r>
           </a:p>
           <a:p>
             <a:pPr lvl="2"/>
             <a:r>
-              <a:rPr lang="ja-JP" altLang="en-US" smtClean="0"/>
+              <a:rPr lang="ja-JP" altLang="en-US"/>
               <a:t>第 </a:t>
             </a:r>
             <a:r>
-              <a:rPr lang="en-US" altLang="ja-JP" smtClean="0"/>
+              <a:rPr lang="en-US" altLang="ja-JP"/>
               <a:t>3 </a:t>
             </a:r>
             <a:r>
-              <a:rPr lang="ja-JP" altLang="en-US" smtClean="0"/>
+              <a:rPr lang="ja-JP" altLang="en-US"/>
               <a:t>レベル</a:t>
             </a:r>
           </a:p>
           <a:p>
             <a:pPr lvl="3"/>
             <a:r>
-              <a:rPr lang="ja-JP" altLang="en-US" smtClean="0"/>
+              <a:rPr lang="ja-JP" altLang="en-US"/>
               <a:t>第 </a:t>
             </a:r>
             <a:r>
-              <a:rPr lang="en-US" altLang="ja-JP" smtClean="0"/>
+              <a:rPr lang="en-US" altLang="ja-JP"/>
               <a:t>4 </a:t>
             </a:r>
             <a:r>
-              <a:rPr lang="ja-JP" altLang="en-US" smtClean="0"/>
+              <a:rPr lang="ja-JP" altLang="en-US"/>
               <a:t>レベル</a:t>
             </a:r>
           </a:p>
           <a:p>
             <a:pPr lvl="4"/>
             <a:r>
-              <a:rPr lang="ja-JP" altLang="en-US" smtClean="0"/>
+              <a:rPr lang="ja-JP" altLang="en-US"/>
               <a:t>第 </a:t>
             </a:r>
             <a:r>
-              <a:rPr lang="en-US" altLang="ja-JP" smtClean="0"/>
+              <a:rPr lang="en-US" altLang="ja-JP"/>
               <a:t>5 </a:t>
             </a:r>
             <a:r>
-              <a:rPr lang="ja-JP" altLang="en-US" smtClean="0"/>
+              <a:rPr lang="ja-JP" altLang="en-US"/>
               <a:t>レベル</a:t>
             </a:r>
             <a:endParaRPr lang="en-US" dirty="0"/>
@@ -1797,67 +1796,67 @@
           <a:p>
             <a:pPr lvl="0"/>
             <a:r>
-              <a:rPr lang="ja-JP" altLang="en-US" smtClean="0"/>
+              <a:rPr lang="ja-JP" altLang="en-US"/>
               <a:t>マスター テキストの書式設定</a:t>
             </a:r>
           </a:p>
           <a:p>
             <a:pPr lvl="1"/>
             <a:r>
-              <a:rPr lang="ja-JP" altLang="en-US" smtClean="0"/>
+              <a:rPr lang="ja-JP" altLang="en-US"/>
               <a:t>第 </a:t>
             </a:r>
             <a:r>
-              <a:rPr lang="en-US" altLang="ja-JP" smtClean="0"/>
+              <a:rPr lang="en-US" altLang="ja-JP"/>
               <a:t>2 </a:t>
             </a:r>
             <a:r>
-              <a:rPr lang="ja-JP" altLang="en-US" smtClean="0"/>
+              <a:rPr lang="ja-JP" altLang="en-US"/>
               <a:t>レベル</a:t>
             </a:r>
           </a:p>
           <a:p>
             <a:pPr lvl="2"/>
             <a:r>
-              <a:rPr lang="ja-JP" altLang="en-US" smtClean="0"/>
+              <a:rPr lang="ja-JP" altLang="en-US"/>
               <a:t>第 </a:t>
             </a:r>
             <a:r>
-              <a:rPr lang="en-US" altLang="ja-JP" smtClean="0"/>
+              <a:rPr lang="en-US" altLang="ja-JP"/>
               <a:t>3 </a:t>
             </a:r>
             <a:r>
-              <a:rPr lang="ja-JP" altLang="en-US" smtClean="0"/>
+              <a:rPr lang="ja-JP" altLang="en-US"/>
               <a:t>レベル</a:t>
             </a:r>
           </a:p>
           <a:p>
             <a:pPr lvl="3"/>
             <a:r>
-              <a:rPr lang="ja-JP" altLang="en-US" smtClean="0"/>
+              <a:rPr lang="ja-JP" altLang="en-US"/>
               <a:t>第 </a:t>
             </a:r>
             <a:r>
-              <a:rPr lang="en-US" altLang="ja-JP" smtClean="0"/>
+              <a:rPr lang="en-US" altLang="ja-JP"/>
               <a:t>4 </a:t>
             </a:r>
             <a:r>
-              <a:rPr lang="ja-JP" altLang="en-US" smtClean="0"/>
+              <a:rPr lang="ja-JP" altLang="en-US"/>
               <a:t>レベル</a:t>
             </a:r>
           </a:p>
           <a:p>
             <a:pPr lvl="4"/>
             <a:r>
-              <a:rPr lang="ja-JP" altLang="en-US" smtClean="0"/>
+              <a:rPr lang="ja-JP" altLang="en-US"/>
               <a:t>第 </a:t>
             </a:r>
             <a:r>
-              <a:rPr lang="en-US" altLang="ja-JP" smtClean="0"/>
+              <a:rPr lang="en-US" altLang="ja-JP"/>
               <a:t>5 </a:t>
             </a:r>
             <a:r>
-              <a:rPr lang="ja-JP" altLang="en-US" smtClean="0"/>
+              <a:rPr lang="ja-JP" altLang="en-US"/>
               <a:t>レベル</a:t>
             </a:r>
             <a:endParaRPr lang="en-US" dirty="0"/>
@@ -1881,7 +1880,7 @@
           <a:p>
             <a:fld id="{2F8DFF1A-26F6-734D-81A6-596D27E77CDE}" type="datetime1">
               <a:rPr kumimoji="1" lang="ja-JP" altLang="en-US" smtClean="0"/>
-              <a:t>2019/1/6</a:t>
+              <a:t>2019/5/3</a:t>
             </a:fld>
             <a:endParaRPr kumimoji="1" lang="ja-JP" altLang="en-US"/>
           </a:p>
@@ -1975,7 +1974,7 @@
           <a:lstStyle/>
           <a:p>
             <a:r>
-              <a:rPr lang="ja-JP" altLang="en-US" smtClean="0"/>
+              <a:rPr lang="ja-JP" altLang="en-US"/>
               <a:t>マスター タイトルの書式設定</a:t>
             </a:r>
             <a:endParaRPr lang="en-US" dirty="0"/>
@@ -2041,7 +2040,7 @@
           <a:p>
             <a:pPr lvl="0"/>
             <a:r>
-              <a:rPr lang="ja-JP" altLang="en-US" smtClean="0"/>
+              <a:rPr lang="ja-JP" altLang="en-US"/>
               <a:t>マスター テキストの書式設定</a:t>
             </a:r>
           </a:p>
@@ -2069,67 +2068,67 @@
           <a:p>
             <a:pPr lvl="0"/>
             <a:r>
-              <a:rPr lang="ja-JP" altLang="en-US" smtClean="0"/>
+              <a:rPr lang="ja-JP" altLang="en-US"/>
               <a:t>マスター テキストの書式設定</a:t>
             </a:r>
           </a:p>
           <a:p>
             <a:pPr lvl="1"/>
             <a:r>
-              <a:rPr lang="ja-JP" altLang="en-US" smtClean="0"/>
+              <a:rPr lang="ja-JP" altLang="en-US"/>
               <a:t>第 </a:t>
             </a:r>
             <a:r>
-              <a:rPr lang="en-US" altLang="ja-JP" smtClean="0"/>
+              <a:rPr lang="en-US" altLang="ja-JP"/>
               <a:t>2 </a:t>
             </a:r>
             <a:r>
-              <a:rPr lang="ja-JP" altLang="en-US" smtClean="0"/>
+              <a:rPr lang="ja-JP" altLang="en-US"/>
               <a:t>レベル</a:t>
             </a:r>
           </a:p>
           <a:p>
             <a:pPr lvl="2"/>
             <a:r>
-              <a:rPr lang="ja-JP" altLang="en-US" smtClean="0"/>
+              <a:rPr lang="ja-JP" altLang="en-US"/>
               <a:t>第 </a:t>
             </a:r>
             <a:r>
-              <a:rPr lang="en-US" altLang="ja-JP" smtClean="0"/>
+              <a:rPr lang="en-US" altLang="ja-JP"/>
               <a:t>3 </a:t>
             </a:r>
             <a:r>
-              <a:rPr lang="ja-JP" altLang="en-US" smtClean="0"/>
+              <a:rPr lang="ja-JP" altLang="en-US"/>
               <a:t>レベル</a:t>
             </a:r>
           </a:p>
           <a:p>
             <a:pPr lvl="3"/>
             <a:r>
-              <a:rPr lang="ja-JP" altLang="en-US" smtClean="0"/>
+              <a:rPr lang="ja-JP" altLang="en-US"/>
               <a:t>第 </a:t>
             </a:r>
             <a:r>
-              <a:rPr lang="en-US" altLang="ja-JP" smtClean="0"/>
+              <a:rPr lang="en-US" altLang="ja-JP"/>
               <a:t>4 </a:t>
             </a:r>
             <a:r>
-              <a:rPr lang="ja-JP" altLang="en-US" smtClean="0"/>
+              <a:rPr lang="ja-JP" altLang="en-US"/>
               <a:t>レベル</a:t>
             </a:r>
           </a:p>
           <a:p>
             <a:pPr lvl="4"/>
             <a:r>
-              <a:rPr lang="ja-JP" altLang="en-US" smtClean="0"/>
+              <a:rPr lang="ja-JP" altLang="en-US"/>
               <a:t>第 </a:t>
             </a:r>
             <a:r>
-              <a:rPr lang="en-US" altLang="ja-JP" smtClean="0"/>
+              <a:rPr lang="en-US" altLang="ja-JP"/>
               <a:t>5 </a:t>
             </a:r>
             <a:r>
-              <a:rPr lang="ja-JP" altLang="en-US" smtClean="0"/>
+              <a:rPr lang="ja-JP" altLang="en-US"/>
               <a:t>レベル</a:t>
             </a:r>
             <a:endParaRPr lang="en-US" dirty="0"/>
@@ -2195,7 +2194,7 @@
           <a:p>
             <a:pPr lvl="0"/>
             <a:r>
-              <a:rPr lang="ja-JP" altLang="en-US" smtClean="0"/>
+              <a:rPr lang="ja-JP" altLang="en-US"/>
               <a:t>マスター テキストの書式設定</a:t>
             </a:r>
           </a:p>
@@ -2223,67 +2222,67 @@
           <a:p>
             <a:pPr lvl="0"/>
             <a:r>
-              <a:rPr lang="ja-JP" altLang="en-US" smtClean="0"/>
+              <a:rPr lang="ja-JP" altLang="en-US"/>
               <a:t>マスター テキストの書式設定</a:t>
             </a:r>
           </a:p>
           <a:p>
             <a:pPr lvl="1"/>
             <a:r>
-              <a:rPr lang="ja-JP" altLang="en-US" smtClean="0"/>
+              <a:rPr lang="ja-JP" altLang="en-US"/>
               <a:t>第 </a:t>
             </a:r>
             <a:r>
-              <a:rPr lang="en-US" altLang="ja-JP" smtClean="0"/>
+              <a:rPr lang="en-US" altLang="ja-JP"/>
               <a:t>2 </a:t>
             </a:r>
             <a:r>
-              <a:rPr lang="ja-JP" altLang="en-US" smtClean="0"/>
+              <a:rPr lang="ja-JP" altLang="en-US"/>
               <a:t>レベル</a:t>
             </a:r>
           </a:p>
           <a:p>
             <a:pPr lvl="2"/>
             <a:r>
-              <a:rPr lang="ja-JP" altLang="en-US" smtClean="0"/>
+              <a:rPr lang="ja-JP" altLang="en-US"/>
               <a:t>第 </a:t>
             </a:r>
             <a:r>
-              <a:rPr lang="en-US" altLang="ja-JP" smtClean="0"/>
+              <a:rPr lang="en-US" altLang="ja-JP"/>
               <a:t>3 </a:t>
             </a:r>
             <a:r>
-              <a:rPr lang="ja-JP" altLang="en-US" smtClean="0"/>
+              <a:rPr lang="ja-JP" altLang="en-US"/>
               <a:t>レベル</a:t>
             </a:r>
           </a:p>
           <a:p>
             <a:pPr lvl="3"/>
             <a:r>
-              <a:rPr lang="ja-JP" altLang="en-US" smtClean="0"/>
+              <a:rPr lang="ja-JP" altLang="en-US"/>
               <a:t>第 </a:t>
             </a:r>
             <a:r>
-              <a:rPr lang="en-US" altLang="ja-JP" smtClean="0"/>
+              <a:rPr lang="en-US" altLang="ja-JP"/>
               <a:t>4 </a:t>
             </a:r>
             <a:r>
-              <a:rPr lang="ja-JP" altLang="en-US" smtClean="0"/>
+              <a:rPr lang="ja-JP" altLang="en-US"/>
               <a:t>レベル</a:t>
             </a:r>
           </a:p>
           <a:p>
             <a:pPr lvl="4"/>
             <a:r>
-              <a:rPr lang="ja-JP" altLang="en-US" smtClean="0"/>
+              <a:rPr lang="ja-JP" altLang="en-US"/>
               <a:t>第 </a:t>
             </a:r>
             <a:r>
-              <a:rPr lang="en-US" altLang="ja-JP" smtClean="0"/>
+              <a:rPr lang="en-US" altLang="ja-JP"/>
               <a:t>5 </a:t>
             </a:r>
             <a:r>
-              <a:rPr lang="ja-JP" altLang="en-US" smtClean="0"/>
+              <a:rPr lang="ja-JP" altLang="en-US"/>
               <a:t>レベル</a:t>
             </a:r>
             <a:endParaRPr lang="en-US" dirty="0"/>
@@ -2307,7 +2306,7 @@
           <a:p>
             <a:fld id="{DA4D6ED2-2E77-3346-9932-196F8E0DDE9D}" type="datetime1">
               <a:rPr kumimoji="1" lang="ja-JP" altLang="en-US" smtClean="0"/>
-              <a:t>2019/1/6</a:t>
+              <a:t>2019/5/3</a:t>
             </a:fld>
             <a:endParaRPr kumimoji="1" lang="ja-JP" altLang="en-US"/>
           </a:p>
@@ -2396,7 +2395,7 @@
           <a:lstStyle/>
           <a:p>
             <a:r>
-              <a:rPr lang="ja-JP" altLang="en-US" smtClean="0"/>
+              <a:rPr lang="ja-JP" altLang="en-US"/>
               <a:t>マスター タイトルの書式設定</a:t>
             </a:r>
             <a:endParaRPr lang="en-US" dirty="0"/>
@@ -2420,7 +2419,7 @@
           <a:p>
             <a:fld id="{E0D62E53-0DE6-954C-A642-97CC889F03F2}" type="datetime1">
               <a:rPr kumimoji="1" lang="ja-JP" altLang="en-US" smtClean="0"/>
-              <a:t>2019/1/6</a:t>
+              <a:t>2019/5/3</a:t>
             </a:fld>
             <a:endParaRPr kumimoji="1" lang="ja-JP" altLang="en-US"/>
           </a:p>
@@ -2510,7 +2509,7 @@
           <a:p>
             <a:fld id="{4C76B436-8A19-1A40-8CF4-6DE75F461D19}" type="datetime1">
               <a:rPr kumimoji="1" lang="ja-JP" altLang="en-US" smtClean="0"/>
-              <a:t>2019/1/6</a:t>
+              <a:t>2019/5/3</a:t>
             </a:fld>
             <a:endParaRPr kumimoji="1" lang="ja-JP" altLang="en-US"/>
           </a:p>
@@ -2608,7 +2607,7 @@
           </a:lstStyle>
           <a:p>
             <a:r>
-              <a:rPr lang="ja-JP" altLang="en-US" smtClean="0"/>
+              <a:rPr lang="ja-JP" altLang="en-US"/>
               <a:t>マスター タイトルの書式設定</a:t>
             </a:r>
             <a:endParaRPr lang="en-US" dirty="0"/>
@@ -2665,67 +2664,67 @@
           <a:p>
             <a:pPr lvl="0"/>
             <a:r>
-              <a:rPr lang="ja-JP" altLang="en-US" smtClean="0"/>
+              <a:rPr lang="ja-JP" altLang="en-US"/>
               <a:t>マスター テキストの書式設定</a:t>
             </a:r>
           </a:p>
           <a:p>
             <a:pPr lvl="1"/>
             <a:r>
-              <a:rPr lang="ja-JP" altLang="en-US" smtClean="0"/>
+              <a:rPr lang="ja-JP" altLang="en-US"/>
               <a:t>第 </a:t>
             </a:r>
             <a:r>
-              <a:rPr lang="en-US" altLang="ja-JP" smtClean="0"/>
+              <a:rPr lang="en-US" altLang="ja-JP"/>
               <a:t>2 </a:t>
             </a:r>
             <a:r>
-              <a:rPr lang="ja-JP" altLang="en-US" smtClean="0"/>
+              <a:rPr lang="ja-JP" altLang="en-US"/>
               <a:t>レベル</a:t>
             </a:r>
           </a:p>
           <a:p>
             <a:pPr lvl="2"/>
             <a:r>
-              <a:rPr lang="ja-JP" altLang="en-US" smtClean="0"/>
+              <a:rPr lang="ja-JP" altLang="en-US"/>
               <a:t>第 </a:t>
             </a:r>
             <a:r>
-              <a:rPr lang="en-US" altLang="ja-JP" smtClean="0"/>
+              <a:rPr lang="en-US" altLang="ja-JP"/>
               <a:t>3 </a:t>
             </a:r>
             <a:r>
-              <a:rPr lang="ja-JP" altLang="en-US" smtClean="0"/>
+              <a:rPr lang="ja-JP" altLang="en-US"/>
               <a:t>レベル</a:t>
             </a:r>
           </a:p>
           <a:p>
             <a:pPr lvl="3"/>
             <a:r>
-              <a:rPr lang="ja-JP" altLang="en-US" smtClean="0"/>
+              <a:rPr lang="ja-JP" altLang="en-US"/>
               <a:t>第 </a:t>
             </a:r>
             <a:r>
-              <a:rPr lang="en-US" altLang="ja-JP" smtClean="0"/>
+              <a:rPr lang="en-US" altLang="ja-JP"/>
               <a:t>4 </a:t>
             </a:r>
             <a:r>
-              <a:rPr lang="ja-JP" altLang="en-US" smtClean="0"/>
+              <a:rPr lang="ja-JP" altLang="en-US"/>
               <a:t>レベル</a:t>
             </a:r>
           </a:p>
           <a:p>
             <a:pPr lvl="4"/>
             <a:r>
-              <a:rPr lang="ja-JP" altLang="en-US" smtClean="0"/>
+              <a:rPr lang="ja-JP" altLang="en-US"/>
               <a:t>第 </a:t>
             </a:r>
             <a:r>
-              <a:rPr lang="en-US" altLang="ja-JP" smtClean="0"/>
+              <a:rPr lang="en-US" altLang="ja-JP"/>
               <a:t>5 </a:t>
             </a:r>
             <a:r>
-              <a:rPr lang="ja-JP" altLang="en-US" smtClean="0"/>
+              <a:rPr lang="ja-JP" altLang="en-US"/>
               <a:t>レベル</a:t>
             </a:r>
             <a:endParaRPr lang="en-US" dirty="0"/>
@@ -2791,7 +2790,7 @@
           <a:p>
             <a:pPr lvl="0"/>
             <a:r>
-              <a:rPr lang="ja-JP" altLang="en-US" smtClean="0"/>
+              <a:rPr lang="ja-JP" altLang="en-US"/>
               <a:t>マスター テキストの書式設定</a:t>
             </a:r>
           </a:p>
@@ -2814,7 +2813,7 @@
           <a:p>
             <a:fld id="{50F977A8-A6EB-6544-A402-5123A38A5E0F}" type="datetime1">
               <a:rPr kumimoji="1" lang="ja-JP" altLang="en-US" smtClean="0"/>
-              <a:t>2019/1/6</a:t>
+              <a:t>2019/5/3</a:t>
             </a:fld>
             <a:endParaRPr kumimoji="1" lang="ja-JP" altLang="en-US"/>
           </a:p>
@@ -2912,7 +2911,7 @@
           </a:lstStyle>
           <a:p>
             <a:r>
-              <a:rPr lang="ja-JP" altLang="en-US" smtClean="0"/>
+              <a:rPr lang="ja-JP" altLang="en-US"/>
               <a:t>マスター タイトルの書式設定</a:t>
             </a:r>
             <a:endParaRPr lang="en-US" dirty="0"/>
@@ -2977,7 +2976,7 @@
           </a:lstStyle>
           <a:p>
             <a:r>
-              <a:rPr lang="ja-JP" altLang="en-US" smtClean="0"/>
+              <a:rPr lang="ja-JP" altLang="en-US"/>
               <a:t>プレースホルダーまでドラッグするかアイコンをクリックして図を追加</a:t>
             </a:r>
             <a:endParaRPr lang="en-US" dirty="0"/>
@@ -3043,7 +3042,7 @@
           <a:p>
             <a:pPr lvl="0"/>
             <a:r>
-              <a:rPr lang="ja-JP" altLang="en-US" smtClean="0"/>
+              <a:rPr lang="ja-JP" altLang="en-US"/>
               <a:t>マスター テキストの書式設定</a:t>
             </a:r>
           </a:p>
@@ -3066,7 +3065,7 @@
           <a:p>
             <a:fld id="{AC63A33F-D5AB-5D4B-9CED-7FFE32473911}" type="datetime1">
               <a:rPr kumimoji="1" lang="ja-JP" altLang="en-US" smtClean="0"/>
-              <a:t>2019/1/6</a:t>
+              <a:t>2019/5/3</a:t>
             </a:fld>
             <a:endParaRPr kumimoji="1" lang="ja-JP" altLang="en-US"/>
           </a:p>
@@ -3170,7 +3169,7 @@
           <a:lstStyle/>
           <a:p>
             <a:r>
-              <a:rPr lang="ja-JP" altLang="en-US" smtClean="0"/>
+              <a:rPr lang="ja-JP" altLang="en-US"/>
               <a:t>マスター タイトルの書式設定</a:t>
             </a:r>
             <a:endParaRPr lang="en-US" dirty="0"/>
@@ -3204,67 +3203,67 @@
           <a:p>
             <a:pPr lvl="0"/>
             <a:r>
-              <a:rPr lang="ja-JP" altLang="en-US" smtClean="0"/>
+              <a:rPr lang="ja-JP" altLang="en-US"/>
               <a:t>マスター テキストの書式設定</a:t>
             </a:r>
           </a:p>
           <a:p>
             <a:pPr lvl="1"/>
             <a:r>
-              <a:rPr lang="ja-JP" altLang="en-US" smtClean="0"/>
+              <a:rPr lang="ja-JP" altLang="en-US"/>
               <a:t>第 </a:t>
             </a:r>
             <a:r>
-              <a:rPr lang="en-US" altLang="ja-JP" smtClean="0"/>
+              <a:rPr lang="en-US" altLang="ja-JP"/>
               <a:t>2 </a:t>
             </a:r>
             <a:r>
-              <a:rPr lang="ja-JP" altLang="en-US" smtClean="0"/>
+              <a:rPr lang="ja-JP" altLang="en-US"/>
               <a:t>レベル</a:t>
             </a:r>
           </a:p>
           <a:p>
             <a:pPr lvl="2"/>
             <a:r>
-              <a:rPr lang="ja-JP" altLang="en-US" smtClean="0"/>
+              <a:rPr lang="ja-JP" altLang="en-US"/>
               <a:t>第 </a:t>
             </a:r>
             <a:r>
-              <a:rPr lang="en-US" altLang="ja-JP" smtClean="0"/>
+              <a:rPr lang="en-US" altLang="ja-JP"/>
               <a:t>3 </a:t>
             </a:r>
             <a:r>
-              <a:rPr lang="ja-JP" altLang="en-US" smtClean="0"/>
+              <a:rPr lang="ja-JP" altLang="en-US"/>
               <a:t>レベル</a:t>
             </a:r>
           </a:p>
           <a:p>
             <a:pPr lvl="3"/>
             <a:r>
-              <a:rPr lang="ja-JP" altLang="en-US" smtClean="0"/>
+              <a:rPr lang="ja-JP" altLang="en-US"/>
               <a:t>第 </a:t>
             </a:r>
             <a:r>
-              <a:rPr lang="en-US" altLang="ja-JP" smtClean="0"/>
+              <a:rPr lang="en-US" altLang="ja-JP"/>
               <a:t>4 </a:t>
             </a:r>
             <a:r>
-              <a:rPr lang="ja-JP" altLang="en-US" smtClean="0"/>
+              <a:rPr lang="ja-JP" altLang="en-US"/>
               <a:t>レベル</a:t>
             </a:r>
           </a:p>
           <a:p>
             <a:pPr lvl="4"/>
             <a:r>
-              <a:rPr lang="ja-JP" altLang="en-US" smtClean="0"/>
+              <a:rPr lang="ja-JP" altLang="en-US"/>
               <a:t>第 </a:t>
             </a:r>
             <a:r>
-              <a:rPr lang="en-US" altLang="ja-JP" smtClean="0"/>
+              <a:rPr lang="en-US" altLang="ja-JP"/>
               <a:t>5 </a:t>
             </a:r>
             <a:r>
-              <a:rPr lang="ja-JP" altLang="en-US" smtClean="0"/>
+              <a:rPr lang="ja-JP" altLang="en-US"/>
               <a:t>レベル</a:t>
             </a:r>
             <a:endParaRPr lang="en-US" dirty="0"/>
@@ -3306,7 +3305,7 @@
           <a:p>
             <a:fld id="{533D1301-D078-CF4D-9B69-E985276E2D1F}" type="datetime1">
               <a:rPr kumimoji="1" lang="ja-JP" altLang="en-US" smtClean="0"/>
-              <a:t>2019/1/6</a:t>
+              <a:t>2019/5/3</a:t>
             </a:fld>
             <a:endParaRPr kumimoji="1" lang="ja-JP" altLang="en-US"/>
           </a:p>
@@ -3736,18 +3735,18 @@
           <a:p>
             <a:pPr algn="ctr"/>
             <a:r>
-              <a:rPr kumimoji="1" lang="en-US" altLang="ja-JP" sz="4400" smtClean="0"/>
+              <a:rPr kumimoji="1" lang="en-US" altLang="ja-JP" sz="4400"/>
               <a:t>User’s guide </a:t>
             </a:r>
             <a:r>
-              <a:rPr kumimoji="1" lang="en-US" altLang="ja-JP" sz="4400" dirty="0" smtClean="0"/>
+              <a:rPr kumimoji="1" lang="en-US" altLang="ja-JP" sz="4400" dirty="0"/>
               <a:t>of </a:t>
             </a:r>
             <a:r>
-              <a:rPr kumimoji="1" lang="en-US" altLang="ja-JP" sz="4400" dirty="0" err="1" smtClean="0"/>
+              <a:rPr kumimoji="1" lang="en-US" altLang="ja-JP" sz="4400" dirty="0" err="1"/>
               <a:t>FSindo</a:t>
             </a:r>
-            <a:endParaRPr kumimoji="1" lang="en-US" altLang="ja-JP" sz="4400" dirty="0" smtClean="0"/>
+            <a:endParaRPr kumimoji="1" lang="en-US" altLang="ja-JP" sz="4400" dirty="0"/>
           </a:p>
         </p:txBody>
       </p:sp>
@@ -3759,8 +3758,8 @@
         </p:nvSpPr>
         <p:spPr>
           <a:xfrm>
-            <a:off x="2409225" y="4020685"/>
-            <a:ext cx="4070923" cy="1200329"/>
+            <a:off x="2409227" y="4020685"/>
+            <a:ext cx="4070922" cy="1200329"/>
           </a:xfrm>
           <a:prstGeom prst="rect">
             <a:avLst/>
@@ -3775,15 +3774,15 @@
           <a:p>
             <a:pPr algn="ctr"/>
             <a:r>
-              <a:rPr lang="en-US" altLang="ja-JP" dirty="0" smtClean="0"/>
+              <a:rPr lang="en-US" altLang="ja-JP" dirty="0"/>
               <a:t>Theoretical Molecular Science Laboratory</a:t>
             </a:r>
           </a:p>
           <a:p>
             <a:pPr algn="ctr"/>
             <a:r>
-              <a:rPr kumimoji="1" lang="en-US" altLang="ja-JP" dirty="0" smtClean="0"/>
-              <a:t>RIKEN Pioneering Research Cluster</a:t>
+              <a:rPr kumimoji="1" lang="en-US" altLang="ja-JP" dirty="0"/>
+              <a:t>RIKEN Cluster for Pioneering Research</a:t>
             </a:r>
           </a:p>
           <a:p>
@@ -3793,8 +3792,8 @@
           <a:p>
             <a:pPr algn="ctr"/>
             <a:r>
-              <a:rPr kumimoji="1" lang="en-US" altLang="ja-JP" dirty="0" smtClean="0"/>
-              <a:t>2018/10/14</a:t>
+              <a:rPr kumimoji="1" lang="en-US" altLang="ja-JP" dirty="0"/>
+              <a:t>2019/05/14</a:t>
             </a:r>
             <a:endParaRPr kumimoji="1" lang="ja-JP" altLang="en-US" dirty="0"/>
           </a:p>
@@ -3824,17 +3823,17 @@
           <a:p>
             <a:pPr algn="ctr"/>
             <a:r>
-              <a:rPr kumimoji="1" lang="en-US" altLang="ja-JP" dirty="0" smtClean="0"/>
+              <a:rPr kumimoji="1" lang="en-US" altLang="ja-JP" dirty="0"/>
               <a:t>Kiyoshi Yagi</a:t>
             </a:r>
           </a:p>
           <a:p>
             <a:pPr algn="ctr"/>
             <a:r>
-              <a:rPr kumimoji="1" lang="en-US" altLang="ja-JP" dirty="0" err="1" smtClean="0"/>
+              <a:rPr kumimoji="1" lang="en-US" altLang="ja-JP" dirty="0" err="1"/>
               <a:t>kiyoshi.yagi@riken.jp</a:t>
             </a:r>
-            <a:endParaRPr kumimoji="1" lang="en-US" altLang="ja-JP" dirty="0" smtClean="0"/>
+            <a:endParaRPr kumimoji="1" lang="en-US" altLang="ja-JP" dirty="0"/>
           </a:p>
         </p:txBody>
       </p:sp>
@@ -4261,7 +4260,7 @@
               <a:defRPr/>
             </a:pPr>
             <a:r>
-              <a:rPr lang="en-US" altLang="ja-JP" sz="2400" smtClean="0">
+              <a:rPr lang="en-US" altLang="ja-JP" sz="2400">
                 <a:solidFill>
                   <a:srgbClr val="000000"/>
                 </a:solidFill>
@@ -4271,7 +4270,7 @@
               </a:rPr>
               <a:t>vqdpt2.inp</a:t>
             </a:r>
-            <a:endParaRPr lang="en-US" altLang="ja-JP" sz="2400" dirty="0" smtClean="0">
+            <a:endParaRPr lang="en-US" altLang="ja-JP" sz="2400" dirty="0">
               <a:solidFill>
                 <a:srgbClr val="000000"/>
               </a:solidFill>
@@ -6316,7 +6315,7 @@
               <a:defRPr/>
             </a:pPr>
             <a:r>
-              <a:rPr lang="en-US" altLang="ja-JP" sz="2400" smtClean="0">
+              <a:rPr lang="en-US" altLang="ja-JP" sz="2400">
                 <a:solidFill>
                   <a:srgbClr val="000000"/>
                 </a:solidFill>
@@ -6326,7 +6325,7 @@
               </a:rPr>
               <a:t>log/vqdpt2.out</a:t>
             </a:r>
-            <a:endParaRPr lang="en-US" altLang="ja-JP" sz="2400" dirty="0" smtClean="0">
+            <a:endParaRPr lang="en-US" altLang="ja-JP" sz="2400" dirty="0">
               <a:solidFill>
                 <a:srgbClr val="000000"/>
               </a:solidFill>
@@ -8082,11 +8081,14 @@
           <a:p>
             <a:pPr eaLnBrk="1" hangingPunct="1"/>
             <a:r>
-              <a:rPr lang="ja-JP" altLang="en-US">
+              <a:rPr lang="en-US" altLang="ja-JP" dirty="0">
                 <a:ea typeface="HG創英角ｺﾞｼｯｸUB" charset="-128"/>
               </a:rPr>
-              <a:t>問題</a:t>
-            </a:r>
+              <a:t>Quiz</a:t>
+            </a:r>
+            <a:endParaRPr lang="ja-JP" altLang="en-US">
+              <a:ea typeface="HG創英角ｺﾞｼｯｸUB" charset="-128"/>
+            </a:endParaRPr>
           </a:p>
         </p:txBody>
       </p:sp>
@@ -8325,10 +8327,16 @@
           <p:cNvGraphicFramePr>
             <a:graphicFrameLocks noGrp="1"/>
           </p:cNvGraphicFramePr>
-          <p:nvPr/>
+          <p:nvPr>
+            <p:extLst>
+              <p:ext uri="{D42A27DB-BD31-4B8C-83A1-F6EECF244321}">
+                <p14:modId xmlns:p14="http://schemas.microsoft.com/office/powerpoint/2010/main" val="1291034750"/>
+              </p:ext>
+            </p:extLst>
+          </p:nvPr>
         </p:nvGraphicFramePr>
         <p:xfrm>
-          <a:off x="1098550" y="2295525"/>
+          <a:off x="1098550" y="2397407"/>
           <a:ext cx="7016750" cy="1233488"/>
         </p:xfrm>
         <a:graphic>
@@ -8338,12 +8346,48 @@
                 <a:tableStyleId>{5C22544A-7EE6-4342-B048-85BDC9FD1C3A}</a:tableStyleId>
               </a:tblPr>
               <a:tblGrid>
-                <a:gridCol w="831850"/>
-                <a:gridCol w="1236980"/>
-                <a:gridCol w="1236980"/>
-                <a:gridCol w="1236980"/>
-                <a:gridCol w="1236980"/>
-                <a:gridCol w="1236980"/>
+                <a:gridCol w="831850">
+                  <a:extLst>
+                    <a:ext uri="{9D8B030D-6E8A-4147-A177-3AD203B41FA5}">
+                      <a16:colId xmlns:a16="http://schemas.microsoft.com/office/drawing/2014/main" val="20000"/>
+                    </a:ext>
+                  </a:extLst>
+                </a:gridCol>
+                <a:gridCol w="1236980">
+                  <a:extLst>
+                    <a:ext uri="{9D8B030D-6E8A-4147-A177-3AD203B41FA5}">
+                      <a16:colId xmlns:a16="http://schemas.microsoft.com/office/drawing/2014/main" val="20001"/>
+                    </a:ext>
+                  </a:extLst>
+                </a:gridCol>
+                <a:gridCol w="1236980">
+                  <a:extLst>
+                    <a:ext uri="{9D8B030D-6E8A-4147-A177-3AD203B41FA5}">
+                      <a16:colId xmlns:a16="http://schemas.microsoft.com/office/drawing/2014/main" val="20002"/>
+                    </a:ext>
+                  </a:extLst>
+                </a:gridCol>
+                <a:gridCol w="1236980">
+                  <a:extLst>
+                    <a:ext uri="{9D8B030D-6E8A-4147-A177-3AD203B41FA5}">
+                      <a16:colId xmlns:a16="http://schemas.microsoft.com/office/drawing/2014/main" val="20003"/>
+                    </a:ext>
+                  </a:extLst>
+                </a:gridCol>
+                <a:gridCol w="1236980">
+                  <a:extLst>
+                    <a:ext uri="{9D8B030D-6E8A-4147-A177-3AD203B41FA5}">
+                      <a16:colId xmlns:a16="http://schemas.microsoft.com/office/drawing/2014/main" val="20004"/>
+                    </a:ext>
+                  </a:extLst>
+                </a:gridCol>
+                <a:gridCol w="1236980">
+                  <a:extLst>
+                    <a:ext uri="{9D8B030D-6E8A-4147-A177-3AD203B41FA5}">
+                      <a16:colId xmlns:a16="http://schemas.microsoft.com/office/drawing/2014/main" val="20005"/>
+                    </a:ext>
+                  </a:extLst>
+                </a:gridCol>
               </a:tblGrid>
               <a:tr h="308372">
                 <a:tc>
@@ -8413,14 +8457,14 @@
                     <a:p>
                       <a:pPr algn="ctr" fontAlgn="b"/>
                       <a:r>
-                        <a:rPr lang="en-US" altLang="ja-JP" sz="1600" u="none" strike="noStrike" dirty="0" smtClean="0">
+                        <a:rPr lang="en-US" altLang="ja-JP" sz="1600" u="none" strike="noStrike" dirty="0">
                           <a:effectLst/>
                           <a:latin typeface="+mn-lt"/>
                         </a:rPr>
                         <a:t>H</a:t>
                       </a:r>
                       <a:r>
-                        <a:rPr lang="en-US" sz="1600" u="none" strike="noStrike" dirty="0" smtClean="0">
+                        <a:rPr lang="en-US" sz="1600" u="none" strike="noStrike" dirty="0">
                           <a:effectLst/>
                           <a:latin typeface="+mn-lt"/>
                         </a:rPr>
@@ -8487,14 +8531,14 @@
                     <a:p>
                       <a:pPr algn="ctr" fontAlgn="b"/>
                       <a:r>
-                        <a:rPr lang="en-US" altLang="ja-JP" sz="1600" u="none" strike="noStrike" dirty="0" smtClean="0">
+                        <a:rPr lang="en-US" altLang="ja-JP" sz="1600" u="none" strike="noStrike" dirty="0">
                           <a:effectLst/>
                           <a:latin typeface="+mn-lt"/>
                         </a:rPr>
                         <a:t>VCI</a:t>
                       </a:r>
                       <a:r>
-                        <a:rPr lang="hr-HR" sz="1600" u="none" strike="noStrike" dirty="0" smtClean="0">
+                        <a:rPr lang="hr-HR" sz="1600" u="none" strike="noStrike" dirty="0">
                           <a:effectLst/>
                           <a:latin typeface="+mn-lt"/>
                         </a:rPr>
@@ -8561,7 +8605,7 @@
                     <a:p>
                       <a:pPr algn="ctr" fontAlgn="b"/>
                       <a:r>
-                        <a:rPr lang="en-US" altLang="ja-JP" sz="1600" u="none" strike="noStrike" dirty="0" smtClean="0">
+                        <a:rPr lang="en-US" altLang="ja-JP" sz="1600" u="none" strike="noStrike" dirty="0">
                           <a:effectLst/>
                           <a:latin typeface="+mn-lt"/>
                         </a:rPr>
@@ -8628,7 +8672,7 @@
                     <a:p>
                       <a:pPr algn="ctr" fontAlgn="b"/>
                       <a:r>
-                        <a:rPr lang="en-US" sz="1600" u="none" strike="noStrike" dirty="0" smtClean="0">
+                        <a:rPr lang="en-US" sz="1600" u="none" strike="noStrike" dirty="0">
                           <a:effectLst/>
                           <a:latin typeface="+mn-lt"/>
                         </a:rPr>
@@ -8695,7 +8739,7 @@
                     <a:p>
                       <a:pPr algn="ctr" fontAlgn="b"/>
                       <a:r>
-                        <a:rPr lang="en-US" sz="1600" b="0" i="0" u="none" strike="noStrike" dirty="0" smtClean="0">
+                        <a:rPr lang="en-US" sz="1600" b="0" i="0" u="none" strike="noStrike" dirty="0">
                           <a:solidFill>
                             <a:srgbClr val="000000"/>
                           </a:solidFill>
@@ -8704,13 +8748,6 @@
                         </a:rPr>
                         <a:t>Exp.</a:t>
                       </a:r>
-                      <a:endParaRPr lang="en-US" sz="1600" b="0" i="0" u="none" strike="noStrike" dirty="0">
-                        <a:solidFill>
-                          <a:srgbClr val="000000"/>
-                        </a:solidFill>
-                        <a:effectLst/>
-                        <a:latin typeface="+mn-lt"/>
-                      </a:endParaRPr>
                     </a:p>
                   </a:txBody>
                   <a:tcPr marL="6350" marR="6350" marT="6349" marB="0" anchor="ctr">
@@ -8758,6 +8795,11 @@
                     </a:solidFill>
                   </a:tcPr>
                 </a:tc>
+                <a:extLst>
+                  <a:ext uri="{0D108BD9-81ED-4DB2-BD59-A6C34878D82A}">
+                    <a16:rowId xmlns:a16="http://schemas.microsoft.com/office/drawing/2014/main" val="10000"/>
+                  </a:ext>
+                </a:extLst>
               </a:tr>
               <a:tr h="308372">
                 <a:tc>
@@ -9049,7 +9091,7 @@
                     <a:p>
                       <a:pPr algn="ctr" fontAlgn="b"/>
                       <a:r>
-                        <a:rPr lang="en-US" altLang="ja-JP" sz="1600" b="0" i="0" u="none" strike="noStrike" dirty="0" smtClean="0">
+                        <a:rPr lang="en-US" altLang="ja-JP" sz="1600" b="0" i="0" u="none" strike="noStrike" dirty="0">
                           <a:solidFill>
                             <a:srgbClr val="000000"/>
                           </a:solidFill>
@@ -9058,13 +9100,6 @@
                         </a:rPr>
                         <a:t>1595</a:t>
                       </a:r>
-                      <a:endParaRPr lang="en-US" altLang="ja-JP" sz="1600" b="0" i="0" u="none" strike="noStrike" dirty="0">
-                        <a:solidFill>
-                          <a:srgbClr val="000000"/>
-                        </a:solidFill>
-                        <a:effectLst/>
-                        <a:latin typeface="+mn-lt"/>
-                      </a:endParaRPr>
                     </a:p>
                   </a:txBody>
                   <a:tcPr marL="6350" marR="6350" marT="6349" marB="0" anchor="ctr">
@@ -9107,6 +9142,11 @@
                     <a:noFill/>
                   </a:tcPr>
                 </a:tc>
+                <a:extLst>
+                  <a:ext uri="{0D108BD9-81ED-4DB2-BD59-A6C34878D82A}">
+                    <a16:rowId xmlns:a16="http://schemas.microsoft.com/office/drawing/2014/main" val="10001"/>
+                  </a:ext>
+                </a:extLst>
               </a:tr>
               <a:tr h="308372">
                 <a:tc>
@@ -9398,7 +9438,7 @@
                     <a:p>
                       <a:pPr algn="ctr" fontAlgn="b"/>
                       <a:r>
-                        <a:rPr lang="en-US" altLang="ja-JP" sz="1600" b="0" i="0" u="none" strike="noStrike" dirty="0" smtClean="0">
+                        <a:rPr lang="en-US" altLang="ja-JP" sz="1600" b="0" i="0" u="none" strike="noStrike" dirty="0">
                           <a:solidFill>
                             <a:srgbClr val="000000"/>
                           </a:solidFill>
@@ -9407,13 +9447,6 @@
                         </a:rPr>
                         <a:t>3652</a:t>
                       </a:r>
-                      <a:endParaRPr lang="en-US" altLang="ja-JP" sz="1600" b="0" i="0" u="none" strike="noStrike" dirty="0">
-                        <a:solidFill>
-                          <a:srgbClr val="000000"/>
-                        </a:solidFill>
-                        <a:effectLst/>
-                        <a:latin typeface="+mn-lt"/>
-                      </a:endParaRPr>
                     </a:p>
                   </a:txBody>
                   <a:tcPr marL="6350" marR="6350" marT="6349" marB="0" anchor="ctr">
@@ -9456,6 +9489,11 @@
                     <a:noFill/>
                   </a:tcPr>
                 </a:tc>
+                <a:extLst>
+                  <a:ext uri="{0D108BD9-81ED-4DB2-BD59-A6C34878D82A}">
+                    <a16:rowId xmlns:a16="http://schemas.microsoft.com/office/drawing/2014/main" val="10002"/>
+                  </a:ext>
+                </a:extLst>
               </a:tr>
               <a:tr h="308372">
                 <a:tc>
@@ -9747,7 +9785,7 @@
                     <a:p>
                       <a:pPr algn="ctr" fontAlgn="b"/>
                       <a:r>
-                        <a:rPr lang="en-US" altLang="ja-JP" sz="1600" b="0" i="0" u="none" strike="noStrike" dirty="0" smtClean="0">
+                        <a:rPr lang="en-US" altLang="ja-JP" sz="1600" b="0" i="0" u="none" strike="noStrike" dirty="0">
                           <a:solidFill>
                             <a:srgbClr val="000000"/>
                           </a:solidFill>
@@ -9756,13 +9794,6 @@
                         </a:rPr>
                         <a:t>3756</a:t>
                       </a:r>
-                      <a:endParaRPr lang="en-US" altLang="ja-JP" sz="1600" b="0" i="0" u="none" strike="noStrike" dirty="0">
-                        <a:solidFill>
-                          <a:srgbClr val="000000"/>
-                        </a:solidFill>
-                        <a:effectLst/>
-                        <a:latin typeface="+mn-lt"/>
-                      </a:endParaRPr>
                     </a:p>
                   </a:txBody>
                   <a:tcPr marL="6350" marR="6350" marT="6349" marB="0" anchor="ctr">
@@ -9805,6 +9836,11 @@
                     <a:noFill/>
                   </a:tcPr>
                 </a:tc>
+                <a:extLst>
+                  <a:ext uri="{0D108BD9-81ED-4DB2-BD59-A6C34878D82A}">
+                    <a16:rowId xmlns:a16="http://schemas.microsoft.com/office/drawing/2014/main" val="10003"/>
+                  </a:ext>
+                </a:extLst>
               </a:tr>
             </a:tbl>
           </a:graphicData>
@@ -9821,7 +9857,7 @@
         <p:spPr bwMode="auto">
           <a:xfrm>
             <a:off x="723900" y="1101725"/>
-            <a:ext cx="8216900" cy="1077913"/>
+            <a:ext cx="8216900" cy="1077218"/>
           </a:xfrm>
           <a:prstGeom prst="rect">
             <a:avLst/>
@@ -10024,44 +10060,23 @@
               <a:buNone/>
             </a:pPr>
             <a:r>
-              <a:rPr lang="en-US" altLang="ja-JP" sz="3200">
+              <a:rPr lang="en-US" altLang="ja-JP" sz="3200" dirty="0">
                 <a:latin typeface="Arial" charset="0"/>
               </a:rPr>
-              <a:t>sindo</a:t>
-            </a:r>
-            <a:r>
-              <a:rPr lang="ja-JP" altLang="en-US" sz="3200">
-                <a:latin typeface="Arial" charset="0"/>
-              </a:rPr>
-              <a:t>のアウトプットファイルから、</a:t>
-            </a:r>
-            <a:r>
-              <a:rPr lang="en-US" altLang="ja-JP" sz="3200">
-                <a:latin typeface="Arial" charset="0"/>
-              </a:rPr>
-              <a:t>H</a:t>
-            </a:r>
-            <a:r>
-              <a:rPr lang="en-US" altLang="ja-JP" sz="3200" baseline="-25000">
+              <a:t>Find the fundamental frequencies of H</a:t>
+            </a:r>
+            <a:r>
+              <a:rPr lang="en-US" altLang="ja-JP" sz="3200" baseline="-25000" dirty="0">
                 <a:latin typeface="Arial" charset="0"/>
               </a:rPr>
               <a:t>2</a:t>
             </a:r>
             <a:r>
-              <a:rPr lang="en-US" altLang="ja-JP" sz="3200">
+              <a:rPr lang="en-US" altLang="ja-JP" sz="3200" dirty="0">
                 <a:latin typeface="Arial" charset="0"/>
               </a:rPr>
-              <a:t>O</a:t>
-            </a:r>
-            <a:r>
-              <a:rPr lang="ja-JP" altLang="en-US" sz="3200">
-                <a:latin typeface="Arial" charset="0"/>
-              </a:rPr>
-              <a:t>の振動数の値を読み、以下の表を完成させよ。</a:t>
-            </a:r>
-            <a:endParaRPr lang="en-US" altLang="ja-JP" sz="3200">
-              <a:latin typeface="Arial" charset="0"/>
-            </a:endParaRPr>
+              <a:t>O from the output files, and fill in a table below.</a:t>
+            </a:r>
           </a:p>
         </p:txBody>
       </p:sp>
@@ -10369,7 +10384,7 @@
         <p:spPr bwMode="auto">
           <a:xfrm>
             <a:off x="431800" y="960438"/>
-            <a:ext cx="5881688" cy="922337"/>
+            <a:ext cx="7797800" cy="923330"/>
           </a:xfrm>
           <a:prstGeom prst="rect">
             <a:avLst/>
@@ -10399,7 +10414,7 @@
           </a:extLst>
         </p:spPr>
         <p:txBody>
-          <a:bodyPr>
+          <a:bodyPr wrap="square">
             <a:spAutoFit/>
           </a:bodyPr>
           <a:lstStyle>
@@ -10570,7 +10585,7 @@
               </a:spcBef>
             </a:pPr>
             <a:r>
-              <a:rPr lang="en-US" altLang="ja-JP" sz="1800">
+              <a:rPr lang="en-US" altLang="ja-JP" sz="1800" dirty="0">
                 <a:solidFill>
                   <a:srgbClr val="000000"/>
                 </a:solidFill>
@@ -10581,35 +10596,38 @@
             </a:r>
           </a:p>
           <a:p>
-            <a:pPr lvl="1" eaLnBrk="1" hangingPunct="1">
+            <a:pPr lvl="1">
               <a:lnSpc>
                 <a:spcPct val="100000"/>
               </a:lnSpc>
               <a:spcBef>
                 <a:spcPct val="0"/>
               </a:spcBef>
-              <a:buFontTx/>
               <a:buNone/>
             </a:pPr>
+            <a:r>
+              <a:rPr lang="en-US" altLang="ja-JP" sz="1800" dirty="0">
+                <a:ea typeface="メイリオ" charset="-128"/>
+                <a:cs typeface="ＭＳ Ｐゴシック" charset="-128"/>
+              </a:rPr>
+              <a:t>Includes the equilibrium geometry, harmonic frequencies, and vibrational displacement vectors.</a:t>
+            </a:r>
             <a:r>
               <a:rPr lang="ja-JP" altLang="en-US" sz="1800">
                 <a:ea typeface="メイリオ" charset="-128"/>
                 <a:cs typeface="ＭＳ Ｐゴシック" charset="-128"/>
               </a:rPr>
-              <a:t>平衡構造、調和振動数、振動ベクトルを含む</a:t>
-            </a:r>
-            <a:r>
-              <a:rPr lang="ja-JP" altLang="en-US" sz="1800">
-                <a:solidFill>
-                  <a:srgbClr val="000000"/>
-                </a:solidFill>
+              <a:t> </a:t>
+            </a:r>
+            <a:r>
+              <a:rPr lang="en-US" altLang="ja-JP" sz="1800" dirty="0">
                 <a:ea typeface="メイリオ" charset="-128"/>
-                <a:cs typeface="メイリオ" charset="-128"/>
+                <a:cs typeface="ＭＳ Ｐゴシック" charset="-128"/>
               </a:rPr>
-              <a:t>。</a:t>
-            </a:r>
-            <a:r>
-              <a:rPr lang="en-US" altLang="ja-JP" sz="1800">
+              <a:t>They can be visualized by </a:t>
+            </a:r>
+            <a:r>
+              <a:rPr lang="en-US" altLang="ja-JP" sz="1800" dirty="0" err="1">
                 <a:solidFill>
                   <a:srgbClr val="000000"/>
                 </a:solidFill>
@@ -10619,16 +10637,16 @@
               <a:t>JSindo</a:t>
             </a:r>
             <a:r>
-              <a:rPr lang="ja-JP" altLang="en-US" sz="1800">
+              <a:rPr lang="en-US" altLang="ja-JP" sz="1800" dirty="0">
                 <a:solidFill>
                   <a:srgbClr val="000000"/>
                 </a:solidFill>
                 <a:ea typeface="メイリオ" charset="-128"/>
                 <a:cs typeface="メイリオ" charset="-128"/>
               </a:rPr>
-              <a:t>で可視化できる。</a:t>
-            </a:r>
-            <a:endParaRPr lang="en-US" altLang="ja-JP" sz="1800"/>
+              <a:t>.</a:t>
+            </a:r>
+            <a:endParaRPr lang="en-US" altLang="ja-JP" sz="1800" dirty="0"/>
           </a:p>
         </p:txBody>
       </p:sp>
@@ -10642,8 +10660,8 @@
         </p:nvSpPr>
         <p:spPr bwMode="auto">
           <a:xfrm>
-            <a:off x="4102100" y="2730500"/>
-            <a:ext cx="3136900" cy="461963"/>
+            <a:off x="4102100" y="2622012"/>
+            <a:ext cx="2815194" cy="830997"/>
           </a:xfrm>
           <a:prstGeom prst="rect">
             <a:avLst/>
@@ -10788,34 +10806,32 @@
               <a:defRPr/>
             </a:pPr>
             <a:r>
-              <a:rPr lang="en-US" altLang="ja-JP" sz="2400" dirty="0" smtClean="0">
+              <a:rPr lang="en-US" altLang="ja-JP" sz="2400" dirty="0">
                 <a:latin typeface="+mn-ea"/>
                 <a:ea typeface="+mn-ea"/>
               </a:rPr>
-              <a:t>1</a:t>
-            </a:r>
-            <a:r>
-              <a:rPr lang="ja-JP" altLang="en-US" sz="2400" dirty="0" smtClean="0">
+              <a:t>one-body terms: </a:t>
+            </a:r>
+          </a:p>
+          <a:p>
+            <a:pPr lvl="1">
+              <a:defRPr/>
+            </a:pPr>
+            <a:r>
+              <a:rPr lang="en-US" altLang="ja-JP" sz="2400" dirty="0">
                 <a:latin typeface="+mn-ea"/>
                 <a:ea typeface="+mn-ea"/>
               </a:rPr>
-              <a:t>体項</a:t>
-            </a:r>
-            <a:r>
-              <a:rPr lang="en-US" altLang="ja-JP" sz="2400" dirty="0" smtClean="0">
-                <a:latin typeface="+mn-ea"/>
-                <a:ea typeface="+mn-ea"/>
-              </a:rPr>
-              <a:t> ci, cii, ciii, </a:t>
-            </a:r>
-            <a:r>
-              <a:rPr lang="en-US" altLang="ja-JP" sz="2400" dirty="0" err="1" smtClean="0">
+              <a:t>ci, cii, ciii, </a:t>
+            </a:r>
+            <a:r>
+              <a:rPr lang="en-US" altLang="ja-JP" sz="2400" dirty="0" err="1">
                 <a:latin typeface="+mn-ea"/>
                 <a:ea typeface="+mn-ea"/>
               </a:rPr>
               <a:t>ciiii</a:t>
             </a:r>
-            <a:endParaRPr lang="ja-JP" altLang="en-US" sz="2400" dirty="0" smtClean="0">
+            <a:endParaRPr lang="ja-JP" altLang="en-US" sz="2400" dirty="0">
               <a:latin typeface="+mn-ea"/>
               <a:ea typeface="+mn-ea"/>
             </a:endParaRPr>
@@ -10833,7 +10849,7 @@
         <p:spPr bwMode="auto">
           <a:xfrm>
             <a:off x="4102100" y="3789363"/>
-            <a:ext cx="3663950" cy="830262"/>
+            <a:ext cx="4432624" cy="830997"/>
           </a:xfrm>
           <a:prstGeom prst="rect">
             <a:avLst/>
@@ -10978,116 +10994,95 @@
               <a:defRPr/>
             </a:pPr>
             <a:r>
-              <a:rPr lang="en-US" altLang="ja-JP" sz="2400" dirty="0" smtClean="0">
+              <a:rPr lang="en-US" altLang="ja-JP" sz="2400" dirty="0">
                 <a:latin typeface="+mn-ea"/>
                 <a:ea typeface="+mn-ea"/>
               </a:rPr>
-              <a:t>2</a:t>
-            </a:r>
-            <a:r>
-              <a:rPr lang="ja-JP" altLang="en-US" sz="2400" dirty="0" smtClean="0">
-                <a:latin typeface="+mn-ea"/>
-                <a:ea typeface="+mn-ea"/>
-              </a:rPr>
-              <a:t>体項</a:t>
-            </a:r>
-            <a:r>
-              <a:rPr lang="en-US" altLang="ja-JP" sz="2400" dirty="0" smtClean="0">
-                <a:latin typeface="+mn-ea"/>
-                <a:ea typeface="+mn-ea"/>
-              </a:rPr>
-              <a:t> </a:t>
-            </a:r>
-            <a:r>
-              <a:rPr lang="en-US" altLang="ja-JP" sz="2400" dirty="0" err="1" smtClean="0">
+              <a:t>two-body terms: </a:t>
+            </a:r>
+          </a:p>
+          <a:p>
+            <a:pPr lvl="1">
+              <a:defRPr/>
+            </a:pPr>
+            <a:r>
+              <a:rPr lang="en-US" altLang="ja-JP" sz="2400" dirty="0" err="1">
                 <a:latin typeface="+mn-ea"/>
                 <a:ea typeface="+mn-ea"/>
               </a:rPr>
               <a:t>cij</a:t>
             </a:r>
             <a:r>
-              <a:rPr lang="en-US" altLang="ja-JP" sz="2400" dirty="0" smtClean="0">
+              <a:rPr lang="en-US" altLang="ja-JP" sz="2400" dirty="0">
                 <a:latin typeface="+mn-ea"/>
                 <a:ea typeface="+mn-ea"/>
               </a:rPr>
               <a:t>, </a:t>
             </a:r>
             <a:r>
-              <a:rPr lang="en-US" altLang="ja-JP" sz="2400" dirty="0" err="1" smtClean="0">
+              <a:rPr lang="en-US" altLang="ja-JP" sz="2400" dirty="0" err="1">
                 <a:latin typeface="+mn-ea"/>
                 <a:ea typeface="+mn-ea"/>
               </a:rPr>
               <a:t>cijj</a:t>
             </a:r>
             <a:r>
-              <a:rPr lang="en-US" altLang="ja-JP" sz="2400" dirty="0" smtClean="0">
+              <a:rPr lang="en-US" altLang="ja-JP" sz="2400" dirty="0">
                 <a:latin typeface="+mn-ea"/>
                 <a:ea typeface="+mn-ea"/>
               </a:rPr>
               <a:t>, </a:t>
             </a:r>
             <a:r>
-              <a:rPr lang="en-US" altLang="ja-JP" sz="2400" dirty="0" err="1" smtClean="0">
+              <a:rPr lang="en-US" altLang="ja-JP" sz="2400" dirty="0" err="1">
                 <a:latin typeface="+mn-ea"/>
                 <a:ea typeface="+mn-ea"/>
               </a:rPr>
               <a:t>cijjj</a:t>
             </a:r>
             <a:r>
-              <a:rPr lang="en-US" altLang="ja-JP" sz="2400" dirty="0" smtClean="0">
+              <a:rPr lang="en-US" altLang="ja-JP" sz="2400" dirty="0">
                 <a:latin typeface="+mn-ea"/>
                 <a:ea typeface="+mn-ea"/>
               </a:rPr>
               <a:t>, </a:t>
             </a:r>
             <a:r>
-              <a:rPr lang="en-US" altLang="ja-JP" sz="2400" dirty="0" err="1" smtClean="0">
+              <a:rPr lang="en-US" altLang="ja-JP" sz="2400" dirty="0" err="1">
                 <a:latin typeface="+mn-ea"/>
                 <a:ea typeface="+mn-ea"/>
               </a:rPr>
               <a:t>ciij</a:t>
             </a:r>
             <a:r>
-              <a:rPr lang="en-US" altLang="ja-JP" sz="2400" dirty="0" smtClean="0">
+              <a:rPr lang="en-US" altLang="ja-JP" sz="2400" dirty="0">
                 <a:latin typeface="+mn-ea"/>
                 <a:ea typeface="+mn-ea"/>
               </a:rPr>
               <a:t>, </a:t>
             </a:r>
-          </a:p>
-          <a:p>
-            <a:pPr>
-              <a:defRPr/>
-            </a:pPr>
-            <a:r>
-              <a:rPr lang="en-US" altLang="ja-JP" sz="2400" dirty="0" smtClean="0">
-                <a:latin typeface="+mn-ea"/>
-                <a:ea typeface="+mn-ea"/>
-              </a:rPr>
-              <a:t>	   </a:t>
-            </a:r>
-            <a:r>
-              <a:rPr lang="en-US" altLang="ja-JP" sz="2400" dirty="0" err="1" smtClean="0">
+            <a:r>
+              <a:rPr lang="en-US" altLang="ja-JP" sz="2400" dirty="0" err="1">
                 <a:latin typeface="+mn-ea"/>
                 <a:ea typeface="+mn-ea"/>
               </a:rPr>
               <a:t>ciijj</a:t>
             </a:r>
             <a:r>
-              <a:rPr lang="en-US" altLang="ja-JP" sz="2400" dirty="0" smtClean="0">
+              <a:rPr lang="en-US" altLang="ja-JP" sz="2400" dirty="0">
                 <a:latin typeface="+mn-ea"/>
                 <a:ea typeface="+mn-ea"/>
               </a:rPr>
               <a:t>, </a:t>
             </a:r>
             <a:r>
-              <a:rPr lang="en-US" altLang="ja-JP" sz="2400" dirty="0" err="1" smtClean="0">
+              <a:rPr lang="en-US" altLang="ja-JP" sz="2400" dirty="0" err="1">
                 <a:latin typeface="+mn-ea"/>
                 <a:ea typeface="+mn-ea"/>
               </a:rPr>
               <a:t>ciiij</a:t>
             </a:r>
-            <a:endParaRPr lang="ja-JP" altLang="en-US" sz="2400" dirty="0" smtClean="0">
+            <a:endParaRPr lang="ja-JP" altLang="en-US" sz="2400" dirty="0">
               <a:latin typeface="+mn-ea"/>
               <a:ea typeface="+mn-ea"/>
             </a:endParaRPr>
@@ -11104,8 +11099,8 @@
         </p:nvSpPr>
         <p:spPr bwMode="auto">
           <a:xfrm>
-            <a:off x="4076700" y="5241925"/>
-            <a:ext cx="4098925" cy="461963"/>
+            <a:off x="4076700" y="5071444"/>
+            <a:ext cx="3650358" cy="830997"/>
           </a:xfrm>
           <a:prstGeom prst="rect">
             <a:avLst/>
@@ -11250,27 +11245,67 @@
               <a:defRPr/>
             </a:pPr>
             <a:r>
-              <a:rPr lang="en-US" altLang="ja-JP" sz="2400" smtClean="0">
+              <a:rPr lang="en-US" altLang="ja-JP" sz="2400" dirty="0">
                 <a:latin typeface="+mn-ea"/>
                 <a:ea typeface="+mn-ea"/>
               </a:rPr>
-              <a:t>3</a:t>
-            </a:r>
-            <a:r>
-              <a:rPr lang="ja-JP" altLang="en-US" sz="2400" smtClean="0">
+              <a:t>three-body terms: </a:t>
+            </a:r>
+          </a:p>
+          <a:p>
+            <a:pPr lvl="1">
+              <a:defRPr/>
+            </a:pPr>
+            <a:r>
+              <a:rPr lang="en-US" altLang="ja-JP" sz="2400" dirty="0" err="1">
                 <a:latin typeface="+mn-ea"/>
                 <a:ea typeface="+mn-ea"/>
               </a:rPr>
-              <a:t>体項</a:t>
-            </a:r>
-            <a:r>
-              <a:rPr lang="en-US" altLang="ja-JP" sz="2400" smtClean="0">
+              <a:t>cijk</a:t>
+            </a:r>
+            <a:r>
+              <a:rPr lang="en-US" altLang="ja-JP" sz="2400" dirty="0">
                 <a:latin typeface="+mn-ea"/>
                 <a:ea typeface="+mn-ea"/>
               </a:rPr>
-              <a:t> cijk, cijkk, cijjk, ciijk</a:t>
-            </a:r>
-            <a:endParaRPr lang="ja-JP" altLang="en-US" sz="2400" smtClean="0">
+              <a:t>, </a:t>
+            </a:r>
+            <a:r>
+              <a:rPr lang="en-US" altLang="ja-JP" sz="2400" dirty="0" err="1">
+                <a:latin typeface="+mn-ea"/>
+                <a:ea typeface="+mn-ea"/>
+              </a:rPr>
+              <a:t>cijkk</a:t>
+            </a:r>
+            <a:r>
+              <a:rPr lang="en-US" altLang="ja-JP" sz="2400" dirty="0">
+                <a:latin typeface="+mn-ea"/>
+                <a:ea typeface="+mn-ea"/>
+              </a:rPr>
+              <a:t>, </a:t>
+            </a:r>
+            <a:r>
+              <a:rPr lang="en-US" altLang="ja-JP" sz="2400" dirty="0" err="1">
+                <a:latin typeface="+mn-ea"/>
+                <a:ea typeface="+mn-ea"/>
+              </a:rPr>
+              <a:t>cijjk</a:t>
+            </a:r>
+            <a:r>
+              <a:rPr lang="en-US" altLang="ja-JP" sz="2400" dirty="0">
+                <a:latin typeface="+mn-ea"/>
+                <a:ea typeface="+mn-ea"/>
+              </a:rPr>
+              <a:t>, </a:t>
+            </a:r>
+            <a:r>
+              <a:rPr lang="en-US" altLang="ja-JP" sz="2400" dirty="0" err="1">
+                <a:latin typeface="+mn-ea"/>
+                <a:ea typeface="+mn-ea"/>
+              </a:rPr>
+              <a:t>ciijk</a:t>
+            </a:r>
+            <a:endParaRPr lang="ja-JP" altLang="en-US" sz="2400">
               <a:latin typeface="+mn-ea"/>
               <a:ea typeface="+mn-ea"/>
             </a:endParaRPr>
@@ -11288,7 +11323,7 @@
         <p:spPr bwMode="auto">
           <a:xfrm>
             <a:off x="4076700" y="6146800"/>
-            <a:ext cx="1677988" cy="461963"/>
+            <a:ext cx="3447290" cy="461665"/>
           </a:xfrm>
           <a:prstGeom prst="rect">
             <a:avLst/>
@@ -11433,34 +11468,20 @@
               <a:defRPr/>
             </a:pPr>
             <a:r>
-              <a:rPr lang="en-US" altLang="ja-JP" sz="2400" smtClean="0">
+              <a:rPr lang="en-US" altLang="ja-JP" sz="2400" dirty="0">
                 <a:latin typeface="+mn-ea"/>
                 <a:ea typeface="+mn-ea"/>
               </a:rPr>
-              <a:t>4</a:t>
-            </a:r>
-            <a:r>
-              <a:rPr lang="ja-JP" altLang="en-US" sz="2400" dirty="0" smtClean="0">
-                <a:latin typeface="+mn-ea"/>
-                <a:ea typeface="+mn-ea"/>
-              </a:rPr>
-              <a:t>体項</a:t>
-            </a:r>
-            <a:r>
-              <a:rPr lang="en-US" altLang="ja-JP" sz="2400" dirty="0" smtClean="0">
-                <a:latin typeface="+mn-ea"/>
-                <a:ea typeface="+mn-ea"/>
-              </a:rPr>
-              <a:t> </a:t>
-            </a:r>
-            <a:r>
-              <a:rPr lang="en-US" altLang="ja-JP" sz="2400" dirty="0" err="1" smtClean="0">
+              <a:t>four-body terms: </a:t>
+            </a:r>
+            <a:r>
+              <a:rPr lang="en-US" altLang="ja-JP" sz="2400" dirty="0" err="1">
                 <a:latin typeface="+mn-ea"/>
                 <a:ea typeface="+mn-ea"/>
               </a:rPr>
               <a:t>cijkl</a:t>
             </a:r>
-            <a:endParaRPr lang="ja-JP" altLang="en-US" sz="2400" dirty="0" smtClean="0">
+            <a:endParaRPr lang="ja-JP" altLang="en-US" sz="2400" dirty="0">
               <a:latin typeface="+mn-ea"/>
               <a:ea typeface="+mn-ea"/>
             </a:endParaRPr>
@@ -11477,7 +11498,7 @@
         </p:nvGrpSpPr>
         <p:grpSpPr bwMode="auto">
           <a:xfrm>
-            <a:off x="1009650" y="2625725"/>
+            <a:off x="1009650" y="2687717"/>
             <a:ext cx="2747963" cy="3927475"/>
             <a:chOff x="609601" y="1659750"/>
             <a:chExt cx="3175000" cy="4537850"/>
@@ -12533,7 +12554,7 @@
               <a:defRPr/>
             </a:pPr>
             <a:r>
-              <a:rPr lang="en-US" altLang="ja-JP" sz="1800" dirty="0" smtClean="0">
+              <a:rPr lang="en-US" altLang="ja-JP" sz="1800" dirty="0">
                 <a:solidFill>
                   <a:srgbClr val="000000"/>
                 </a:solidFill>
@@ -12549,23 +12570,12 @@
               <a:defRPr/>
             </a:pPr>
             <a:r>
-              <a:rPr lang="en-US" altLang="ja-JP" sz="1800" dirty="0" smtClean="0">
+              <a:rPr lang="en-US" altLang="ja-JP" sz="1800" dirty="0">
                 <a:latin typeface="+mn-lt"/>
                 <a:ea typeface="+mn-ea"/>
               </a:rPr>
-              <a:t>QFF</a:t>
-            </a:r>
-            <a:r>
-              <a:rPr lang="ja-JP" altLang="en-US" sz="1800" dirty="0" smtClean="0">
-                <a:latin typeface="+mn-lt"/>
-                <a:ea typeface="+mn-ea"/>
-              </a:rPr>
-              <a:t>情報を含む。</a:t>
-            </a:r>
-            <a:endParaRPr lang="en-US" altLang="ja-JP" sz="1800" dirty="0" smtClean="0">
-              <a:latin typeface="+mn-lt"/>
-              <a:ea typeface="+mn-ea"/>
-            </a:endParaRPr>
+              <a:t>Includes the information of QFF</a:t>
+            </a:r>
           </a:p>
         </p:txBody>
       </p:sp>
@@ -12842,8 +12852,8 @@
         </p:nvSpPr>
         <p:spPr>
           <a:xfrm>
-            <a:off x="425450" y="2595563"/>
-            <a:ext cx="8012113" cy="922337"/>
+            <a:off x="425450" y="3014017"/>
+            <a:ext cx="8012113" cy="923330"/>
           </a:xfrm>
           <a:prstGeom prst="rect">
             <a:avLst/>
@@ -12865,41 +12875,8 @@
               <a:rPr lang="en-US" altLang="ja-JP" sz="1800" dirty="0">
                 <a:latin typeface="+mn-lt"/>
               </a:rPr>
-              <a:t>VCI, VMP2, VQDPT2</a:t>
-            </a:r>
-            <a:r>
-              <a:rPr lang="ja-JP" altLang="en-US" sz="1800" dirty="0">
-                <a:latin typeface="+mn-lt"/>
-              </a:rPr>
-              <a:t>計算のインプットは</a:t>
-            </a:r>
-            <a:r>
-              <a:rPr lang="en-US" altLang="ja-JP" sz="1800" dirty="0">
-                <a:latin typeface="+mn-lt"/>
-              </a:rPr>
-              <a:t>QFF</a:t>
-            </a:r>
-            <a:r>
-              <a:rPr lang="ja-JP" altLang="en-US" sz="1800" dirty="0">
-                <a:latin typeface="+mn-lt"/>
-              </a:rPr>
-              <a:t>のエントリーを除き、</a:t>
-            </a:r>
-            <a:r>
-              <a:rPr lang="en-US" altLang="ja-JP" sz="1800" dirty="0">
-                <a:latin typeface="+mn-lt"/>
-              </a:rPr>
-              <a:t>water</a:t>
-            </a:r>
-            <a:r>
-              <a:rPr lang="ja-JP" altLang="en-US" sz="1800" dirty="0">
-                <a:latin typeface="+mn-lt"/>
-              </a:rPr>
-              <a:t>と同様。</a:t>
-            </a:r>
-            <a:endParaRPr lang="en-US" altLang="ja-JP" sz="1800" dirty="0">
-              <a:latin typeface="+mn-lt"/>
-            </a:endParaRPr>
+              <a:t>Input for VCI, VMP2, VQDPT2 is the same as in the case of water.</a:t>
+            </a:r>
           </a:p>
           <a:p>
             <a:pPr marL="285750" indent="-285750">
@@ -12918,23 +12895,14 @@
               <a:defRPr/>
             </a:pPr>
             <a:r>
-              <a:rPr lang="ja-JP" altLang="en-US" sz="1800" dirty="0">
-                <a:latin typeface="+mn-lt"/>
-              </a:rPr>
-              <a:t>アウトプットも</a:t>
-            </a:r>
-            <a:r>
               <a:rPr lang="en-US" altLang="ja-JP" sz="1800" dirty="0">
                 <a:latin typeface="+mn-lt"/>
               </a:rPr>
-              <a:t>QFF</a:t>
-            </a:r>
-            <a:r>
-              <a:rPr lang="ja-JP" altLang="en-US" sz="1800" dirty="0">
-                <a:latin typeface="+mn-lt"/>
-              </a:rPr>
-              <a:t>以外は同様。</a:t>
-            </a:r>
+              <a:t>Output for QFF</a:t>
+            </a:r>
+            <a:endParaRPr lang="ja-JP" altLang="en-US" sz="1800" dirty="0">
+              <a:latin typeface="+mn-lt"/>
+            </a:endParaRPr>
           </a:p>
         </p:txBody>
       </p:sp>
@@ -13096,7 +13064,7 @@
               <a:defRPr/>
             </a:pPr>
             <a:r>
-              <a:rPr lang="en-US" altLang="ja-JP" sz="2400" dirty="0" err="1" smtClean="0">
+              <a:rPr lang="en-US" altLang="ja-JP" sz="2400" dirty="0" err="1">
                 <a:solidFill>
                   <a:srgbClr val="000000"/>
                 </a:solidFill>
@@ -13107,7 +13075,7 @@
               <a:t>vci.inp</a:t>
             </a:r>
             <a:r>
-              <a:rPr lang="en-US" altLang="ja-JP" sz="2400" dirty="0" smtClean="0">
+              <a:rPr lang="en-US" altLang="ja-JP" sz="2400" dirty="0">
                 <a:solidFill>
                   <a:srgbClr val="000000"/>
                 </a:solidFill>
@@ -13130,7 +13098,7 @@
         </p:nvSpPr>
         <p:spPr bwMode="auto">
           <a:xfrm>
-            <a:off x="854075" y="860425"/>
+            <a:off x="854075" y="1263381"/>
             <a:ext cx="5641975" cy="646113"/>
           </a:xfrm>
           <a:prstGeom prst="rect">
@@ -13378,7 +13346,7 @@
         </p:nvSpPr>
         <p:spPr bwMode="auto">
           <a:xfrm>
-            <a:off x="1101725" y="1604963"/>
+            <a:off x="1101725" y="2007919"/>
             <a:ext cx="6611938" cy="646112"/>
           </a:xfrm>
           <a:prstGeom prst="rect">
@@ -13654,7 +13622,7 @@
         </p:nvSpPr>
         <p:spPr>
           <a:xfrm>
-            <a:off x="776288" y="723900"/>
+            <a:off x="776288" y="1126856"/>
             <a:ext cx="7227887" cy="1747838"/>
           </a:xfrm>
           <a:prstGeom prst="rect">
@@ -13704,7 +13672,7 @@
         </p:nvGrpSpPr>
         <p:grpSpPr bwMode="auto">
           <a:xfrm>
-            <a:off x="879475" y="3892496"/>
+            <a:off x="879475" y="4093974"/>
             <a:ext cx="7661275" cy="2014538"/>
             <a:chOff x="-2105891" y="3564919"/>
             <a:chExt cx="10937322" cy="2877445"/>
@@ -13883,7 +13851,7 @@
         </p:nvSpPr>
         <p:spPr bwMode="auto">
           <a:xfrm>
-            <a:off x="4184650" y="3930596"/>
+            <a:off x="4184650" y="4132074"/>
             <a:ext cx="623888" cy="369888"/>
           </a:xfrm>
           <a:prstGeom prst="rect">
@@ -14116,7 +14084,7 @@
         </p:nvSpPr>
         <p:spPr bwMode="auto">
           <a:xfrm>
-            <a:off x="7358063" y="4022671"/>
+            <a:off x="7358063" y="4224149"/>
             <a:ext cx="623887" cy="369888"/>
           </a:xfrm>
           <a:prstGeom prst="rect">
@@ -14349,7 +14317,7 @@
         </p:nvSpPr>
         <p:spPr bwMode="auto">
           <a:xfrm>
-            <a:off x="7358063" y="4843409"/>
+            <a:off x="7358063" y="5044887"/>
             <a:ext cx="623887" cy="369887"/>
           </a:xfrm>
           <a:prstGeom prst="rect">
@@ -14568,6 +14536,51 @@
               </a:solidFill>
               <a:ea typeface="メイリオ" charset="-128"/>
               <a:cs typeface="メイリオ" charset="-128"/>
+            </a:endParaRPr>
+          </a:p>
+        </p:txBody>
+      </p:sp>
+      <p:sp>
+        <p:nvSpPr>
+          <p:cNvPr id="15" name="テキスト ボックス 14">
+            <a:extLst>
+              <a:ext uri="{FF2B5EF4-FFF2-40B4-BE49-F238E27FC236}">
+                <a16:creationId xmlns:a16="http://schemas.microsoft.com/office/drawing/2014/main" id="{3C332166-2D2C-2647-8E90-EA7EAD105AD1}"/>
+              </a:ext>
+            </a:extLst>
+          </p:cNvPr>
+          <p:cNvSpPr txBox="1"/>
+          <p:nvPr/>
+        </p:nvSpPr>
+        <p:spPr>
+          <a:xfrm>
+            <a:off x="425450" y="692696"/>
+            <a:ext cx="8012113" cy="369332"/>
+          </a:xfrm>
+          <a:prstGeom prst="rect">
+            <a:avLst/>
+          </a:prstGeom>
+          <a:noFill/>
+        </p:spPr>
+        <p:txBody>
+          <a:bodyPr>
+            <a:spAutoFit/>
+          </a:bodyPr>
+          <a:lstStyle/>
+          <a:p>
+            <a:pPr marL="285750" indent="-285750">
+              <a:buFont typeface="Arial" charset="0"/>
+              <a:buChar char="•"/>
+              <a:defRPr/>
+            </a:pPr>
+            <a:r>
+              <a:rPr lang="en-US" altLang="ja-JP" sz="1800" dirty="0">
+                <a:latin typeface="+mn-lt"/>
+              </a:rPr>
+              <a:t>Input for QFF</a:t>
+            </a:r>
+            <a:endParaRPr lang="ja-JP" altLang="en-US" sz="1800" dirty="0">
+              <a:latin typeface="+mn-lt"/>
             </a:endParaRPr>
           </a:p>
         </p:txBody>
@@ -15046,12 +15059,16 @@
               <a:buNone/>
             </a:pPr>
             <a:r>
-              <a:rPr lang="ja-JP" altLang="en-US" sz="4400">
+              <a:rPr lang="en-US" altLang="ja-JP" sz="4400" dirty="0">
                 <a:ea typeface="HG創英角ｺﾞｼｯｸUB" charset="-128"/>
                 <a:cs typeface="ＭＳ Ｐゴシック" charset="-128"/>
               </a:rPr>
-              <a:t>問題</a:t>
-            </a:r>
+              <a:t>Quiz</a:t>
+            </a:r>
+            <a:endParaRPr lang="ja-JP" altLang="en-US" sz="4400">
+              <a:ea typeface="HG創英角ｺﾞｼｯｸUB" charset="-128"/>
+              <a:cs typeface="ＭＳ Ｐゴシック" charset="-128"/>
+            </a:endParaRPr>
           </a:p>
         </p:txBody>
       </p:sp>
@@ -15074,12 +15091,48 @@
                 <a:tableStyleId>{5C22544A-7EE6-4342-B048-85BDC9FD1C3A}</a:tableStyleId>
               </a:tblPr>
               <a:tblGrid>
-                <a:gridCol w="831850"/>
-                <a:gridCol w="1236980"/>
-                <a:gridCol w="1236980"/>
-                <a:gridCol w="1236980"/>
-                <a:gridCol w="1236980"/>
-                <a:gridCol w="1236980"/>
+                <a:gridCol w="831850">
+                  <a:extLst>
+                    <a:ext uri="{9D8B030D-6E8A-4147-A177-3AD203B41FA5}">
+                      <a16:colId xmlns:a16="http://schemas.microsoft.com/office/drawing/2014/main" val="20000"/>
+                    </a:ext>
+                  </a:extLst>
+                </a:gridCol>
+                <a:gridCol w="1236980">
+                  <a:extLst>
+                    <a:ext uri="{9D8B030D-6E8A-4147-A177-3AD203B41FA5}">
+                      <a16:colId xmlns:a16="http://schemas.microsoft.com/office/drawing/2014/main" val="20001"/>
+                    </a:ext>
+                  </a:extLst>
+                </a:gridCol>
+                <a:gridCol w="1236980">
+                  <a:extLst>
+                    <a:ext uri="{9D8B030D-6E8A-4147-A177-3AD203B41FA5}">
+                      <a16:colId xmlns:a16="http://schemas.microsoft.com/office/drawing/2014/main" val="20002"/>
+                    </a:ext>
+                  </a:extLst>
+                </a:gridCol>
+                <a:gridCol w="1236980">
+                  <a:extLst>
+                    <a:ext uri="{9D8B030D-6E8A-4147-A177-3AD203B41FA5}">
+                      <a16:colId xmlns:a16="http://schemas.microsoft.com/office/drawing/2014/main" val="20003"/>
+                    </a:ext>
+                  </a:extLst>
+                </a:gridCol>
+                <a:gridCol w="1236980">
+                  <a:extLst>
+                    <a:ext uri="{9D8B030D-6E8A-4147-A177-3AD203B41FA5}">
+                      <a16:colId xmlns:a16="http://schemas.microsoft.com/office/drawing/2014/main" val="20004"/>
+                    </a:ext>
+                  </a:extLst>
+                </a:gridCol>
+                <a:gridCol w="1236980">
+                  <a:extLst>
+                    <a:ext uri="{9D8B030D-6E8A-4147-A177-3AD203B41FA5}">
+                      <a16:colId xmlns:a16="http://schemas.microsoft.com/office/drawing/2014/main" val="20005"/>
+                    </a:ext>
+                  </a:extLst>
+                </a:gridCol>
               </a:tblGrid>
               <a:tr h="308429">
                 <a:tc>
@@ -15149,14 +15202,14 @@
                     <a:p>
                       <a:pPr algn="ctr" fontAlgn="b"/>
                       <a:r>
-                        <a:rPr lang="en-US" altLang="ja-JP" sz="1600" u="none" strike="noStrike" dirty="0" smtClean="0">
+                        <a:rPr lang="en-US" altLang="ja-JP" sz="1600" u="none" strike="noStrike" dirty="0">
                           <a:effectLst/>
                           <a:latin typeface="+mn-lt"/>
                         </a:rPr>
                         <a:t>H</a:t>
                       </a:r>
                       <a:r>
-                        <a:rPr lang="en-US" sz="1600" u="none" strike="noStrike" dirty="0" smtClean="0">
+                        <a:rPr lang="en-US" sz="1600" u="none" strike="noStrike" dirty="0">
                           <a:effectLst/>
                           <a:latin typeface="+mn-lt"/>
                         </a:rPr>
@@ -15223,14 +15276,14 @@
                     <a:p>
                       <a:pPr algn="ctr" fontAlgn="b"/>
                       <a:r>
-                        <a:rPr lang="en-US" altLang="ja-JP" sz="1600" u="none" strike="noStrike" dirty="0" smtClean="0">
+                        <a:rPr lang="en-US" altLang="ja-JP" sz="1600" u="none" strike="noStrike" dirty="0">
                           <a:effectLst/>
                           <a:latin typeface="+mn-lt"/>
                         </a:rPr>
                         <a:t>VCI</a:t>
                       </a:r>
                       <a:r>
-                        <a:rPr lang="hr-HR" sz="1600" u="none" strike="noStrike" dirty="0" smtClean="0">
+                        <a:rPr lang="hr-HR" sz="1600" u="none" strike="noStrike" dirty="0">
                           <a:effectLst/>
                           <a:latin typeface="+mn-lt"/>
                         </a:rPr>
@@ -15297,7 +15350,7 @@
                     <a:p>
                       <a:pPr algn="ctr" fontAlgn="b"/>
                       <a:r>
-                        <a:rPr lang="en-US" altLang="ja-JP" sz="1600" u="none" strike="noStrike" dirty="0" smtClean="0">
+                        <a:rPr lang="en-US" altLang="ja-JP" sz="1600" u="none" strike="noStrike" dirty="0">
                           <a:effectLst/>
                           <a:latin typeface="+mn-lt"/>
                         </a:rPr>
@@ -15364,7 +15417,7 @@
                     <a:p>
                       <a:pPr algn="ctr" fontAlgn="b"/>
                       <a:r>
-                        <a:rPr lang="en-US" sz="1600" u="none" strike="noStrike" dirty="0" smtClean="0">
+                        <a:rPr lang="en-US" sz="1600" u="none" strike="noStrike" dirty="0">
                           <a:effectLst/>
                           <a:latin typeface="+mn-lt"/>
                         </a:rPr>
@@ -15431,7 +15484,7 @@
                     <a:p>
                       <a:pPr algn="ctr" fontAlgn="b"/>
                       <a:r>
-                        <a:rPr lang="en-US" sz="1600" b="0" i="0" u="none" strike="noStrike" dirty="0" smtClean="0">
+                        <a:rPr lang="en-US" sz="1600" b="0" i="0" u="none" strike="noStrike" dirty="0">
                           <a:solidFill>
                             <a:srgbClr val="000000"/>
                           </a:solidFill>
@@ -15440,13 +15493,6 @@
                         </a:rPr>
                         <a:t>Exp.</a:t>
                       </a:r>
-                      <a:endParaRPr lang="en-US" sz="1600" b="0" i="0" u="none" strike="noStrike" dirty="0">
-                        <a:solidFill>
-                          <a:srgbClr val="000000"/>
-                        </a:solidFill>
-                        <a:effectLst/>
-                        <a:latin typeface="+mn-lt"/>
-                      </a:endParaRPr>
                     </a:p>
                   </a:txBody>
                   <a:tcPr marL="6350" marR="6350" marT="6350" marB="0" anchor="ctr">
@@ -15494,6 +15540,11 @@
                     </a:solidFill>
                   </a:tcPr>
                 </a:tc>
+                <a:extLst>
+                  <a:ext uri="{0D108BD9-81ED-4DB2-BD59-A6C34878D82A}">
+                    <a16:rowId xmlns:a16="http://schemas.microsoft.com/office/drawing/2014/main" val="10000"/>
+                  </a:ext>
+                </a:extLst>
               </a:tr>
               <a:tr h="308429">
                 <a:tc>
@@ -15785,7 +15836,7 @@
                     <a:p>
                       <a:pPr algn="ctr" fontAlgn="b"/>
                       <a:r>
-                        <a:rPr lang="en-US" altLang="ja-JP" sz="1600" b="0" i="0" u="none" strike="noStrike" dirty="0" smtClean="0">
+                        <a:rPr lang="en-US" altLang="ja-JP" sz="1600" b="0" i="0" u="none" strike="noStrike" dirty="0">
                           <a:solidFill>
                             <a:srgbClr val="000000"/>
                           </a:solidFill>
@@ -15794,13 +15845,6 @@
                         </a:rPr>
                         <a:t>826</a:t>
                       </a:r>
-                      <a:endParaRPr lang="en-US" altLang="ja-JP" sz="1600" b="0" i="0" u="none" strike="noStrike" dirty="0">
-                        <a:solidFill>
-                          <a:srgbClr val="000000"/>
-                        </a:solidFill>
-                        <a:effectLst/>
-                        <a:latin typeface="+mn-lt"/>
-                      </a:endParaRPr>
                     </a:p>
                   </a:txBody>
                   <a:tcPr marL="6350" marR="6350" marT="6350" marB="0" anchor="ctr">
@@ -15843,6 +15887,11 @@
                     <a:noFill/>
                   </a:tcPr>
                 </a:tc>
+                <a:extLst>
+                  <a:ext uri="{0D108BD9-81ED-4DB2-BD59-A6C34878D82A}">
+                    <a16:rowId xmlns:a16="http://schemas.microsoft.com/office/drawing/2014/main" val="10001"/>
+                  </a:ext>
+                </a:extLst>
               </a:tr>
               <a:tr h="308429">
                 <a:tc>
@@ -16134,7 +16183,7 @@
                     <a:p>
                       <a:pPr algn="ctr" fontAlgn="b"/>
                       <a:r>
-                        <a:rPr lang="en-US" altLang="ja-JP" sz="1600" b="0" i="0" u="none" strike="noStrike" dirty="0" smtClean="0">
+                        <a:rPr lang="en-US" altLang="ja-JP" sz="1600" b="0" i="0" u="none" strike="noStrike" dirty="0">
                           <a:solidFill>
                             <a:srgbClr val="000000"/>
                           </a:solidFill>
@@ -16143,13 +16192,6 @@
                         </a:rPr>
                         <a:t>940</a:t>
                       </a:r>
-                      <a:endParaRPr lang="en-US" altLang="ja-JP" sz="1600" b="0" i="0" u="none" strike="noStrike" dirty="0">
-                        <a:solidFill>
-                          <a:srgbClr val="000000"/>
-                        </a:solidFill>
-                        <a:effectLst/>
-                        <a:latin typeface="+mn-lt"/>
-                      </a:endParaRPr>
                     </a:p>
                   </a:txBody>
                   <a:tcPr marL="6350" marR="6350" marT="6350" marB="0" anchor="ctr">
@@ -16192,6 +16234,11 @@
                     <a:noFill/>
                   </a:tcPr>
                 </a:tc>
+                <a:extLst>
+                  <a:ext uri="{0D108BD9-81ED-4DB2-BD59-A6C34878D82A}">
+                    <a16:rowId xmlns:a16="http://schemas.microsoft.com/office/drawing/2014/main" val="10002"/>
+                  </a:ext>
+                </a:extLst>
               </a:tr>
               <a:tr h="308429">
                 <a:tc>
@@ -16483,7 +16530,7 @@
                     <a:p>
                       <a:pPr algn="ctr" fontAlgn="b"/>
                       <a:r>
-                        <a:rPr lang="en-US" altLang="ja-JP" sz="1600" b="0" i="0" u="none" strike="noStrike" dirty="0" smtClean="0">
+                        <a:rPr lang="en-US" altLang="ja-JP" sz="1600" b="0" i="0" u="none" strike="noStrike" dirty="0">
                           <a:solidFill>
                             <a:srgbClr val="000000"/>
                           </a:solidFill>
@@ -16492,13 +16539,6 @@
                         </a:rPr>
                         <a:t>949</a:t>
                       </a:r>
-                      <a:endParaRPr lang="en-US" altLang="ja-JP" sz="1600" b="0" i="0" u="none" strike="noStrike" dirty="0">
-                        <a:solidFill>
-                          <a:srgbClr val="000000"/>
-                        </a:solidFill>
-                        <a:effectLst/>
-                        <a:latin typeface="+mn-lt"/>
-                      </a:endParaRPr>
                     </a:p>
                   </a:txBody>
                   <a:tcPr marL="6350" marR="6350" marT="6350" marB="0" anchor="ctr">
@@ -16541,6 +16581,11 @@
                     <a:noFill/>
                   </a:tcPr>
                 </a:tc>
+                <a:extLst>
+                  <a:ext uri="{0D108BD9-81ED-4DB2-BD59-A6C34878D82A}">
+                    <a16:rowId xmlns:a16="http://schemas.microsoft.com/office/drawing/2014/main" val="10003"/>
+                  </a:ext>
+                </a:extLst>
               </a:tr>
               <a:tr h="308429">
                 <a:tc>
@@ -16550,7 +16595,7 @@
                     <a:p>
                       <a:pPr algn="ctr" fontAlgn="b"/>
                       <a:r>
-                        <a:rPr lang="en-US" altLang="ja-JP" sz="1600" b="0" i="0" u="none" strike="noStrike" dirty="0" smtClean="0">
+                        <a:rPr lang="en-US" altLang="ja-JP" sz="1600" b="0" i="0" u="none" strike="noStrike" dirty="0">
                           <a:solidFill>
                             <a:srgbClr val="000000"/>
                           </a:solidFill>
@@ -16559,13 +16604,6 @@
                         </a:rPr>
                         <a:t>4</a:t>
                       </a:r>
-                      <a:endParaRPr lang="en-US" altLang="ja-JP" sz="1600" b="0" i="0" u="none" strike="noStrike" dirty="0">
-                        <a:solidFill>
-                          <a:srgbClr val="000000"/>
-                        </a:solidFill>
-                        <a:effectLst/>
-                        <a:latin typeface="+mn-lt"/>
-                      </a:endParaRPr>
                     </a:p>
                   </a:txBody>
                   <a:tcPr marL="6350" marR="6350" marT="6350" marB="0" anchor="ctr">
@@ -16835,7 +16873,7 @@
                     <a:p>
                       <a:pPr algn="ctr" fontAlgn="b"/>
                       <a:r>
-                        <a:rPr lang="en-US" altLang="ja-JP" sz="1600" b="0" i="0" u="none" strike="noStrike" dirty="0" smtClean="0">
+                        <a:rPr lang="en-US" altLang="ja-JP" sz="1600" b="0" i="0" u="none" strike="noStrike" dirty="0">
                           <a:solidFill>
                             <a:srgbClr val="000000"/>
                           </a:solidFill>
@@ -16844,13 +16882,6 @@
                         </a:rPr>
                         <a:t>1026</a:t>
                       </a:r>
-                      <a:endParaRPr lang="en-US" altLang="ja-JP" sz="1600" b="0" i="0" u="none" strike="noStrike" dirty="0">
-                        <a:solidFill>
-                          <a:srgbClr val="000000"/>
-                        </a:solidFill>
-                        <a:effectLst/>
-                        <a:latin typeface="+mn-lt"/>
-                      </a:endParaRPr>
                     </a:p>
                   </a:txBody>
                   <a:tcPr marL="6350" marR="6350" marT="6350" marB="0" anchor="ctr">
@@ -16893,6 +16924,11 @@
                     <a:noFill/>
                   </a:tcPr>
                 </a:tc>
+                <a:extLst>
+                  <a:ext uri="{0D108BD9-81ED-4DB2-BD59-A6C34878D82A}">
+                    <a16:rowId xmlns:a16="http://schemas.microsoft.com/office/drawing/2014/main" val="10004"/>
+                  </a:ext>
+                </a:extLst>
               </a:tr>
               <a:tr h="308429">
                 <a:tc>
@@ -16902,7 +16938,7 @@
                     <a:p>
                       <a:pPr algn="ctr" fontAlgn="b"/>
                       <a:r>
-                        <a:rPr lang="en-US" altLang="ja-JP" sz="1600" b="0" i="0" u="none" strike="noStrike" dirty="0" smtClean="0">
+                        <a:rPr lang="en-US" altLang="ja-JP" sz="1600" b="0" i="0" u="none" strike="noStrike" dirty="0">
                           <a:solidFill>
                             <a:srgbClr val="000000"/>
                           </a:solidFill>
@@ -16911,13 +16947,6 @@
                         </a:rPr>
                         <a:t>5</a:t>
                       </a:r>
-                      <a:endParaRPr lang="en-US" altLang="ja-JP" sz="1600" b="0" i="0" u="none" strike="noStrike" dirty="0">
-                        <a:solidFill>
-                          <a:srgbClr val="000000"/>
-                        </a:solidFill>
-                        <a:effectLst/>
-                        <a:latin typeface="+mn-lt"/>
-                      </a:endParaRPr>
                     </a:p>
                   </a:txBody>
                   <a:tcPr marL="6350" marR="6350" marT="6350" marB="0" anchor="ctr">
@@ -17187,7 +17216,7 @@
                     <a:p>
                       <a:pPr algn="ctr" fontAlgn="b"/>
                       <a:r>
-                        <a:rPr lang="en-US" altLang="ja-JP" sz="1600" b="0" i="0" u="none" strike="noStrike" dirty="0" smtClean="0">
+                        <a:rPr lang="en-US" altLang="ja-JP" sz="1600" b="0" i="0" u="none" strike="noStrike" dirty="0">
                           <a:solidFill>
                             <a:srgbClr val="000000"/>
                           </a:solidFill>
@@ -17196,13 +17225,6 @@
                         </a:rPr>
                         <a:t>1222</a:t>
                       </a:r>
-                      <a:endParaRPr lang="en-US" altLang="ja-JP" sz="1600" b="0" i="0" u="none" strike="noStrike" dirty="0">
-                        <a:solidFill>
-                          <a:srgbClr val="000000"/>
-                        </a:solidFill>
-                        <a:effectLst/>
-                        <a:latin typeface="+mn-lt"/>
-                      </a:endParaRPr>
                     </a:p>
                   </a:txBody>
                   <a:tcPr marL="6350" marR="6350" marT="6350" marB="0" anchor="ctr">
@@ -17245,6 +17267,11 @@
                     <a:noFill/>
                   </a:tcPr>
                 </a:tc>
+                <a:extLst>
+                  <a:ext uri="{0D108BD9-81ED-4DB2-BD59-A6C34878D82A}">
+                    <a16:rowId xmlns:a16="http://schemas.microsoft.com/office/drawing/2014/main" val="10005"/>
+                  </a:ext>
+                </a:extLst>
               </a:tr>
               <a:tr h="308429">
                 <a:tc>
@@ -17254,7 +17281,7 @@
                     <a:p>
                       <a:pPr algn="ctr" fontAlgn="b"/>
                       <a:r>
-                        <a:rPr lang="en-US" altLang="ja-JP" sz="1600" b="0" i="0" u="none" strike="noStrike" dirty="0" smtClean="0">
+                        <a:rPr lang="en-US" altLang="ja-JP" sz="1600" b="0" i="0" u="none" strike="noStrike" dirty="0">
                           <a:solidFill>
                             <a:srgbClr val="000000"/>
                           </a:solidFill>
@@ -17263,13 +17290,6 @@
                         </a:rPr>
                         <a:t>6</a:t>
                       </a:r>
-                      <a:endParaRPr lang="en-US" altLang="ja-JP" sz="1600" b="0" i="0" u="none" strike="noStrike" dirty="0">
-                        <a:solidFill>
-                          <a:srgbClr val="000000"/>
-                        </a:solidFill>
-                        <a:effectLst/>
-                        <a:latin typeface="+mn-lt"/>
-                      </a:endParaRPr>
                     </a:p>
                   </a:txBody>
                   <a:tcPr marL="6350" marR="6350" marT="6350" marB="0" anchor="ctr">
@@ -17539,7 +17559,7 @@
                     <a:p>
                       <a:pPr algn="ctr" fontAlgn="b"/>
                       <a:r>
-                        <a:rPr lang="en-US" altLang="ja-JP" sz="1600" b="0" i="0" u="none" strike="noStrike" dirty="0" smtClean="0">
+                        <a:rPr lang="en-US" altLang="ja-JP" sz="1600" b="0" i="0" u="none" strike="noStrike" dirty="0">
                           <a:solidFill>
                             <a:srgbClr val="000000"/>
                           </a:solidFill>
@@ -17548,13 +17568,6 @@
                         </a:rPr>
                         <a:t>1344</a:t>
                       </a:r>
-                      <a:endParaRPr lang="en-US" altLang="ja-JP" sz="1600" b="0" i="0" u="none" strike="noStrike" dirty="0">
-                        <a:solidFill>
-                          <a:srgbClr val="000000"/>
-                        </a:solidFill>
-                        <a:effectLst/>
-                        <a:latin typeface="+mn-lt"/>
-                      </a:endParaRPr>
                     </a:p>
                   </a:txBody>
                   <a:tcPr marL="6350" marR="6350" marT="6350" marB="0" anchor="ctr">
@@ -17597,6 +17610,11 @@
                     <a:noFill/>
                   </a:tcPr>
                 </a:tc>
+                <a:extLst>
+                  <a:ext uri="{0D108BD9-81ED-4DB2-BD59-A6C34878D82A}">
+                    <a16:rowId xmlns:a16="http://schemas.microsoft.com/office/drawing/2014/main" val="10006"/>
+                  </a:ext>
+                </a:extLst>
               </a:tr>
               <a:tr h="308429">
                 <a:tc>
@@ -17606,7 +17624,7 @@
                     <a:p>
                       <a:pPr algn="ctr" fontAlgn="b"/>
                       <a:r>
-                        <a:rPr lang="en-US" altLang="ja-JP" sz="1600" b="0" i="0" u="none" strike="noStrike" dirty="0" smtClean="0">
+                        <a:rPr lang="en-US" altLang="ja-JP" sz="1600" b="0" i="0" u="none" strike="noStrike" dirty="0">
                           <a:solidFill>
                             <a:srgbClr val="000000"/>
                           </a:solidFill>
@@ -17615,13 +17633,6 @@
                         </a:rPr>
                         <a:t>7</a:t>
                       </a:r>
-                      <a:endParaRPr lang="en-US" altLang="ja-JP" sz="1600" b="0" i="0" u="none" strike="noStrike" dirty="0">
-                        <a:solidFill>
-                          <a:srgbClr val="000000"/>
-                        </a:solidFill>
-                        <a:effectLst/>
-                        <a:latin typeface="+mn-lt"/>
-                      </a:endParaRPr>
                     </a:p>
                   </a:txBody>
                   <a:tcPr marL="6350" marR="6350" marT="6350" marB="0" anchor="ctr">
@@ -17891,7 +17902,7 @@
                     <a:p>
                       <a:pPr algn="ctr" fontAlgn="b"/>
                       <a:r>
-                        <a:rPr lang="en-US" altLang="ja-JP" sz="1600" b="0" i="0" u="none" strike="noStrike" dirty="0" smtClean="0">
+                        <a:rPr lang="en-US" altLang="ja-JP" sz="1600" b="0" i="0" u="none" strike="noStrike" dirty="0">
                           <a:solidFill>
                             <a:srgbClr val="000000"/>
                           </a:solidFill>
@@ -17900,13 +17911,6 @@
                         </a:rPr>
                         <a:t>1442</a:t>
                       </a:r>
-                      <a:endParaRPr lang="en-US" altLang="ja-JP" sz="1600" b="0" i="0" u="none" strike="noStrike" dirty="0">
-                        <a:solidFill>
-                          <a:srgbClr val="000000"/>
-                        </a:solidFill>
-                        <a:effectLst/>
-                        <a:latin typeface="+mn-lt"/>
-                      </a:endParaRPr>
                     </a:p>
                   </a:txBody>
                   <a:tcPr marL="6350" marR="6350" marT="6350" marB="0" anchor="ctr">
@@ -17949,6 +17953,11 @@
                     <a:noFill/>
                   </a:tcPr>
                 </a:tc>
+                <a:extLst>
+                  <a:ext uri="{0D108BD9-81ED-4DB2-BD59-A6C34878D82A}">
+                    <a16:rowId xmlns:a16="http://schemas.microsoft.com/office/drawing/2014/main" val="10007"/>
+                  </a:ext>
+                </a:extLst>
               </a:tr>
               <a:tr h="308429">
                 <a:tc>
@@ -17958,7 +17967,7 @@
                     <a:p>
                       <a:pPr algn="ctr" fontAlgn="b"/>
                       <a:r>
-                        <a:rPr lang="en-US" altLang="ja-JP" sz="1600" b="0" i="0" u="none" strike="noStrike" dirty="0" smtClean="0">
+                        <a:rPr lang="en-US" altLang="ja-JP" sz="1600" b="0" i="0" u="none" strike="noStrike" dirty="0">
                           <a:solidFill>
                             <a:srgbClr val="000000"/>
                           </a:solidFill>
@@ -17967,13 +17976,6 @@
                         </a:rPr>
                         <a:t>8</a:t>
                       </a:r>
-                      <a:endParaRPr lang="en-US" altLang="ja-JP" sz="1600" b="0" i="0" u="none" strike="noStrike" dirty="0">
-                        <a:solidFill>
-                          <a:srgbClr val="000000"/>
-                        </a:solidFill>
-                        <a:effectLst/>
-                        <a:latin typeface="+mn-lt"/>
-                      </a:endParaRPr>
                     </a:p>
                   </a:txBody>
                   <a:tcPr marL="6350" marR="6350" marT="6350" marB="0" anchor="ctr">
@@ -18243,7 +18245,7 @@
                     <a:p>
                       <a:pPr algn="ctr" fontAlgn="b"/>
                       <a:r>
-                        <a:rPr lang="en-US" altLang="ja-JP" sz="1600" b="0" i="0" u="none" strike="noStrike" dirty="0" smtClean="0">
+                        <a:rPr lang="en-US" altLang="ja-JP" sz="1600" b="0" i="0" u="none" strike="noStrike" dirty="0">
                           <a:solidFill>
                             <a:srgbClr val="000000"/>
                           </a:solidFill>
@@ -18252,13 +18254,6 @@
                         </a:rPr>
                         <a:t>1625</a:t>
                       </a:r>
-                      <a:endParaRPr lang="en-US" altLang="ja-JP" sz="1600" b="0" i="0" u="none" strike="noStrike" dirty="0">
-                        <a:solidFill>
-                          <a:srgbClr val="000000"/>
-                        </a:solidFill>
-                        <a:effectLst/>
-                        <a:latin typeface="+mn-lt"/>
-                      </a:endParaRPr>
                     </a:p>
                   </a:txBody>
                   <a:tcPr marL="6350" marR="6350" marT="6350" marB="0" anchor="ctr">
@@ -18301,6 +18296,11 @@
                     <a:noFill/>
                   </a:tcPr>
                 </a:tc>
+                <a:extLst>
+                  <a:ext uri="{0D108BD9-81ED-4DB2-BD59-A6C34878D82A}">
+                    <a16:rowId xmlns:a16="http://schemas.microsoft.com/office/drawing/2014/main" val="10008"/>
+                  </a:ext>
+                </a:extLst>
               </a:tr>
               <a:tr h="308429">
                 <a:tc>
@@ -18585,7 +18585,7 @@
                     <a:p>
                       <a:pPr algn="ctr" fontAlgn="b"/>
                       <a:r>
-                        <a:rPr lang="en-US" altLang="ja-JP" sz="1600" b="0" i="0" u="none" strike="noStrike" dirty="0" smtClean="0">
+                        <a:rPr lang="en-US" altLang="ja-JP" sz="1600" b="0" i="0" u="none" strike="noStrike" dirty="0">
                           <a:solidFill>
                             <a:srgbClr val="000000"/>
                           </a:solidFill>
@@ -18594,13 +18594,6 @@
                         </a:rPr>
                         <a:t>1662</a:t>
                       </a:r>
-                      <a:endParaRPr lang="en-US" altLang="ja-JP" sz="1600" b="0" i="0" u="none" strike="noStrike" dirty="0">
-                        <a:solidFill>
-                          <a:srgbClr val="000000"/>
-                        </a:solidFill>
-                        <a:effectLst/>
-                        <a:latin typeface="+mn-lt"/>
-                      </a:endParaRPr>
                     </a:p>
                   </a:txBody>
                   <a:tcPr marL="6350" marR="6350" marT="6350" marB="0" anchor="ctr">
@@ -18643,6 +18636,11 @@
                     <a:noFill/>
                   </a:tcPr>
                 </a:tc>
+                <a:extLst>
+                  <a:ext uri="{0D108BD9-81ED-4DB2-BD59-A6C34878D82A}">
+                    <a16:rowId xmlns:a16="http://schemas.microsoft.com/office/drawing/2014/main" val="10009"/>
+                  </a:ext>
+                </a:extLst>
               </a:tr>
               <a:tr h="308429">
                 <a:tc>
@@ -18652,7 +18650,7 @@
                     <a:p>
                       <a:pPr algn="ctr" fontAlgn="b"/>
                       <a:r>
-                        <a:rPr lang="en-US" altLang="ja-JP" sz="1600" b="0" i="0" u="none" strike="noStrike" dirty="0" smtClean="0">
+                        <a:rPr lang="en-US" altLang="ja-JP" sz="1600" b="0" i="0" u="none" strike="noStrike" dirty="0">
                           <a:solidFill>
                             <a:srgbClr val="000000"/>
                           </a:solidFill>
@@ -18661,13 +18659,6 @@
                         </a:rPr>
                         <a:t>9</a:t>
                       </a:r>
-                      <a:endParaRPr lang="en-US" altLang="ja-JP" sz="1600" b="0" i="0" u="none" strike="noStrike" dirty="0">
-                        <a:solidFill>
-                          <a:srgbClr val="000000"/>
-                        </a:solidFill>
-                        <a:effectLst/>
-                        <a:latin typeface="+mn-lt"/>
-                      </a:endParaRPr>
                     </a:p>
                   </a:txBody>
                   <a:tcPr marL="6350" marR="6350" marT="6350" marB="0" anchor="ctr">
@@ -18937,7 +18928,7 @@
                     <a:p>
                       <a:pPr algn="ctr" fontAlgn="b"/>
                       <a:r>
-                        <a:rPr lang="en-US" altLang="ja-JP" sz="1600" b="0" i="0" u="none" strike="noStrike" dirty="0" smtClean="0">
+                        <a:rPr lang="en-US" altLang="ja-JP" sz="1600" b="0" i="0" u="none" strike="noStrike" dirty="0">
                           <a:solidFill>
                             <a:srgbClr val="000000"/>
                           </a:solidFill>
@@ -18946,13 +18937,6 @@
                         </a:rPr>
                         <a:t>2989</a:t>
                       </a:r>
-                      <a:endParaRPr lang="en-US" altLang="ja-JP" sz="1600" b="0" i="0" u="none" strike="noStrike" dirty="0">
-                        <a:solidFill>
-                          <a:srgbClr val="000000"/>
-                        </a:solidFill>
-                        <a:effectLst/>
-                        <a:latin typeface="+mn-lt"/>
-                      </a:endParaRPr>
                     </a:p>
                   </a:txBody>
                   <a:tcPr marL="6350" marR="6350" marT="6350" marB="0" anchor="ctr">
@@ -18995,6 +18979,11 @@
                     <a:noFill/>
                   </a:tcPr>
                 </a:tc>
+                <a:extLst>
+                  <a:ext uri="{0D108BD9-81ED-4DB2-BD59-A6C34878D82A}">
+                    <a16:rowId xmlns:a16="http://schemas.microsoft.com/office/drawing/2014/main" val="10010"/>
+                  </a:ext>
+                </a:extLst>
               </a:tr>
               <a:tr h="308429">
                 <a:tc>
@@ -19004,7 +18993,7 @@
                     <a:p>
                       <a:pPr algn="ctr" fontAlgn="b"/>
                       <a:r>
-                        <a:rPr lang="en-US" altLang="ja-JP" sz="1600" b="0" i="0" u="none" strike="noStrike" dirty="0" smtClean="0">
+                        <a:rPr lang="en-US" altLang="ja-JP" sz="1600" b="0" i="0" u="none" strike="noStrike" dirty="0">
                           <a:solidFill>
                             <a:srgbClr val="000000"/>
                           </a:solidFill>
@@ -19013,13 +19002,6 @@
                         </a:rPr>
                         <a:t>10</a:t>
                       </a:r>
-                      <a:endParaRPr lang="en-US" altLang="ja-JP" sz="1600" b="0" i="0" u="none" strike="noStrike" dirty="0">
-                        <a:solidFill>
-                          <a:srgbClr val="000000"/>
-                        </a:solidFill>
-                        <a:effectLst/>
-                        <a:latin typeface="+mn-lt"/>
-                      </a:endParaRPr>
                     </a:p>
                   </a:txBody>
                   <a:tcPr marL="6350" marR="6350" marT="6350" marB="0" anchor="ctr">
@@ -19289,7 +19271,7 @@
                     <a:p>
                       <a:pPr algn="ctr" fontAlgn="b"/>
                       <a:r>
-                        <a:rPr lang="en-US" altLang="ja-JP" sz="1600" b="0" i="0" u="none" strike="noStrike" dirty="0" smtClean="0">
+                        <a:rPr lang="en-US" altLang="ja-JP" sz="1600" b="0" i="0" u="none" strike="noStrike" dirty="0">
                           <a:solidFill>
                             <a:srgbClr val="000000"/>
                           </a:solidFill>
@@ -19298,13 +19280,6 @@
                         </a:rPr>
                         <a:t>3022</a:t>
                       </a:r>
-                      <a:endParaRPr lang="en-US" altLang="ja-JP" sz="1600" b="0" i="0" u="none" strike="noStrike" dirty="0">
-                        <a:solidFill>
-                          <a:srgbClr val="000000"/>
-                        </a:solidFill>
-                        <a:effectLst/>
-                        <a:latin typeface="+mn-lt"/>
-                      </a:endParaRPr>
                     </a:p>
                   </a:txBody>
                   <a:tcPr marL="6350" marR="6350" marT="6350" marB="0" anchor="ctr">
@@ -19347,6 +19322,11 @@
                     <a:noFill/>
                   </a:tcPr>
                 </a:tc>
+                <a:extLst>
+                  <a:ext uri="{0D108BD9-81ED-4DB2-BD59-A6C34878D82A}">
+                    <a16:rowId xmlns:a16="http://schemas.microsoft.com/office/drawing/2014/main" val="10011"/>
+                  </a:ext>
+                </a:extLst>
               </a:tr>
               <a:tr h="308429">
                 <a:tc>
@@ -19356,7 +19336,7 @@
                     <a:p>
                       <a:pPr algn="ctr" fontAlgn="b"/>
                       <a:r>
-                        <a:rPr lang="en-US" altLang="ja-JP" sz="1600" b="0" i="0" u="none" strike="noStrike" dirty="0" smtClean="0">
+                        <a:rPr lang="en-US" altLang="ja-JP" sz="1600" b="0" i="0" u="none" strike="noStrike" dirty="0">
                           <a:solidFill>
                             <a:srgbClr val="000000"/>
                           </a:solidFill>
@@ -19365,13 +19345,6 @@
                         </a:rPr>
                         <a:t>11</a:t>
                       </a:r>
-                      <a:endParaRPr lang="en-US" altLang="ja-JP" sz="1600" b="0" i="0" u="none" strike="noStrike" dirty="0">
-                        <a:solidFill>
-                          <a:srgbClr val="000000"/>
-                        </a:solidFill>
-                        <a:effectLst/>
-                        <a:latin typeface="+mn-lt"/>
-                      </a:endParaRPr>
                     </a:p>
                   </a:txBody>
                   <a:tcPr marL="6350" marR="6350" marT="6350" marB="0" anchor="ctr">
@@ -19641,7 +19614,7 @@
                     <a:p>
                       <a:pPr algn="ctr" fontAlgn="b"/>
                       <a:r>
-                        <a:rPr lang="en-US" altLang="ja-JP" sz="1600" b="0" i="0" u="none" strike="noStrike" dirty="0" smtClean="0">
+                        <a:rPr lang="en-US" altLang="ja-JP" sz="1600" b="0" i="0" u="none" strike="noStrike" dirty="0">
                           <a:solidFill>
                             <a:srgbClr val="000000"/>
                           </a:solidFill>
@@ -19650,13 +19623,6 @@
                         </a:rPr>
                         <a:t>3083</a:t>
                       </a:r>
-                      <a:endParaRPr lang="en-US" altLang="ja-JP" sz="1600" b="0" i="0" u="none" strike="noStrike" dirty="0">
-                        <a:solidFill>
-                          <a:srgbClr val="000000"/>
-                        </a:solidFill>
-                        <a:effectLst/>
-                        <a:latin typeface="+mn-lt"/>
-                      </a:endParaRPr>
                     </a:p>
                   </a:txBody>
                   <a:tcPr marL="6350" marR="6350" marT="6350" marB="0" anchor="ctr">
@@ -19699,6 +19665,11 @@
                     <a:noFill/>
                   </a:tcPr>
                 </a:tc>
+                <a:extLst>
+                  <a:ext uri="{0D108BD9-81ED-4DB2-BD59-A6C34878D82A}">
+                    <a16:rowId xmlns:a16="http://schemas.microsoft.com/office/drawing/2014/main" val="10012"/>
+                  </a:ext>
+                </a:extLst>
               </a:tr>
               <a:tr h="308429">
                 <a:tc>
@@ -19708,7 +19679,7 @@
                     <a:p>
                       <a:pPr algn="ctr" fontAlgn="b"/>
                       <a:r>
-                        <a:rPr lang="en-US" altLang="ja-JP" sz="1600" b="0" i="0" u="none" strike="noStrike" dirty="0" smtClean="0">
+                        <a:rPr lang="en-US" altLang="ja-JP" sz="1600" b="0" i="0" u="none" strike="noStrike" dirty="0">
                           <a:solidFill>
                             <a:srgbClr val="000000"/>
                           </a:solidFill>
@@ -19717,13 +19688,6 @@
                         </a:rPr>
                         <a:t>12</a:t>
                       </a:r>
-                      <a:endParaRPr lang="en-US" altLang="ja-JP" sz="1600" b="0" i="0" u="none" strike="noStrike" dirty="0">
-                        <a:solidFill>
-                          <a:srgbClr val="000000"/>
-                        </a:solidFill>
-                        <a:effectLst/>
-                        <a:latin typeface="+mn-lt"/>
-                      </a:endParaRPr>
                     </a:p>
                   </a:txBody>
                   <a:tcPr marL="6350" marR="6350" marT="6350" marB="0" anchor="ctr">
@@ -19993,7 +19957,7 @@
                     <a:p>
                       <a:pPr algn="ctr" fontAlgn="b"/>
                       <a:r>
-                        <a:rPr lang="en-US" altLang="ja-JP" sz="1600" b="0" i="0" u="none" strike="noStrike" dirty="0" smtClean="0">
+                        <a:rPr lang="en-US" altLang="ja-JP" sz="1600" b="0" i="0" u="none" strike="noStrike" dirty="0">
                           <a:solidFill>
                             <a:srgbClr val="000000"/>
                           </a:solidFill>
@@ -20002,13 +19966,6 @@
                         </a:rPr>
                         <a:t>3105</a:t>
                       </a:r>
-                      <a:endParaRPr lang="en-US" altLang="ja-JP" sz="1600" b="0" i="0" u="none" strike="noStrike" dirty="0">
-                        <a:solidFill>
-                          <a:srgbClr val="000000"/>
-                        </a:solidFill>
-                        <a:effectLst/>
-                        <a:latin typeface="+mn-lt"/>
-                      </a:endParaRPr>
                     </a:p>
                   </a:txBody>
                   <a:tcPr marL="6350" marR="6350" marT="6350" marB="0" anchor="ctr">
@@ -20051,6 +20008,11 @@
                     <a:noFill/>
                   </a:tcPr>
                 </a:tc>
+                <a:extLst>
+                  <a:ext uri="{0D108BD9-81ED-4DB2-BD59-A6C34878D82A}">
+                    <a16:rowId xmlns:a16="http://schemas.microsoft.com/office/drawing/2014/main" val="10013"/>
+                  </a:ext>
+                </a:extLst>
               </a:tr>
             </a:tbl>
           </a:graphicData>
@@ -20067,7 +20029,7 @@
         <p:spPr bwMode="auto">
           <a:xfrm>
             <a:off x="554038" y="838200"/>
-            <a:ext cx="8216900" cy="1077913"/>
+            <a:ext cx="8216900" cy="1077218"/>
           </a:xfrm>
           <a:prstGeom prst="rect">
             <a:avLst/>
@@ -20270,50 +20232,35 @@
               <a:buNone/>
             </a:pPr>
             <a:r>
-              <a:rPr lang="en-US" altLang="ja-JP" sz="3200">
+              <a:rPr lang="en-US" altLang="ja-JP" sz="3200" dirty="0">
                 <a:latin typeface="Arial" charset="0"/>
               </a:rPr>
-              <a:t>sindo</a:t>
-            </a:r>
-            <a:r>
-              <a:rPr lang="ja-JP" altLang="en-US" sz="3200">
-                <a:latin typeface="Arial" charset="0"/>
-              </a:rPr>
-              <a:t>のアウトプットファイルから、</a:t>
-            </a:r>
-            <a:r>
-              <a:rPr lang="en-US" altLang="ja-JP" sz="3200">
-                <a:latin typeface="Arial" charset="0"/>
-              </a:rPr>
-              <a:t>C</a:t>
-            </a:r>
-            <a:r>
-              <a:rPr lang="en-US" altLang="ja-JP" sz="3200" baseline="-25000">
+              <a:t>Find the fundamental frequencies of C</a:t>
+            </a:r>
+            <a:r>
+              <a:rPr lang="en-US" altLang="ja-JP" sz="3200" baseline="-25000" dirty="0">
                 <a:latin typeface="Arial" charset="0"/>
               </a:rPr>
               <a:t>2</a:t>
             </a:r>
             <a:r>
-              <a:rPr lang="en-US" altLang="ja-JP" sz="3200">
+              <a:rPr lang="en-US" altLang="ja-JP" sz="3200" dirty="0">
                 <a:latin typeface="Arial" charset="0"/>
               </a:rPr>
               <a:t>H</a:t>
             </a:r>
             <a:r>
-              <a:rPr lang="en-US" altLang="ja-JP" sz="3200" baseline="-25000">
+              <a:rPr lang="en-US" altLang="ja-JP" sz="3200" baseline="-25000" dirty="0">
                 <a:latin typeface="Arial" charset="0"/>
               </a:rPr>
               <a:t>4</a:t>
             </a:r>
             <a:r>
-              <a:rPr lang="ja-JP" altLang="en-US" sz="3200">
+              <a:rPr lang="en-US" altLang="ja-JP" sz="3200" dirty="0">
                 <a:latin typeface="Arial" charset="0"/>
               </a:rPr>
-              <a:t>の振動数の値を読み、以下の表を完成させよ。</a:t>
-            </a:r>
-            <a:endParaRPr lang="en-US" altLang="ja-JP" sz="3200">
-              <a:latin typeface="Arial" charset="0"/>
-            </a:endParaRPr>
+              <a:t> from the output files, and fill in a table below.</a:t>
+            </a:r>
           </a:p>
         </p:txBody>
       </p:sp>
@@ -20620,8 +20567,8 @@
         </p:nvSpPr>
         <p:spPr bwMode="auto">
           <a:xfrm>
-            <a:off x="431800" y="1598613"/>
-            <a:ext cx="8494713" cy="1200150"/>
+            <a:off x="431801" y="1598613"/>
+            <a:ext cx="8202534" cy="3248582"/>
           </a:xfrm>
           <a:prstGeom prst="rect">
             <a:avLst/>
@@ -20651,7 +20598,7 @@
           </a:extLst>
         </p:spPr>
         <p:txBody>
-          <a:bodyPr>
+          <a:bodyPr wrap="square">
             <a:spAutoFit/>
           </a:bodyPr>
           <a:lstStyle>
@@ -20822,7 +20769,7 @@
               </a:spcBef>
             </a:pPr>
             <a:r>
-              <a:rPr lang="en-US" altLang="ja-JP" sz="1800">
+              <a:rPr lang="en-US" altLang="ja-JP" sz="1800" dirty="0">
                 <a:solidFill>
                   <a:srgbClr val="000000"/>
                 </a:solidFill>
@@ -20833,35 +20780,38 @@
             </a:r>
           </a:p>
           <a:p>
-            <a:pPr lvl="1" eaLnBrk="1" hangingPunct="1">
+            <a:pPr lvl="1">
               <a:lnSpc>
                 <a:spcPct val="100000"/>
               </a:lnSpc>
               <a:spcBef>
                 <a:spcPct val="0"/>
               </a:spcBef>
-              <a:buFontTx/>
               <a:buNone/>
             </a:pPr>
+            <a:r>
+              <a:rPr lang="en-US" altLang="ja-JP" sz="1800" dirty="0">
+                <a:ea typeface="メイリオ" charset="-128"/>
+                <a:cs typeface="ＭＳ Ｐゴシック" charset="-128"/>
+              </a:rPr>
+              <a:t>Includes the equilibrium geometry, harmonic frequencies, and vibrational displacement vectors.</a:t>
+            </a:r>
             <a:r>
               <a:rPr lang="ja-JP" altLang="en-US" sz="1800">
                 <a:ea typeface="メイリオ" charset="-128"/>
                 <a:cs typeface="ＭＳ Ｐゴシック" charset="-128"/>
               </a:rPr>
-              <a:t>平衡構造、調和振動数、振動ベクトルを含む</a:t>
-            </a:r>
-            <a:r>
-              <a:rPr lang="ja-JP" altLang="en-US" sz="1800">
-                <a:solidFill>
-                  <a:srgbClr val="000000"/>
-                </a:solidFill>
+              <a:t> </a:t>
+            </a:r>
+            <a:r>
+              <a:rPr lang="en-US" altLang="ja-JP" sz="1800" dirty="0">
                 <a:ea typeface="メイリオ" charset="-128"/>
-                <a:cs typeface="メイリオ" charset="-128"/>
+                <a:cs typeface="ＭＳ Ｐゴシック" charset="-128"/>
               </a:rPr>
-              <a:t>。</a:t>
-            </a:r>
-            <a:r>
-              <a:rPr lang="en-US" altLang="ja-JP" sz="1800">
+              <a:t>They can be visualized by </a:t>
+            </a:r>
+            <a:r>
+              <a:rPr lang="en-US" altLang="ja-JP" sz="1800" dirty="0" err="1">
                 <a:solidFill>
                   <a:srgbClr val="000000"/>
                 </a:solidFill>
@@ -20871,16 +20821,27 @@
               <a:t>JSindo</a:t>
             </a:r>
             <a:r>
-              <a:rPr lang="ja-JP" altLang="en-US" sz="1800">
+              <a:rPr lang="en-US" altLang="ja-JP" sz="1800" dirty="0">
                 <a:solidFill>
                   <a:srgbClr val="000000"/>
                 </a:solidFill>
                 <a:ea typeface="メイリオ" charset="-128"/>
                 <a:cs typeface="メイリオ" charset="-128"/>
               </a:rPr>
-              <a:t>で可視化できる。</a:t>
-            </a:r>
-            <a:endParaRPr lang="en-US" altLang="ja-JP" sz="1800">
+              <a:t>. In this example, we only treat internal vibration of water molecules (i.e., OH stretching and HOH bending modes) neglecting intermolecular modes. We set modes 31 – 40 to active, and others to inactive.</a:t>
+            </a:r>
+          </a:p>
+          <a:p>
+            <a:pPr lvl="1">
+              <a:lnSpc>
+                <a:spcPct val="100000"/>
+              </a:lnSpc>
+              <a:spcBef>
+                <a:spcPct val="0"/>
+              </a:spcBef>
+              <a:buNone/>
+            </a:pPr>
+            <a:endParaRPr lang="en-US" altLang="ja-JP" sz="1800" dirty="0">
               <a:solidFill>
                 <a:srgbClr val="000000"/>
               </a:solidFill>
@@ -20889,422 +20850,40 @@
             </a:endParaRPr>
           </a:p>
           <a:p>
-            <a:pPr lvl="1" eaLnBrk="1" hangingPunct="1">
-              <a:lnSpc>
-                <a:spcPct val="100000"/>
-              </a:lnSpc>
-              <a:spcBef>
-                <a:spcPct val="0"/>
-              </a:spcBef>
-              <a:buFontTx/>
-              <a:buNone/>
-            </a:pPr>
-            <a:r>
-              <a:rPr lang="ja-JP" altLang="en-US" sz="1800">
-                <a:solidFill>
-                  <a:srgbClr val="000000"/>
-                </a:solidFill>
-                <a:ea typeface="メイリオ" charset="-128"/>
-                <a:cs typeface="メイリオ" charset="-128"/>
-              </a:rPr>
-              <a:t>今回は、水の内部振動（</a:t>
-            </a:r>
-            <a:r>
-              <a:rPr lang="en-US" altLang="ja-JP" sz="1800">
-                <a:solidFill>
-                  <a:srgbClr val="000000"/>
-                </a:solidFill>
-                <a:ea typeface="メイリオ" charset="-128"/>
-                <a:cs typeface="メイリオ" charset="-128"/>
-              </a:rPr>
-              <a:t>OH</a:t>
-            </a:r>
-            <a:r>
-              <a:rPr lang="ja-JP" altLang="en-US" sz="1800">
-                <a:solidFill>
-                  <a:srgbClr val="000000"/>
-                </a:solidFill>
-                <a:ea typeface="メイリオ" charset="-128"/>
-                <a:cs typeface="メイリオ" charset="-128"/>
-              </a:rPr>
-              <a:t>伸縮、</a:t>
-            </a:r>
-            <a:r>
-              <a:rPr lang="en-US" altLang="ja-JP" sz="1800">
-                <a:solidFill>
-                  <a:srgbClr val="000000"/>
-                </a:solidFill>
-                <a:ea typeface="メイリオ" charset="-128"/>
-                <a:cs typeface="メイリオ" charset="-128"/>
-              </a:rPr>
-              <a:t>HOH</a:t>
-            </a:r>
-            <a:r>
-              <a:rPr lang="ja-JP" altLang="en-US" sz="1800">
-                <a:solidFill>
-                  <a:srgbClr val="000000"/>
-                </a:solidFill>
-                <a:ea typeface="メイリオ" charset="-128"/>
-                <a:cs typeface="メイリオ" charset="-128"/>
-              </a:rPr>
-              <a:t>変角）のみを扱い、分子間振動は無視する。</a:t>
-            </a:r>
-            <a:r>
-              <a:rPr lang="en-US" altLang="ja-JP" sz="1800">
-                <a:solidFill>
-                  <a:srgbClr val="000000"/>
-                </a:solidFill>
-                <a:ea typeface="メイリオ" charset="-128"/>
-                <a:cs typeface="メイリオ" charset="-128"/>
-              </a:rPr>
-              <a:t>Mode 31-48</a:t>
-            </a:r>
-            <a:r>
-              <a:rPr lang="ja-JP" altLang="en-US" sz="1800">
-                <a:solidFill>
-                  <a:srgbClr val="000000"/>
-                </a:solidFill>
-                <a:ea typeface="メイリオ" charset="-128"/>
-                <a:cs typeface="メイリオ" charset="-128"/>
-              </a:rPr>
-              <a:t>の</a:t>
-            </a:r>
-            <a:r>
-              <a:rPr lang="en-US" altLang="ja-JP" sz="1800">
-                <a:solidFill>
-                  <a:srgbClr val="000000"/>
-                </a:solidFill>
-                <a:ea typeface="メイリオ" charset="-128"/>
-                <a:cs typeface="メイリオ" charset="-128"/>
-              </a:rPr>
-              <a:t>18</a:t>
-            </a:r>
-            <a:r>
-              <a:rPr lang="ja-JP" altLang="en-US" sz="1800">
-                <a:solidFill>
-                  <a:srgbClr val="000000"/>
-                </a:solidFill>
-                <a:ea typeface="メイリオ" charset="-128"/>
-                <a:cs typeface="メイリオ" charset="-128"/>
-              </a:rPr>
-              <a:t>モードは</a:t>
-            </a:r>
-            <a:r>
-              <a:rPr lang="en-US" altLang="ja-JP" sz="1800">
-                <a:solidFill>
-                  <a:srgbClr val="000000"/>
-                </a:solidFill>
-                <a:ea typeface="メイリオ" charset="-128"/>
-                <a:cs typeface="メイリオ" charset="-128"/>
-              </a:rPr>
-              <a:t>active, </a:t>
-            </a:r>
-            <a:r>
-              <a:rPr lang="ja-JP" altLang="en-US" sz="1800">
-                <a:solidFill>
-                  <a:srgbClr val="000000"/>
-                </a:solidFill>
-                <a:ea typeface="メイリオ" charset="-128"/>
-                <a:cs typeface="メイリオ" charset="-128"/>
-              </a:rPr>
-              <a:t>それ以外は</a:t>
-            </a:r>
-            <a:r>
-              <a:rPr lang="en-US" altLang="ja-JP" sz="1800">
-                <a:solidFill>
-                  <a:srgbClr val="000000"/>
-                </a:solidFill>
-                <a:ea typeface="メイリオ" charset="-128"/>
-                <a:cs typeface="メイリオ" charset="-128"/>
-              </a:rPr>
-              <a:t>inactive</a:t>
-            </a:r>
-            <a:r>
-              <a:rPr lang="ja-JP" altLang="en-US" sz="1800">
-                <a:solidFill>
-                  <a:srgbClr val="000000"/>
-                </a:solidFill>
-                <a:ea typeface="メイリオ" charset="-128"/>
-                <a:cs typeface="メイリオ" charset="-128"/>
-              </a:rPr>
-              <a:t>とする。</a:t>
-            </a:r>
-            <a:endParaRPr lang="en-US" altLang="ja-JP" sz="1800"/>
-          </a:p>
-        </p:txBody>
-      </p:sp>
-      <p:sp>
-        <p:nvSpPr>
-          <p:cNvPr id="11" name="テキスト ボックス 10"/>
-          <p:cNvSpPr txBox="1"/>
-          <p:nvPr/>
-        </p:nvSpPr>
-        <p:spPr>
-          <a:xfrm>
-            <a:off x="465138" y="1074738"/>
-            <a:ext cx="1190625" cy="460375"/>
-          </a:xfrm>
-          <a:prstGeom prst="rect">
-            <a:avLst/>
-          </a:prstGeom>
-          <a:noFill/>
-        </p:spPr>
-        <p:txBody>
-          <a:bodyPr wrap="none">
-            <a:spAutoFit/>
-          </a:bodyPr>
-          <a:lstStyle/>
-          <a:p>
             <a:pPr>
               <a:defRPr/>
             </a:pPr>
             <a:r>
-              <a:rPr lang="en-US" altLang="ja-JP" sz="2400" dirty="0">
-                <a:latin typeface="+mn-lt"/>
-              </a:rPr>
-              <a:t>1.ocvscf</a:t>
-            </a:r>
-            <a:endParaRPr lang="ja-JP" altLang="en-US" sz="2400" dirty="0">
-              <a:latin typeface="+mn-lt"/>
-            </a:endParaRPr>
-          </a:p>
-        </p:txBody>
-      </p:sp>
-      <p:sp>
-        <p:nvSpPr>
-          <p:cNvPr id="14" name="テキスト ボックス 14"/>
-          <p:cNvSpPr txBox="1">
-            <a:spLocks noChangeArrowheads="1"/>
-          </p:cNvSpPr>
-          <p:nvPr/>
-        </p:nvSpPr>
-        <p:spPr bwMode="auto">
-          <a:xfrm>
-            <a:off x="431800" y="3009900"/>
-            <a:ext cx="5881688" cy="922338"/>
-          </a:xfrm>
-          <a:prstGeom prst="rect">
-            <a:avLst/>
-          </a:prstGeom>
-          <a:noFill/>
-          <a:ln>
-            <a:noFill/>
-          </a:ln>
-          <a:extLst>
-            <a:ext uri="{909E8E84-426E-40DD-AFC4-6F175D3DCCD1}">
-              <a14:hiddenFill xmlns:a14="http://schemas.microsoft.com/office/drawing/2010/main">
-                <a:solidFill>
-                  <a:srgbClr val="FFFFFF"/>
-                </a:solidFill>
-              </a14:hiddenFill>
-            </a:ext>
-            <a:ext uri="{91240B29-F687-4F45-9708-019B960494DF}">
-              <a14:hiddenLine xmlns:a14="http://schemas.microsoft.com/office/drawing/2010/main" w="9525">
+              <a:rPr lang="en-US" altLang="ja-JP" sz="1800" dirty="0">
                 <a:solidFill>
                   <a:srgbClr val="000000"/>
                 </a:solidFill>
-                <a:miter lim="800000"/>
-                <a:headEnd/>
-                <a:tailEnd/>
-              </a14:hiddenLine>
-            </a:ext>
-          </a:extLst>
-        </p:spPr>
-        <p:txBody>
-          <a:bodyPr>
-            <a:spAutoFit/>
-          </a:bodyPr>
-          <a:lstStyle>
-            <a:lvl1pPr>
-              <a:defRPr kumimoji="1" sz="3200">
-                <a:solidFill>
-                  <a:schemeClr val="tx1"/>
-                </a:solidFill>
-                <a:latin typeface="Arial" charset="0"/>
-                <a:ea typeface="ＭＳ Ｐゴシック" charset="-128"/>
-              </a:defRPr>
-            </a:lvl1pPr>
-            <a:lvl2pPr marL="742950" indent="-285750">
-              <a:defRPr kumimoji="1" sz="3200">
-                <a:solidFill>
-                  <a:schemeClr val="tx1"/>
-                </a:solidFill>
-                <a:latin typeface="Arial" charset="0"/>
-                <a:ea typeface="ＭＳ Ｐゴシック" charset="-128"/>
-              </a:defRPr>
-            </a:lvl2pPr>
-            <a:lvl3pPr marL="1143000" indent="-228600">
-              <a:defRPr kumimoji="1" sz="3200">
-                <a:solidFill>
-                  <a:schemeClr val="tx1"/>
-                </a:solidFill>
-                <a:latin typeface="Arial" charset="0"/>
-                <a:ea typeface="ＭＳ Ｐゴシック" charset="-128"/>
-              </a:defRPr>
-            </a:lvl3pPr>
-            <a:lvl4pPr marL="1600200" indent="-228600">
-              <a:defRPr kumimoji="1" sz="3200">
-                <a:solidFill>
-                  <a:schemeClr val="tx1"/>
-                </a:solidFill>
-                <a:latin typeface="Arial" charset="0"/>
-                <a:ea typeface="ＭＳ Ｐゴシック" charset="-128"/>
-              </a:defRPr>
-            </a:lvl4pPr>
-            <a:lvl5pPr marL="2057400" indent="-228600">
-              <a:defRPr kumimoji="1" sz="3200">
-                <a:solidFill>
-                  <a:schemeClr val="tx1"/>
-                </a:solidFill>
-                <a:latin typeface="Arial" charset="0"/>
-                <a:ea typeface="ＭＳ Ｐゴシック" charset="-128"/>
-              </a:defRPr>
-            </a:lvl5pPr>
-            <a:lvl6pPr marL="2514600" indent="-228600" eaLnBrk="0" fontAlgn="base" hangingPunct="0">
-              <a:spcBef>
-                <a:spcPct val="0"/>
-              </a:spcBef>
-              <a:spcAft>
-                <a:spcPct val="0"/>
-              </a:spcAft>
-              <a:defRPr kumimoji="1" sz="3200">
-                <a:solidFill>
-                  <a:schemeClr val="tx1"/>
-                </a:solidFill>
-                <a:latin typeface="Arial" charset="0"/>
-                <a:ea typeface="ＭＳ Ｐゴシック" charset="-128"/>
-              </a:defRPr>
-            </a:lvl6pPr>
-            <a:lvl7pPr marL="2971800" indent="-228600" eaLnBrk="0" fontAlgn="base" hangingPunct="0">
-              <a:spcBef>
-                <a:spcPct val="0"/>
-              </a:spcBef>
-              <a:spcAft>
-                <a:spcPct val="0"/>
-              </a:spcAft>
-              <a:defRPr kumimoji="1" sz="3200">
-                <a:solidFill>
-                  <a:schemeClr val="tx1"/>
-                </a:solidFill>
-                <a:latin typeface="Arial" charset="0"/>
-                <a:ea typeface="ＭＳ Ｐゴシック" charset="-128"/>
-              </a:defRPr>
-            </a:lvl7pPr>
-            <a:lvl8pPr marL="3429000" indent="-228600" eaLnBrk="0" fontAlgn="base" hangingPunct="0">
-              <a:spcBef>
-                <a:spcPct val="0"/>
-              </a:spcBef>
-              <a:spcAft>
-                <a:spcPct val="0"/>
-              </a:spcAft>
-              <a:defRPr kumimoji="1" sz="3200">
-                <a:solidFill>
-                  <a:schemeClr val="tx1"/>
-                </a:solidFill>
-                <a:latin typeface="Arial" charset="0"/>
-                <a:ea typeface="ＭＳ Ｐゴシック" charset="-128"/>
-              </a:defRPr>
-            </a:lvl8pPr>
-            <a:lvl9pPr marL="3886200" indent="-228600" eaLnBrk="0" fontAlgn="base" hangingPunct="0">
-              <a:spcBef>
-                <a:spcPct val="0"/>
-              </a:spcBef>
-              <a:spcAft>
-                <a:spcPct val="0"/>
-              </a:spcAft>
-              <a:defRPr kumimoji="1" sz="3200">
-                <a:solidFill>
-                  <a:schemeClr val="tx1"/>
-                </a:solidFill>
-                <a:latin typeface="Arial" charset="0"/>
-                <a:ea typeface="ＭＳ Ｐゴシック" charset="-128"/>
-              </a:defRPr>
-            </a:lvl9pPr>
-          </a:lstStyle>
-          <a:p>
-            <a:pPr marL="285750" indent="-285750" eaLnBrk="1" hangingPunct="1">
-              <a:buFont typeface="Arial" charset="0"/>
-              <a:buChar char="•"/>
-              <a:defRPr/>
-            </a:pPr>
-            <a:r>
-              <a:rPr lang="en-US" altLang="ja-JP" sz="1800" dirty="0" smtClean="0">
-                <a:solidFill>
-                  <a:srgbClr val="000000"/>
-                </a:solidFill>
-                <a:latin typeface="+mn-lt"/>
-                <a:ea typeface="+mn-ea"/>
                 <a:cs typeface="メイリオ" charset="-128"/>
               </a:rPr>
               <a:t>prop_no_1.mop</a:t>
             </a:r>
           </a:p>
           <a:p>
-            <a:pPr lvl="1" indent="0" eaLnBrk="1" hangingPunct="1">
+            <a:pPr lvl="1">
+              <a:buNone/>
               <a:defRPr/>
             </a:pPr>
             <a:r>
-              <a:rPr lang="en-US" altLang="ja-JP" sz="1800" dirty="0" smtClean="0">
-                <a:latin typeface="+mn-lt"/>
-                <a:ea typeface="+mn-ea"/>
-              </a:rPr>
-              <a:t>QFF</a:t>
-            </a:r>
-            <a:r>
-              <a:rPr lang="ja-JP" altLang="en-US" sz="1800" dirty="0" smtClean="0">
-                <a:latin typeface="+mn-lt"/>
-                <a:ea typeface="+mn-ea"/>
-              </a:rPr>
-              <a:t>情報を含む。</a:t>
-            </a:r>
-            <a:r>
-              <a:rPr lang="en-US" altLang="ja-JP" sz="1800" dirty="0" smtClean="0">
-                <a:latin typeface="+mn-lt"/>
-                <a:ea typeface="+mn-ea"/>
-              </a:rPr>
-              <a:t>48</a:t>
-            </a:r>
-            <a:r>
-              <a:rPr lang="ja-JP" altLang="en-US" sz="1800" dirty="0" smtClean="0">
-                <a:latin typeface="+mn-lt"/>
-                <a:ea typeface="+mn-ea"/>
-              </a:rPr>
-              <a:t>モードの</a:t>
-            </a:r>
-            <a:r>
-              <a:rPr lang="en-US" altLang="ja-JP" sz="1800" dirty="0" smtClean="0">
-                <a:latin typeface="+mn-lt"/>
-                <a:ea typeface="+mn-ea"/>
-              </a:rPr>
-              <a:t>4MR-QFF</a:t>
-            </a:r>
-            <a:r>
-              <a:rPr lang="ja-JP" altLang="en-US" sz="1800" dirty="0" smtClean="0">
-                <a:latin typeface="+mn-lt"/>
-                <a:ea typeface="+mn-ea"/>
-              </a:rPr>
-              <a:t>。</a:t>
-            </a:r>
-            <a:endParaRPr lang="en-US" altLang="ja-JP" sz="1800" dirty="0" smtClean="0">
-              <a:latin typeface="+mn-lt"/>
-              <a:ea typeface="+mn-ea"/>
-            </a:endParaRPr>
-          </a:p>
-          <a:p>
-            <a:pPr lvl="1" indent="0" eaLnBrk="1" hangingPunct="1">
-              <a:defRPr/>
+              <a:rPr lang="en-US" altLang="ja-JP" sz="1800" dirty="0"/>
+              <a:t>Includes the information of QFF. This is 4MR-QFF for all 48 modes. (In fact, it is costly to get this QFF.)</a:t>
+            </a:r>
+          </a:p>
+          <a:p>
+            <a:pPr lvl="1">
+              <a:lnSpc>
+                <a:spcPct val="100000"/>
+              </a:lnSpc>
+              <a:spcBef>
+                <a:spcPct val="0"/>
+              </a:spcBef>
+              <a:buNone/>
             </a:pPr>
-            <a:r>
-              <a:rPr lang="ja-JP" altLang="en-US" sz="1800" dirty="0" smtClean="0">
-                <a:latin typeface="+mn-lt"/>
-                <a:ea typeface="+mn-ea"/>
-              </a:rPr>
-              <a:t>（実はこれを計算するのは大変です。）</a:t>
-            </a:r>
-            <a:endParaRPr lang="en-US" altLang="ja-JP" sz="1800" dirty="0" smtClean="0">
-              <a:latin typeface="+mn-lt"/>
-              <a:ea typeface="+mn-ea"/>
-            </a:endParaRPr>
+            <a:endParaRPr lang="en-US" altLang="ja-JP" sz="1800" dirty="0"/>
           </a:p>
         </p:txBody>
       </p:sp>
@@ -21731,7 +21310,7 @@
               <a:defRPr/>
             </a:pPr>
             <a:r>
-              <a:rPr lang="en-US" altLang="ja-JP" sz="2400" smtClean="0">
+              <a:rPr lang="en-US" altLang="ja-JP" sz="2400" dirty="0" err="1">
                 <a:solidFill>
                   <a:srgbClr val="000000"/>
                 </a:solidFill>
@@ -21741,7 +21320,7 @@
               </a:rPr>
               <a:t>ocvscf.inp</a:t>
             </a:r>
-            <a:endParaRPr lang="en-US" altLang="ja-JP" sz="2400" dirty="0" smtClean="0">
+            <a:endParaRPr lang="en-US" altLang="ja-JP" sz="2400" dirty="0">
               <a:solidFill>
                 <a:srgbClr val="000000"/>
               </a:solidFill>
@@ -23948,7 +23527,7 @@
               <a:defRPr/>
             </a:pPr>
             <a:r>
-              <a:rPr lang="en-US" altLang="ja-JP" sz="2400" smtClean="0">
+              <a:rPr lang="en-US" altLang="ja-JP" sz="2400" dirty="0">
                 <a:solidFill>
                   <a:srgbClr val="000000"/>
                 </a:solidFill>
@@ -23959,7 +23538,7 @@
               <a:t>log/</a:t>
             </a:r>
             <a:r>
-              <a:rPr lang="en-US" altLang="ja-JP" sz="2400" dirty="0" err="1" smtClean="0">
+              <a:rPr lang="en-US" altLang="ja-JP" sz="2400" dirty="0" err="1">
                 <a:solidFill>
                   <a:srgbClr val="000000"/>
                 </a:solidFill>
@@ -23969,7 +23548,7 @@
               </a:rPr>
               <a:t>ocvscf.out</a:t>
             </a:r>
-            <a:endParaRPr lang="en-US" altLang="ja-JP" sz="2400" dirty="0" smtClean="0">
+            <a:endParaRPr lang="en-US" altLang="ja-JP" sz="2400" dirty="0">
               <a:solidFill>
                 <a:srgbClr val="000000"/>
               </a:solidFill>
@@ -25869,43 +25448,6 @@
       </p:sp>
       <p:sp>
         <p:nvSpPr>
-          <p:cNvPr id="4" name="テキスト ボックス 3"/>
-          <p:cNvSpPr txBox="1"/>
-          <p:nvPr/>
-        </p:nvSpPr>
-        <p:spPr>
-          <a:xfrm>
-            <a:off x="465138" y="509588"/>
-            <a:ext cx="776287" cy="460375"/>
-          </a:xfrm>
-          <a:prstGeom prst="rect">
-            <a:avLst/>
-          </a:prstGeom>
-          <a:noFill/>
-        </p:spPr>
-        <p:txBody>
-          <a:bodyPr wrap="none">
-            <a:spAutoFit/>
-          </a:bodyPr>
-          <a:lstStyle/>
-          <a:p>
-            <a:pPr>
-              <a:defRPr/>
-            </a:pPr>
-            <a:r>
-              <a:rPr lang="en-US" altLang="ja-JP" sz="2400">
-                <a:latin typeface="+mn-lt"/>
-              </a:rPr>
-              <a:t>2.vib</a:t>
-            </a:r>
-            <a:endParaRPr lang="ja-JP" altLang="en-US" sz="2400" dirty="0">
-              <a:latin typeface="+mn-lt"/>
-            </a:endParaRPr>
-          </a:p>
-        </p:txBody>
-      </p:sp>
-      <p:sp>
-        <p:nvSpPr>
           <p:cNvPr id="30723" name="テキスト ボックス 13"/>
           <p:cNvSpPr txBox="1">
             <a:spLocks noChangeArrowheads="1"/>
@@ -26363,7 +25905,7 @@
         <p:spPr bwMode="auto">
           <a:xfrm>
             <a:off x="1114425" y="1609725"/>
-            <a:ext cx="5781675" cy="647700"/>
+            <a:ext cx="5781675" cy="646331"/>
           </a:xfrm>
           <a:prstGeom prst="rect">
             <a:avLst/>
@@ -26566,94 +26108,42 @@
               <a:buNone/>
             </a:pPr>
             <a:r>
-              <a:rPr lang="ja-JP" altLang="en-US" sz="1800">
+              <a:rPr lang="en-US" altLang="ja-JP" sz="1800" dirty="0">
                 <a:solidFill>
                   <a:srgbClr val="000000"/>
                 </a:solidFill>
                 <a:ea typeface="メイリオ" charset="-128"/>
                 <a:cs typeface="メイリオ" charset="-128"/>
               </a:rPr>
-              <a:t>基準座標ベースの</a:t>
-            </a:r>
-            <a:r>
-              <a:rPr lang="en-US" altLang="ja-JP" sz="1800">
+              <a:t>VCI and VQDPT2 calculations based on normal coordinates.</a:t>
+            </a:r>
+            <a:r>
+              <a:rPr lang="ja-JP" altLang="en-US" sz="1800">
                 <a:solidFill>
                   <a:srgbClr val="000000"/>
                 </a:solidFill>
                 <a:ea typeface="メイリオ" charset="-128"/>
                 <a:cs typeface="メイリオ" charset="-128"/>
               </a:rPr>
-              <a:t>VCI</a:t>
-            </a:r>
-            <a:r>
-              <a:rPr lang="ja-JP" altLang="en-US" sz="1800">
+              <a:t> </a:t>
+            </a:r>
+            <a:r>
+              <a:rPr lang="en-US" altLang="ja-JP" sz="1800" dirty="0">
                 <a:solidFill>
                   <a:srgbClr val="000000"/>
                 </a:solidFill>
                 <a:ea typeface="メイリオ" charset="-128"/>
                 <a:cs typeface="メイリオ" charset="-128"/>
               </a:rPr>
-              <a:t>と</a:t>
-            </a:r>
-            <a:r>
-              <a:rPr lang="en-US" altLang="ja-JP" sz="1800">
-                <a:solidFill>
-                  <a:srgbClr val="000000"/>
-                </a:solidFill>
-                <a:ea typeface="メイリオ" charset="-128"/>
-                <a:cs typeface="メイリオ" charset="-128"/>
-              </a:rPr>
-              <a:t>VQDPT2</a:t>
-            </a:r>
-            <a:r>
-              <a:rPr lang="ja-JP" altLang="en-US" sz="1800">
-                <a:solidFill>
-                  <a:srgbClr val="000000"/>
-                </a:solidFill>
-                <a:ea typeface="メイリオ" charset="-128"/>
-                <a:cs typeface="メイリオ" charset="-128"/>
-              </a:rPr>
-              <a:t>計算</a:t>
-            </a:r>
-            <a:endParaRPr lang="en-US" altLang="ja-JP" sz="1800">
+              <a:t>They read h2o_6-mp2dz.minfo and prop_no_1.mop.</a:t>
+            </a:r>
+            <a:endParaRPr lang="ja-JP" altLang="en-US" sz="1800">
               <a:solidFill>
                 <a:srgbClr val="000000"/>
               </a:solidFill>
               <a:ea typeface="メイリオ" charset="-128"/>
               <a:cs typeface="メイリオ" charset="-128"/>
             </a:endParaRPr>
-          </a:p>
-          <a:p>
-            <a:pPr eaLnBrk="1" hangingPunct="1">
-              <a:lnSpc>
-                <a:spcPct val="100000"/>
-              </a:lnSpc>
-              <a:spcBef>
-                <a:spcPct val="0"/>
-              </a:spcBef>
-              <a:buFontTx/>
-              <a:buNone/>
-            </a:pPr>
-            <a:r>
-              <a:rPr lang="en-US" altLang="ja-JP" sz="1800">
-                <a:solidFill>
-                  <a:srgbClr val="000000"/>
-                </a:solidFill>
-                <a:ea typeface="メイリオ" charset="-128"/>
-                <a:cs typeface="メイリオ" charset="-128"/>
-              </a:rPr>
-              <a:t>h2o_6-mp2dz.minfo, prop_no_1.mop</a:t>
-            </a:r>
-            <a:r>
-              <a:rPr lang="ja-JP" altLang="en-US" sz="1800">
-                <a:solidFill>
-                  <a:srgbClr val="000000"/>
-                </a:solidFill>
-                <a:ea typeface="メイリオ" charset="-128"/>
-                <a:cs typeface="メイリオ" charset="-128"/>
-              </a:rPr>
-              <a:t>に基づく計算。</a:t>
-            </a:r>
           </a:p>
         </p:txBody>
       </p:sp>
@@ -26668,7 +26158,7 @@
         <p:spPr bwMode="auto">
           <a:xfrm>
             <a:off x="1192213" y="3462338"/>
-            <a:ext cx="7381875" cy="646112"/>
+            <a:ext cx="7381875" cy="646331"/>
           </a:xfrm>
           <a:prstGeom prst="rect">
             <a:avLst/>
@@ -26871,94 +26361,44 @@
               <a:buNone/>
             </a:pPr>
             <a:r>
-              <a:rPr lang="ja-JP" altLang="en-US" sz="1800">
+              <a:rPr lang="en-US" altLang="ja-JP" sz="1800" dirty="0">
                 <a:solidFill>
                   <a:srgbClr val="000000"/>
                 </a:solidFill>
                 <a:ea typeface="メイリオ" charset="-128"/>
                 <a:cs typeface="メイリオ" charset="-128"/>
               </a:rPr>
-              <a:t>最適化座標ベースの</a:t>
-            </a:r>
-            <a:r>
-              <a:rPr lang="en-US" altLang="ja-JP" sz="1800">
+              <a:t>VCI and VQDPT2 calculations based on optimized coordinates.</a:t>
+            </a:r>
+          </a:p>
+          <a:p>
+            <a:pPr eaLnBrk="1" hangingPunct="1">
+              <a:lnSpc>
+                <a:spcPct val="100000"/>
+              </a:lnSpc>
+              <a:spcBef>
+                <a:spcPct val="0"/>
+              </a:spcBef>
+              <a:buFontTx/>
+              <a:buNone/>
+            </a:pPr>
+            <a:r>
+              <a:rPr lang="en-US" altLang="ja-JP" sz="1800" dirty="0">
                 <a:solidFill>
                   <a:srgbClr val="000000"/>
                 </a:solidFill>
                 <a:ea typeface="メイリオ" charset="-128"/>
                 <a:cs typeface="メイリオ" charset="-128"/>
               </a:rPr>
-              <a:t>VCI</a:t>
-            </a:r>
-            <a:r>
-              <a:rPr lang="ja-JP" altLang="en-US" sz="1800">
-                <a:solidFill>
-                  <a:srgbClr val="000000"/>
-                </a:solidFill>
-                <a:ea typeface="メイリオ" charset="-128"/>
-                <a:cs typeface="メイリオ" charset="-128"/>
-              </a:rPr>
-              <a:t>と</a:t>
-            </a:r>
-            <a:r>
-              <a:rPr lang="en-US" altLang="ja-JP" sz="1800">
-                <a:solidFill>
-                  <a:srgbClr val="000000"/>
-                </a:solidFill>
-                <a:ea typeface="メイリオ" charset="-128"/>
-                <a:cs typeface="メイリオ" charset="-128"/>
-              </a:rPr>
-              <a:t>VQDPT2</a:t>
-            </a:r>
-            <a:r>
-              <a:rPr lang="ja-JP" altLang="en-US" sz="1800">
-                <a:solidFill>
-                  <a:srgbClr val="000000"/>
-                </a:solidFill>
-                <a:ea typeface="メイリオ" charset="-128"/>
-                <a:cs typeface="メイリオ" charset="-128"/>
-              </a:rPr>
-              <a:t>計算</a:t>
-            </a:r>
-            <a:endParaRPr lang="en-US" altLang="ja-JP" sz="1800">
+              <a:t>The read h2o_6-mp2dz_ocvscf.minfo and prop_no_1.mop_ocvscf.</a:t>
+            </a:r>
+            <a:endParaRPr lang="ja-JP" altLang="en-US" sz="1800">
               <a:solidFill>
                 <a:srgbClr val="000000"/>
               </a:solidFill>
               <a:ea typeface="メイリオ" charset="-128"/>
               <a:cs typeface="メイリオ" charset="-128"/>
             </a:endParaRPr>
-          </a:p>
-          <a:p>
-            <a:pPr eaLnBrk="1" hangingPunct="1">
-              <a:lnSpc>
-                <a:spcPct val="100000"/>
-              </a:lnSpc>
-              <a:spcBef>
-                <a:spcPct val="0"/>
-              </a:spcBef>
-              <a:buFontTx/>
-              <a:buNone/>
-            </a:pPr>
-            <a:r>
-              <a:rPr lang="en-US" altLang="ja-JP" sz="1800">
-                <a:solidFill>
-                  <a:srgbClr val="000000"/>
-                </a:solidFill>
-                <a:ea typeface="メイリオ" charset="-128"/>
-                <a:cs typeface="メイリオ" charset="-128"/>
-              </a:rPr>
-              <a:t>h2o_6-mp2dz_ocvscf.minfo, prop_no_1.mop_ocvscf</a:t>
-            </a:r>
-            <a:r>
-              <a:rPr lang="ja-JP" altLang="en-US" sz="1800">
-                <a:solidFill>
-                  <a:srgbClr val="000000"/>
-                </a:solidFill>
-                <a:ea typeface="メイリオ" charset="-128"/>
-                <a:cs typeface="メイリオ" charset="-128"/>
-              </a:rPr>
-              <a:t>に基づく計算。</a:t>
-            </a:r>
           </a:p>
         </p:txBody>
       </p:sp>
@@ -27265,7 +26705,7 @@
         </p:nvSpPr>
         <p:spPr bwMode="auto">
           <a:xfrm>
-            <a:off x="1428750" y="1255713"/>
+            <a:off x="1428750" y="1565679"/>
             <a:ext cx="4313238" cy="647700"/>
           </a:xfrm>
           <a:prstGeom prst="rect">
@@ -27411,7 +26851,7 @@
               <a:defRPr/>
             </a:pPr>
             <a:r>
-              <a:rPr lang="en-US" altLang="ja-JP" sz="1800" dirty="0" smtClean="0">
+              <a:rPr lang="en-US" altLang="ja-JP" sz="1800" dirty="0">
                 <a:solidFill>
                   <a:srgbClr val="000000"/>
                 </a:solidFill>
@@ -27427,7 +26867,7 @@
               <a:defRPr/>
             </a:pPr>
             <a:r>
-              <a:rPr lang="en-US" altLang="ja-JP" sz="1800" dirty="0" smtClean="0">
+              <a:rPr lang="en-US" altLang="ja-JP" sz="1800" dirty="0">
                 <a:solidFill>
                   <a:srgbClr val="000000"/>
                 </a:solidFill>
@@ -27450,7 +26890,7 @@
         </p:nvSpPr>
         <p:spPr bwMode="auto">
           <a:xfrm>
-            <a:off x="1428750" y="2173288"/>
+            <a:off x="1428750" y="2483254"/>
             <a:ext cx="3760788" cy="646112"/>
           </a:xfrm>
           <a:prstGeom prst="rect">
@@ -27596,7 +27036,7 @@
               <a:defRPr/>
             </a:pPr>
             <a:r>
-              <a:rPr lang="en-US" altLang="ja-JP" sz="1800" dirty="0" smtClean="0">
+              <a:rPr lang="en-US" altLang="ja-JP" sz="1800" dirty="0">
                 <a:solidFill>
                   <a:srgbClr val="000000"/>
                 </a:solidFill>
@@ -27612,7 +27052,7 @@
               <a:defRPr/>
             </a:pPr>
             <a:r>
-              <a:rPr lang="en-US" altLang="ja-JP" sz="1800" dirty="0" smtClean="0">
+              <a:rPr lang="en-US" altLang="ja-JP" sz="1800" dirty="0">
                 <a:solidFill>
                   <a:srgbClr val="000000"/>
                 </a:solidFill>
@@ -27635,7 +27075,7 @@
         </p:nvSpPr>
         <p:spPr bwMode="auto">
           <a:xfrm>
-            <a:off x="1428750" y="4052888"/>
+            <a:off x="1428750" y="4362854"/>
             <a:ext cx="4179888" cy="646112"/>
           </a:xfrm>
           <a:prstGeom prst="rect">
@@ -27781,7 +27221,7 @@
               <a:defRPr/>
             </a:pPr>
             <a:r>
-              <a:rPr lang="en-US" altLang="ja-JP" sz="1800" dirty="0" smtClean="0">
+              <a:rPr lang="en-US" altLang="ja-JP" sz="1800" dirty="0">
                 <a:solidFill>
                   <a:srgbClr val="000000"/>
                 </a:solidFill>
@@ -27797,7 +27237,7 @@
               <a:defRPr/>
             </a:pPr>
             <a:r>
-              <a:rPr lang="en-US" altLang="ja-JP" sz="1800" dirty="0" err="1" smtClean="0">
+              <a:rPr lang="en-US" altLang="ja-JP" sz="1800" dirty="0" err="1">
                 <a:solidFill>
                   <a:srgbClr val="000000"/>
                 </a:solidFill>
@@ -27808,7 +27248,7 @@
               <a:t>oc</a:t>
             </a:r>
             <a:r>
-              <a:rPr lang="en-US" altLang="ja-JP" sz="1800" dirty="0" smtClean="0">
+              <a:rPr lang="en-US" altLang="ja-JP" sz="1800" dirty="0">
                 <a:solidFill>
                   <a:srgbClr val="000000"/>
                 </a:solidFill>
@@ -27819,7 +27259,7 @@
               <a:t>-VSCF, </a:t>
             </a:r>
             <a:r>
-              <a:rPr lang="en-US" altLang="ja-JP" sz="1800" dirty="0" err="1" smtClean="0">
+              <a:rPr lang="en-US" altLang="ja-JP" sz="1800" dirty="0" err="1">
                 <a:solidFill>
                   <a:srgbClr val="000000"/>
                 </a:solidFill>
@@ -27830,7 +27270,7 @@
               <a:t>oc</a:t>
             </a:r>
             <a:r>
-              <a:rPr lang="en-US" altLang="ja-JP" sz="1800" dirty="0" smtClean="0">
+              <a:rPr lang="en-US" altLang="ja-JP" sz="1800" dirty="0">
                 <a:solidFill>
                   <a:srgbClr val="000000"/>
                 </a:solidFill>
@@ -28369,7 +27809,7 @@
         </p:nvSpPr>
         <p:spPr bwMode="auto">
           <a:xfrm>
-            <a:off x="1428750" y="3081338"/>
+            <a:off x="1428750" y="3391304"/>
             <a:ext cx="3336925" cy="646112"/>
           </a:xfrm>
           <a:prstGeom prst="rect">
@@ -28515,7 +27955,7 @@
               <a:defRPr/>
             </a:pPr>
             <a:r>
-              <a:rPr lang="en-US" altLang="ja-JP" sz="1800" dirty="0" smtClean="0">
+              <a:rPr lang="en-US" altLang="ja-JP" sz="1800" dirty="0">
                 <a:solidFill>
                   <a:srgbClr val="000000"/>
                 </a:solidFill>
@@ -28531,7 +27971,7 @@
               <a:defRPr/>
             </a:pPr>
             <a:r>
-              <a:rPr lang="en-US" altLang="ja-JP" sz="1800" dirty="0" err="1" smtClean="0">
+              <a:rPr lang="en-US" altLang="ja-JP" sz="1800" dirty="0" err="1">
                 <a:solidFill>
                   <a:srgbClr val="000000"/>
                 </a:solidFill>
@@ -28542,7 +27982,7 @@
               <a:t>nc</a:t>
             </a:r>
             <a:r>
-              <a:rPr lang="en-US" altLang="ja-JP" sz="1800" dirty="0" smtClean="0">
+              <a:rPr lang="en-US" altLang="ja-JP" sz="1800" dirty="0">
                 <a:solidFill>
                   <a:srgbClr val="000000"/>
                 </a:solidFill>
@@ -28552,6 +27992,54 @@
               </a:rPr>
               <a:t>-VCI[3]-(6), nc-VQDPT2-(4)</a:t>
             </a:r>
+          </a:p>
+        </p:txBody>
+      </p:sp>
+      <p:sp>
+        <p:nvSpPr>
+          <p:cNvPr id="3" name="テキスト ボックス 2">
+            <a:extLst>
+              <a:ext uri="{FF2B5EF4-FFF2-40B4-BE49-F238E27FC236}">
+                <a16:creationId xmlns:a16="http://schemas.microsoft.com/office/drawing/2014/main" id="{658BF5DC-777B-994D-895E-5FFB1025CE3F}"/>
+              </a:ext>
+            </a:extLst>
+          </p:cNvPr>
+          <p:cNvSpPr txBox="1"/>
+          <p:nvPr/>
+        </p:nvSpPr>
+        <p:spPr>
+          <a:xfrm>
+            <a:off x="991892" y="1053884"/>
+            <a:ext cx="6056851" cy="369332"/>
+          </a:xfrm>
+          <a:prstGeom prst="rect">
+            <a:avLst/>
+          </a:prstGeom>
+          <a:noFill/>
+        </p:spPr>
+        <p:txBody>
+          <a:bodyPr wrap="none" rtlCol="0">
+            <a:spAutoFit/>
+          </a:bodyPr>
+          <a:lstStyle/>
+          <a:p>
+            <a:r>
+              <a:rPr kumimoji="1" lang="en-US" altLang="ja-JP" dirty="0"/>
+              <a:t>Sample files are found in sindo-4.0/doc/</a:t>
+            </a:r>
+            <a:r>
+              <a:rPr kumimoji="1" lang="en-US" altLang="ja-JP" dirty="0" err="1"/>
+              <a:t>FSindo</a:t>
+            </a:r>
+            <a:r>
+              <a:rPr kumimoji="1" lang="en-US" altLang="ja-JP" dirty="0"/>
+              <a:t>/</a:t>
+            </a:r>
+            <a:r>
+              <a:rPr kumimoji="1" lang="en-US" altLang="ja-JP" dirty="0" err="1"/>
+              <a:t>sample_FSindo</a:t>
+            </a:r>
+            <a:endParaRPr kumimoji="1" lang="ja-JP" altLang="en-US"/>
           </a:p>
         </p:txBody>
       </p:sp>
@@ -29029,12 +28517,16 @@
               <a:buNone/>
             </a:pPr>
             <a:r>
-              <a:rPr lang="ja-JP" altLang="en-US" sz="4400">
+              <a:rPr lang="en-US" altLang="ja-JP" sz="4400" dirty="0">
                 <a:ea typeface="HG創英角ｺﾞｼｯｸUB" charset="-128"/>
                 <a:cs typeface="ＭＳ Ｐゴシック" charset="-128"/>
               </a:rPr>
-              <a:t>問題</a:t>
-            </a:r>
+              <a:t>Quiz</a:t>
+            </a:r>
+            <a:endParaRPr lang="ja-JP" altLang="en-US" sz="4400">
+              <a:ea typeface="HG創英角ｺﾞｼｯｸUB" charset="-128"/>
+              <a:cs typeface="ＭＳ Ｐゴシック" charset="-128"/>
+            </a:endParaRPr>
           </a:p>
         </p:txBody>
       </p:sp>
@@ -29048,8 +28540,8 @@
         </p:nvSpPr>
         <p:spPr bwMode="auto">
           <a:xfrm>
-            <a:off x="554038" y="838200"/>
-            <a:ext cx="8216900" cy="1077913"/>
+            <a:off x="554038" y="1003091"/>
+            <a:ext cx="8216900" cy="1569660"/>
           </a:xfrm>
           <a:prstGeom prst="rect">
             <a:avLst/>
@@ -29252,14 +28744,11 @@
               <a:buNone/>
             </a:pPr>
             <a:r>
-              <a:rPr lang="ja-JP" altLang="en-US" sz="3200">
+              <a:rPr lang="en-US" altLang="ja-JP" sz="3200" dirty="0">
                 <a:latin typeface="Arial" charset="0"/>
               </a:rPr>
-              <a:t>水６量体の基準座標と最適化座標を可視化し、どのような違いがあるか、比較せよ。</a:t>
-            </a:r>
-            <a:endParaRPr lang="en-US" altLang="ja-JP" sz="3200">
-              <a:latin typeface="Arial" charset="0"/>
-            </a:endParaRPr>
+              <a:t>Visualize the normal and optimized coordinates of water hexamer, and discuss on their differences.</a:t>
+            </a:r>
           </a:p>
         </p:txBody>
       </p:sp>
@@ -35521,8 +35010,8 @@
         </p:nvSpPr>
         <p:spPr bwMode="auto">
           <a:xfrm>
-            <a:off x="431800" y="960438"/>
-            <a:ext cx="5881688" cy="922337"/>
+            <a:off x="431799" y="960438"/>
+            <a:ext cx="7131373" cy="923330"/>
           </a:xfrm>
           <a:prstGeom prst="rect">
             <a:avLst/>
@@ -35552,7 +35041,7 @@
           </a:extLst>
         </p:spPr>
         <p:txBody>
-          <a:bodyPr>
+          <a:bodyPr wrap="square">
             <a:spAutoFit/>
           </a:bodyPr>
           <a:lstStyle>
@@ -35723,7 +35212,7 @@
               </a:spcBef>
             </a:pPr>
             <a:r>
-              <a:rPr lang="en-US" altLang="ja-JP" sz="1800">
+              <a:rPr lang="en-US" altLang="ja-JP" sz="1800" dirty="0">
                 <a:solidFill>
                   <a:srgbClr val="000000"/>
                 </a:solidFill>
@@ -35745,24 +35234,28 @@
               <a:buNone/>
             </a:pPr>
             <a:r>
+              <a:rPr lang="en-US" altLang="ja-JP" sz="1800" dirty="0">
+                <a:ea typeface="メイリオ" charset="-128"/>
+                <a:cs typeface="ＭＳ Ｐゴシック" charset="-128"/>
+              </a:rPr>
+              <a:t>Includes the equilibrium geometry, harmonic frequencies, and vibrational displacement vectors.</a:t>
+            </a:r>
+            <a:r>
               <a:rPr lang="ja-JP" altLang="en-US" sz="1800">
                 <a:ea typeface="メイリオ" charset="-128"/>
                 <a:cs typeface="ＭＳ Ｐゴシック" charset="-128"/>
               </a:rPr>
-              <a:t>平衡構造、調和振動数、振動ベクトルを含む</a:t>
-            </a:r>
-            <a:r>
-              <a:rPr lang="ja-JP" altLang="en-US" sz="1800">
-                <a:solidFill>
-                  <a:srgbClr val="000000"/>
-                </a:solidFill>
+              <a:t> </a:t>
+            </a:r>
+            <a:r>
+              <a:rPr lang="en-US" altLang="ja-JP" sz="1800" dirty="0">
                 <a:ea typeface="メイリオ" charset="-128"/>
-                <a:cs typeface="メイリオ" charset="-128"/>
+                <a:cs typeface="ＭＳ Ｐゴシック" charset="-128"/>
               </a:rPr>
-              <a:t>。</a:t>
-            </a:r>
-            <a:r>
-              <a:rPr lang="en-US" altLang="ja-JP" sz="1800">
+              <a:t>They can be visualized by </a:t>
+            </a:r>
+            <a:r>
+              <a:rPr lang="en-US" altLang="ja-JP" sz="1800" dirty="0" err="1">
                 <a:solidFill>
                   <a:srgbClr val="000000"/>
                 </a:solidFill>
@@ -35772,16 +35265,16 @@
               <a:t>JSindo</a:t>
             </a:r>
             <a:r>
-              <a:rPr lang="ja-JP" altLang="en-US" sz="1800">
+              <a:rPr lang="en-US" altLang="ja-JP" sz="1800" dirty="0">
                 <a:solidFill>
                   <a:srgbClr val="000000"/>
                 </a:solidFill>
                 <a:ea typeface="メイリオ" charset="-128"/>
                 <a:cs typeface="メイリオ" charset="-128"/>
               </a:rPr>
-              <a:t>で可視化できる。</a:t>
-            </a:r>
-            <a:endParaRPr lang="en-US" altLang="ja-JP" sz="1800"/>
+              <a:t>.</a:t>
+            </a:r>
+            <a:endParaRPr lang="en-US" altLang="ja-JP" sz="1800" dirty="0"/>
           </a:p>
         </p:txBody>
       </p:sp>
@@ -35943,7 +35436,7 @@
               <a:defRPr/>
             </a:pPr>
             <a:r>
-              <a:rPr lang="en-US" altLang="ja-JP" sz="1800" dirty="0" smtClean="0">
+              <a:rPr lang="en-US" altLang="ja-JP" sz="1800" dirty="0">
                 <a:solidFill>
                   <a:srgbClr val="000000"/>
                 </a:solidFill>
@@ -35959,30 +35452,26 @@
               <a:defRPr/>
             </a:pPr>
             <a:r>
-              <a:rPr lang="ja-JP" altLang="en-US" sz="1800" dirty="0" smtClean="0">
+              <a:rPr lang="en-US" altLang="ja-JP" sz="1800" dirty="0">
                 <a:latin typeface="+mn-lt"/>
                 <a:ea typeface="+mn-ea"/>
               </a:rPr>
-              <a:t>グリッドポテンシャルの情報を含む。</a:t>
-            </a:r>
-            <a:endParaRPr lang="en-US" altLang="ja-JP" sz="1800" dirty="0" smtClean="0">
-              <a:latin typeface="+mn-lt"/>
-              <a:ea typeface="+mn-ea"/>
-            </a:endParaRPr>
+              <a:t>Includes the information of grid potential.</a:t>
+            </a:r>
           </a:p>
           <a:p>
             <a:pPr lvl="1" indent="0" eaLnBrk="1" hangingPunct="1">
               <a:defRPr/>
             </a:pPr>
             <a:r>
-              <a:rPr lang="es-ES_tradnl" altLang="ja-JP" sz="1800" dirty="0" err="1" smtClean="0">
+              <a:rPr lang="es-ES_tradnl" altLang="ja-JP" sz="1800" dirty="0" err="1">
                 <a:latin typeface="+mn-lt"/>
                 <a:ea typeface="+mn-ea"/>
               </a:rPr>
               <a:t>eq</a:t>
             </a:r>
             <a:r>
-              <a:rPr lang="es-ES_tradnl" altLang="ja-JP" sz="1800" dirty="0" smtClean="0">
+              <a:rPr lang="es-ES_tradnl" altLang="ja-JP" sz="1800" dirty="0">
                 <a:latin typeface="+mn-lt"/>
                 <a:ea typeface="+mn-ea"/>
               </a:rPr>
@@ -35994,7 +35483,7 @@
               <a:defRPr/>
             </a:pPr>
             <a:r>
-              <a:rPr lang="es-ES_tradnl" altLang="ja-JP" sz="1800" dirty="0" smtClean="0">
+              <a:rPr lang="es-ES_tradnl" altLang="ja-JP" sz="1800" dirty="0">
                 <a:latin typeface="+mn-lt"/>
                 <a:ea typeface="+mn-ea"/>
               </a:rPr>
@@ -36006,7 +35495,7 @@
               <a:defRPr/>
             </a:pPr>
             <a:r>
-              <a:rPr lang="es-ES_tradnl" altLang="ja-JP" sz="1800" dirty="0" smtClean="0">
+              <a:rPr lang="es-ES_tradnl" altLang="ja-JP" sz="1800" dirty="0">
                 <a:latin typeface="+mn-lt"/>
                 <a:ea typeface="+mn-ea"/>
               </a:rPr>
@@ -36018,7 +35507,7 @@
               <a:defRPr/>
             </a:pPr>
             <a:r>
-              <a:rPr lang="es-ES_tradnl" altLang="ja-JP" sz="1800" dirty="0" smtClean="0">
+              <a:rPr lang="es-ES_tradnl" altLang="ja-JP" sz="1800" dirty="0">
                 <a:latin typeface="+mn-lt"/>
                 <a:ea typeface="+mn-ea"/>
               </a:rPr>
@@ -36029,7 +35518,7 @@
             <a:pPr lvl="1" indent="0" eaLnBrk="1" hangingPunct="1">
               <a:defRPr/>
             </a:pPr>
-            <a:endParaRPr lang="en-US" altLang="ja-JP" sz="1800" dirty="0" smtClean="0">
+            <a:endParaRPr lang="en-US" altLang="ja-JP" sz="1800" dirty="0">
               <a:latin typeface="+mn-lt"/>
               <a:ea typeface="+mn-ea"/>
             </a:endParaRPr>
@@ -36513,7 +36002,7 @@
               <a:defRPr/>
             </a:pPr>
             <a:r>
-              <a:rPr lang="en-US" altLang="ja-JP" sz="2400" smtClean="0">
+              <a:rPr lang="en-US" altLang="ja-JP" sz="2400">
                 <a:solidFill>
                   <a:srgbClr val="000000"/>
                 </a:solidFill>
@@ -36523,7 +36012,7 @@
               </a:rPr>
               <a:t>vscf.inp</a:t>
             </a:r>
-            <a:endParaRPr lang="en-US" altLang="ja-JP" sz="2400" dirty="0" smtClean="0">
+            <a:endParaRPr lang="en-US" altLang="ja-JP" sz="2400" dirty="0">
               <a:solidFill>
                 <a:srgbClr val="000000"/>
               </a:solidFill>
@@ -40096,7 +39585,7 @@
               <a:defRPr/>
             </a:pPr>
             <a:r>
-              <a:rPr lang="en-US" altLang="ja-JP" sz="2400" dirty="0" smtClean="0">
+              <a:rPr lang="en-US" altLang="ja-JP" sz="2400" dirty="0">
                 <a:solidFill>
                   <a:srgbClr val="000000"/>
                 </a:solidFill>
@@ -40107,7 +39596,7 @@
               <a:t>log/</a:t>
             </a:r>
             <a:r>
-              <a:rPr lang="en-US" altLang="ja-JP" sz="2400" dirty="0" err="1" smtClean="0">
+              <a:rPr lang="en-US" altLang="ja-JP" sz="2400" dirty="0" err="1">
                 <a:solidFill>
                   <a:srgbClr val="000000"/>
                 </a:solidFill>
@@ -40117,7 +39606,7 @@
               </a:rPr>
               <a:t>vscf.out</a:t>
             </a:r>
-            <a:endParaRPr lang="en-US" altLang="ja-JP" sz="2400" dirty="0" smtClean="0">
+            <a:endParaRPr lang="en-US" altLang="ja-JP" sz="2400" dirty="0">
               <a:solidFill>
                 <a:srgbClr val="000000"/>
               </a:solidFill>
@@ -41507,7 +40996,7 @@
               <a:defRPr/>
             </a:pPr>
             <a:r>
-              <a:rPr lang="en-US" altLang="ja-JP" sz="2400" smtClean="0">
+              <a:rPr lang="en-US" altLang="ja-JP" sz="2400">
                 <a:solidFill>
                   <a:srgbClr val="000000"/>
                 </a:solidFill>
@@ -41517,7 +41006,7 @@
               </a:rPr>
               <a:t>vci.inp</a:t>
             </a:r>
-            <a:endParaRPr lang="en-US" altLang="ja-JP" sz="2400" dirty="0" smtClean="0">
+            <a:endParaRPr lang="en-US" altLang="ja-JP" sz="2400" dirty="0">
               <a:solidFill>
                 <a:srgbClr val="000000"/>
               </a:solidFill>
@@ -43119,7 +42608,7 @@
               <a:defRPr/>
             </a:pPr>
             <a:r>
-              <a:rPr lang="en-US" altLang="ja-JP" sz="2400" dirty="0" smtClean="0">
+              <a:rPr lang="en-US" altLang="ja-JP" sz="2400" dirty="0">
                 <a:solidFill>
                   <a:srgbClr val="000000"/>
                 </a:solidFill>
@@ -43130,7 +42619,7 @@
               <a:t>log/</a:t>
             </a:r>
             <a:r>
-              <a:rPr lang="en-US" altLang="ja-JP" sz="2400" dirty="0" err="1" smtClean="0">
+              <a:rPr lang="en-US" altLang="ja-JP" sz="2400" dirty="0" err="1">
                 <a:solidFill>
                   <a:srgbClr val="000000"/>
                 </a:solidFill>
@@ -43140,7 +42629,7 @@
               </a:rPr>
               <a:t>vci.out</a:t>
             </a:r>
-            <a:endParaRPr lang="en-US" altLang="ja-JP" sz="2400" dirty="0" smtClean="0">
+            <a:endParaRPr lang="en-US" altLang="ja-JP" sz="2400" dirty="0">
               <a:solidFill>
                 <a:srgbClr val="000000"/>
               </a:solidFill>
@@ -45683,7 +45172,7 @@
               <a:defRPr/>
             </a:pPr>
             <a:r>
-              <a:rPr lang="en-US" altLang="ja-JP" sz="2400" smtClean="0">
+              <a:rPr lang="en-US" altLang="ja-JP" sz="2400">
                 <a:solidFill>
                   <a:srgbClr val="000000"/>
                 </a:solidFill>
@@ -45693,7 +45182,7 @@
               </a:rPr>
               <a:t>vmp2.inp</a:t>
             </a:r>
-            <a:endParaRPr lang="en-US" altLang="ja-JP" sz="2400" dirty="0" smtClean="0">
+            <a:endParaRPr lang="en-US" altLang="ja-JP" sz="2400" dirty="0">
               <a:solidFill>
                 <a:srgbClr val="000000"/>
               </a:solidFill>
@@ -47810,7 +47299,7 @@
               <a:defRPr/>
             </a:pPr>
             <a:r>
-              <a:rPr lang="en-US" altLang="ja-JP" sz="2400" smtClean="0">
+              <a:rPr lang="en-US" altLang="ja-JP" sz="2400">
                 <a:solidFill>
                   <a:srgbClr val="000000"/>
                 </a:solidFill>
@@ -47820,7 +47309,7 @@
               </a:rPr>
               <a:t>log/vmp2.out</a:t>
             </a:r>
-            <a:endParaRPr lang="en-US" altLang="ja-JP" sz="2400" dirty="0" smtClean="0">
+            <a:endParaRPr lang="en-US" altLang="ja-JP" sz="2400" dirty="0">
               <a:solidFill>
                 <a:srgbClr val="000000"/>
               </a:solidFill>

--- a/doc/FSindo/usage_FSindo.pptx
+++ b/doc/FSindo/usage_FSindo.pptx
@@ -235,7 +235,7 @@
           <a:p>
             <a:fld id="{BB0F0136-69B4-D44B-9FED-4928016A3512}" type="datetimeFigureOut">
               <a:rPr kumimoji="1" lang="ja-JP" altLang="en-US" smtClean="0"/>
-              <a:t>2019/5/3</a:t>
+              <a:t>2019/5/4</a:t>
             </a:fld>
             <a:endParaRPr kumimoji="1" lang="ja-JP" altLang="en-US"/>
           </a:p>
@@ -749,7 +749,7 @@
           <a:p>
             <a:fld id="{8F1A2EAE-8A19-6140-AB90-FBA793328AFC}" type="datetime1">
               <a:rPr kumimoji="1" lang="ja-JP" altLang="en-US" smtClean="0"/>
-              <a:t>2019/5/3</a:t>
+              <a:t>2019/5/4</a:t>
             </a:fld>
             <a:endParaRPr kumimoji="1" lang="ja-JP" altLang="en-US"/>
           </a:p>
@@ -946,7 +946,7 @@
           <a:p>
             <a:fld id="{5032F6CD-D8C5-EA47-935C-33C61990A9AF}" type="datetime1">
               <a:rPr kumimoji="1" lang="ja-JP" altLang="en-US" smtClean="0"/>
-              <a:t>2019/5/3</a:t>
+              <a:t>2019/5/4</a:t>
             </a:fld>
             <a:endParaRPr kumimoji="1" lang="ja-JP" altLang="en-US"/>
           </a:p>
@@ -1153,7 +1153,7 @@
           <a:p>
             <a:fld id="{7432CAB7-B1D1-C842-BB27-1789136EF085}" type="datetime1">
               <a:rPr kumimoji="1" lang="ja-JP" altLang="en-US" smtClean="0"/>
-              <a:t>2019/5/3</a:t>
+              <a:t>2019/5/4</a:t>
             </a:fld>
             <a:endParaRPr kumimoji="1" lang="ja-JP" altLang="en-US"/>
           </a:p>
@@ -1350,7 +1350,7 @@
           <a:p>
             <a:fld id="{59F606A1-BF80-4F40-AD73-3A1303D72015}" type="datetime1">
               <a:rPr kumimoji="1" lang="ja-JP" altLang="en-US" smtClean="0"/>
-              <a:t>2019/5/3</a:t>
+              <a:t>2019/5/4</a:t>
             </a:fld>
             <a:endParaRPr kumimoji="1" lang="ja-JP" altLang="en-US"/>
           </a:p>
@@ -1589,7 +1589,7 @@
           <a:p>
             <a:fld id="{201370A8-86D7-DE4D-BAB6-D17D5C3BEC5A}" type="datetime1">
               <a:rPr kumimoji="1" lang="ja-JP" altLang="en-US" smtClean="0"/>
-              <a:t>2019/5/3</a:t>
+              <a:t>2019/5/4</a:t>
             </a:fld>
             <a:endParaRPr kumimoji="1" lang="ja-JP" altLang="en-US"/>
           </a:p>
@@ -1880,7 +1880,7 @@
           <a:p>
             <a:fld id="{2F8DFF1A-26F6-734D-81A6-596D27E77CDE}" type="datetime1">
               <a:rPr kumimoji="1" lang="ja-JP" altLang="en-US" smtClean="0"/>
-              <a:t>2019/5/3</a:t>
+              <a:t>2019/5/4</a:t>
             </a:fld>
             <a:endParaRPr kumimoji="1" lang="ja-JP" altLang="en-US"/>
           </a:p>
@@ -2306,7 +2306,7 @@
           <a:p>
             <a:fld id="{DA4D6ED2-2E77-3346-9932-196F8E0DDE9D}" type="datetime1">
               <a:rPr kumimoji="1" lang="ja-JP" altLang="en-US" smtClean="0"/>
-              <a:t>2019/5/3</a:t>
+              <a:t>2019/5/4</a:t>
             </a:fld>
             <a:endParaRPr kumimoji="1" lang="ja-JP" altLang="en-US"/>
           </a:p>
@@ -2419,7 +2419,7 @@
           <a:p>
             <a:fld id="{E0D62E53-0DE6-954C-A642-97CC889F03F2}" type="datetime1">
               <a:rPr kumimoji="1" lang="ja-JP" altLang="en-US" smtClean="0"/>
-              <a:t>2019/5/3</a:t>
+              <a:t>2019/5/4</a:t>
             </a:fld>
             <a:endParaRPr kumimoji="1" lang="ja-JP" altLang="en-US"/>
           </a:p>
@@ -2509,7 +2509,7 @@
           <a:p>
             <a:fld id="{4C76B436-8A19-1A40-8CF4-6DE75F461D19}" type="datetime1">
               <a:rPr kumimoji="1" lang="ja-JP" altLang="en-US" smtClean="0"/>
-              <a:t>2019/5/3</a:t>
+              <a:t>2019/5/4</a:t>
             </a:fld>
             <a:endParaRPr kumimoji="1" lang="ja-JP" altLang="en-US"/>
           </a:p>
@@ -2813,7 +2813,7 @@
           <a:p>
             <a:fld id="{50F977A8-A6EB-6544-A402-5123A38A5E0F}" type="datetime1">
               <a:rPr kumimoji="1" lang="ja-JP" altLang="en-US" smtClean="0"/>
-              <a:t>2019/5/3</a:t>
+              <a:t>2019/5/4</a:t>
             </a:fld>
             <a:endParaRPr kumimoji="1" lang="ja-JP" altLang="en-US"/>
           </a:p>
@@ -3065,7 +3065,7 @@
           <a:p>
             <a:fld id="{AC63A33F-D5AB-5D4B-9CED-7FFE32473911}" type="datetime1">
               <a:rPr kumimoji="1" lang="ja-JP" altLang="en-US" smtClean="0"/>
-              <a:t>2019/5/3</a:t>
+              <a:t>2019/5/4</a:t>
             </a:fld>
             <a:endParaRPr kumimoji="1" lang="ja-JP" altLang="en-US"/>
           </a:p>
@@ -3305,7 +3305,7 @@
           <a:p>
             <a:fld id="{533D1301-D078-CF4D-9B69-E985276E2D1F}" type="datetime1">
               <a:rPr kumimoji="1" lang="ja-JP" altLang="en-US" smtClean="0"/>
-              <a:t>2019/5/3</a:t>
+              <a:t>2019/5/4</a:t>
             </a:fld>
             <a:endParaRPr kumimoji="1" lang="ja-JP" altLang="en-US"/>
           </a:p>
@@ -10660,8 +10660,8 @@
         </p:nvSpPr>
         <p:spPr bwMode="auto">
           <a:xfrm>
-            <a:off x="4102100" y="2622012"/>
-            <a:ext cx="2815194" cy="830997"/>
+            <a:off x="4381071" y="2699504"/>
+            <a:ext cx="1898277" cy="646331"/>
           </a:xfrm>
           <a:prstGeom prst="rect">
             <a:avLst/>
@@ -10806,8 +10806,8 @@
               <a:defRPr/>
             </a:pPr>
             <a:r>
-              <a:rPr lang="en-US" altLang="ja-JP" sz="2400" dirty="0">
-                <a:latin typeface="+mn-ea"/>
+              <a:rPr lang="en-US" altLang="ja-JP" sz="1800" dirty="0">
+                <a:latin typeface="+mn-lt"/>
                 <a:ea typeface="+mn-ea"/>
               </a:rPr>
               <a:t>one-body terms: </a:t>
@@ -10818,21 +10818,21 @@
               <a:defRPr/>
             </a:pPr>
             <a:r>
-              <a:rPr lang="en-US" altLang="ja-JP" sz="2400" dirty="0">
-                <a:latin typeface="+mn-ea"/>
+              <a:rPr lang="en-US" altLang="ja-JP" sz="1800" dirty="0">
+                <a:latin typeface="+mn-lt"/>
                 <a:ea typeface="+mn-ea"/>
               </a:rPr>
               <a:t>ci, cii, ciii, </a:t>
             </a:r>
             <a:r>
-              <a:rPr lang="en-US" altLang="ja-JP" sz="2400" dirty="0" err="1">
-                <a:latin typeface="+mn-ea"/>
+              <a:rPr lang="en-US" altLang="ja-JP" sz="1800" dirty="0" err="1">
+                <a:latin typeface="+mn-lt"/>
                 <a:ea typeface="+mn-ea"/>
               </a:rPr>
               <a:t>ciiii</a:t>
             </a:r>
-            <a:endParaRPr lang="ja-JP" altLang="en-US" sz="2400" dirty="0">
-              <a:latin typeface="+mn-ea"/>
+            <a:endParaRPr lang="ja-JP" altLang="en-US" sz="1800" dirty="0">
+              <a:latin typeface="+mn-lt"/>
               <a:ea typeface="+mn-ea"/>
             </a:endParaRPr>
           </a:p>
@@ -10848,8 +10848,8 @@
         </p:nvSpPr>
         <p:spPr bwMode="auto">
           <a:xfrm>
-            <a:off x="4102100" y="3789363"/>
-            <a:ext cx="4432624" cy="830997"/>
+            <a:off x="4381071" y="3866855"/>
+            <a:ext cx="2860078" cy="646331"/>
           </a:xfrm>
           <a:prstGeom prst="rect">
             <a:avLst/>
@@ -10994,8 +10994,8 @@
               <a:defRPr/>
             </a:pPr>
             <a:r>
-              <a:rPr lang="en-US" altLang="ja-JP" sz="2400" dirty="0">
-                <a:latin typeface="+mn-ea"/>
+              <a:rPr lang="en-US" altLang="ja-JP" sz="1800" dirty="0">
+                <a:latin typeface="+mn-lt"/>
                 <a:ea typeface="+mn-ea"/>
               </a:rPr>
               <a:t>two-body terms: </a:t>
@@ -11006,84 +11006,84 @@
               <a:defRPr/>
             </a:pPr>
             <a:r>
-              <a:rPr lang="en-US" altLang="ja-JP" sz="2400" dirty="0" err="1">
-                <a:latin typeface="+mn-ea"/>
+              <a:rPr lang="en-US" altLang="ja-JP" sz="1800" dirty="0" err="1">
+                <a:latin typeface="+mn-lt"/>
                 <a:ea typeface="+mn-ea"/>
               </a:rPr>
               <a:t>cij</a:t>
             </a:r>
             <a:r>
-              <a:rPr lang="en-US" altLang="ja-JP" sz="2400" dirty="0">
-                <a:latin typeface="+mn-ea"/>
+              <a:rPr lang="en-US" altLang="ja-JP" sz="1800" dirty="0">
+                <a:latin typeface="+mn-lt"/>
                 <a:ea typeface="+mn-ea"/>
               </a:rPr>
               <a:t>, </a:t>
             </a:r>
             <a:r>
-              <a:rPr lang="en-US" altLang="ja-JP" sz="2400" dirty="0" err="1">
-                <a:latin typeface="+mn-ea"/>
+              <a:rPr lang="en-US" altLang="ja-JP" sz="1800" dirty="0" err="1">
+                <a:latin typeface="+mn-lt"/>
                 <a:ea typeface="+mn-ea"/>
               </a:rPr>
               <a:t>cijj</a:t>
             </a:r>
             <a:r>
-              <a:rPr lang="en-US" altLang="ja-JP" sz="2400" dirty="0">
-                <a:latin typeface="+mn-ea"/>
+              <a:rPr lang="en-US" altLang="ja-JP" sz="1800" dirty="0">
+                <a:latin typeface="+mn-lt"/>
                 <a:ea typeface="+mn-ea"/>
               </a:rPr>
               <a:t>, </a:t>
             </a:r>
             <a:r>
-              <a:rPr lang="en-US" altLang="ja-JP" sz="2400" dirty="0" err="1">
-                <a:latin typeface="+mn-ea"/>
+              <a:rPr lang="en-US" altLang="ja-JP" sz="1800" dirty="0" err="1">
+                <a:latin typeface="+mn-lt"/>
                 <a:ea typeface="+mn-ea"/>
               </a:rPr>
               <a:t>cijjj</a:t>
             </a:r>
             <a:r>
-              <a:rPr lang="en-US" altLang="ja-JP" sz="2400" dirty="0">
-                <a:latin typeface="+mn-ea"/>
+              <a:rPr lang="en-US" altLang="ja-JP" sz="1800" dirty="0">
+                <a:latin typeface="+mn-lt"/>
                 <a:ea typeface="+mn-ea"/>
               </a:rPr>
               <a:t>, </a:t>
             </a:r>
             <a:r>
-              <a:rPr lang="en-US" altLang="ja-JP" sz="2400" dirty="0" err="1">
-                <a:latin typeface="+mn-ea"/>
+              <a:rPr lang="en-US" altLang="ja-JP" sz="1800" dirty="0" err="1">
+                <a:latin typeface="+mn-lt"/>
                 <a:ea typeface="+mn-ea"/>
               </a:rPr>
               <a:t>ciij</a:t>
             </a:r>
             <a:r>
-              <a:rPr lang="en-US" altLang="ja-JP" sz="2400" dirty="0">
-                <a:latin typeface="+mn-ea"/>
+              <a:rPr lang="en-US" altLang="ja-JP" sz="1800" dirty="0">
+                <a:latin typeface="+mn-lt"/>
                 <a:ea typeface="+mn-ea"/>
               </a:rPr>
               <a:t>, </a:t>
             </a:r>
             <a:r>
-              <a:rPr lang="en-US" altLang="ja-JP" sz="2400" dirty="0" err="1">
-                <a:latin typeface="+mn-ea"/>
+              <a:rPr lang="en-US" altLang="ja-JP" sz="1800" dirty="0" err="1">
+                <a:latin typeface="+mn-lt"/>
                 <a:ea typeface="+mn-ea"/>
               </a:rPr>
               <a:t>ciijj</a:t>
             </a:r>
             <a:r>
-              <a:rPr lang="en-US" altLang="ja-JP" sz="2400" dirty="0">
-                <a:latin typeface="+mn-ea"/>
+              <a:rPr lang="en-US" altLang="ja-JP" sz="1800" dirty="0">
+                <a:latin typeface="+mn-lt"/>
                 <a:ea typeface="+mn-ea"/>
               </a:rPr>
               <a:t>, </a:t>
             </a:r>
             <a:r>
-              <a:rPr lang="en-US" altLang="ja-JP" sz="2400" dirty="0" err="1">
-                <a:latin typeface="+mn-ea"/>
+              <a:rPr lang="en-US" altLang="ja-JP" sz="1800" dirty="0" err="1">
+                <a:latin typeface="+mn-lt"/>
                 <a:ea typeface="+mn-ea"/>
               </a:rPr>
               <a:t>ciiij</a:t>
             </a:r>
-            <a:endParaRPr lang="ja-JP" altLang="en-US" sz="2400" dirty="0">
-              <a:latin typeface="+mn-ea"/>
+            <a:endParaRPr lang="ja-JP" altLang="en-US" sz="1800" dirty="0">
+              <a:latin typeface="+mn-lt"/>
               <a:ea typeface="+mn-ea"/>
             </a:endParaRPr>
           </a:p>
@@ -11099,8 +11099,8 @@
         </p:nvSpPr>
         <p:spPr bwMode="auto">
           <a:xfrm>
-            <a:off x="4076700" y="5071444"/>
-            <a:ext cx="3650358" cy="830997"/>
+            <a:off x="4355671" y="5148936"/>
+            <a:ext cx="2427268" cy="646331"/>
           </a:xfrm>
           <a:prstGeom prst="rect">
             <a:avLst/>
@@ -11245,8 +11245,8 @@
               <a:defRPr/>
             </a:pPr>
             <a:r>
-              <a:rPr lang="en-US" altLang="ja-JP" sz="2400" dirty="0">
-                <a:latin typeface="+mn-ea"/>
+              <a:rPr lang="en-US" altLang="ja-JP" sz="1800" dirty="0">
+                <a:latin typeface="+mn-lt"/>
                 <a:ea typeface="+mn-ea"/>
               </a:rPr>
               <a:t>three-body terms: </a:t>
@@ -11257,56 +11257,56 @@
               <a:defRPr/>
             </a:pPr>
             <a:r>
-              <a:rPr lang="en-US" altLang="ja-JP" sz="2400" dirty="0" err="1">
-                <a:latin typeface="+mn-ea"/>
+              <a:rPr lang="en-US" altLang="ja-JP" sz="1800" dirty="0" err="1">
+                <a:latin typeface="+mn-lt"/>
                 <a:ea typeface="+mn-ea"/>
               </a:rPr>
               <a:t>cijk</a:t>
             </a:r>
             <a:r>
-              <a:rPr lang="en-US" altLang="ja-JP" sz="2400" dirty="0">
-                <a:latin typeface="+mn-ea"/>
+              <a:rPr lang="en-US" altLang="ja-JP" sz="1800" dirty="0">
+                <a:latin typeface="+mn-lt"/>
                 <a:ea typeface="+mn-ea"/>
               </a:rPr>
               <a:t>, </a:t>
             </a:r>
             <a:r>
-              <a:rPr lang="en-US" altLang="ja-JP" sz="2400" dirty="0" err="1">
-                <a:latin typeface="+mn-ea"/>
+              <a:rPr lang="en-US" altLang="ja-JP" sz="1800" dirty="0" err="1">
+                <a:latin typeface="+mn-lt"/>
                 <a:ea typeface="+mn-ea"/>
               </a:rPr>
               <a:t>cijkk</a:t>
             </a:r>
             <a:r>
-              <a:rPr lang="en-US" altLang="ja-JP" sz="2400" dirty="0">
-                <a:latin typeface="+mn-ea"/>
+              <a:rPr lang="en-US" altLang="ja-JP" sz="1800" dirty="0">
+                <a:latin typeface="+mn-lt"/>
                 <a:ea typeface="+mn-ea"/>
               </a:rPr>
               <a:t>, </a:t>
             </a:r>
             <a:r>
-              <a:rPr lang="en-US" altLang="ja-JP" sz="2400" dirty="0" err="1">
-                <a:latin typeface="+mn-ea"/>
+              <a:rPr lang="en-US" altLang="ja-JP" sz="1800" dirty="0" err="1">
+                <a:latin typeface="+mn-lt"/>
                 <a:ea typeface="+mn-ea"/>
               </a:rPr>
               <a:t>cijjk</a:t>
             </a:r>
             <a:r>
-              <a:rPr lang="en-US" altLang="ja-JP" sz="2400" dirty="0">
-                <a:latin typeface="+mn-ea"/>
+              <a:rPr lang="en-US" altLang="ja-JP" sz="1800" dirty="0">
+                <a:latin typeface="+mn-lt"/>
                 <a:ea typeface="+mn-ea"/>
               </a:rPr>
               <a:t>, </a:t>
             </a:r>
             <a:r>
-              <a:rPr lang="en-US" altLang="ja-JP" sz="2400" dirty="0" err="1">
-                <a:latin typeface="+mn-ea"/>
+              <a:rPr lang="en-US" altLang="ja-JP" sz="1800" dirty="0" err="1">
+                <a:latin typeface="+mn-lt"/>
                 <a:ea typeface="+mn-ea"/>
               </a:rPr>
               <a:t>ciijk</a:t>
             </a:r>
-            <a:endParaRPr lang="ja-JP" altLang="en-US" sz="2400">
-              <a:latin typeface="+mn-ea"/>
+            <a:endParaRPr lang="ja-JP" altLang="en-US" sz="1800">
+              <a:latin typeface="+mn-lt"/>
               <a:ea typeface="+mn-ea"/>
             </a:endParaRPr>
           </a:p>
@@ -11322,8 +11322,8 @@
         </p:nvSpPr>
         <p:spPr bwMode="auto">
           <a:xfrm>
-            <a:off x="4076700" y="6146800"/>
-            <a:ext cx="3447290" cy="461665"/>
+            <a:off x="4355671" y="6224292"/>
+            <a:ext cx="2182329" cy="369332"/>
           </a:xfrm>
           <a:prstGeom prst="rect">
             <a:avLst/>
@@ -11468,21 +11468,21 @@
               <a:defRPr/>
             </a:pPr>
             <a:r>
-              <a:rPr lang="en-US" altLang="ja-JP" sz="2400" dirty="0">
-                <a:latin typeface="+mn-ea"/>
+              <a:rPr lang="en-US" altLang="ja-JP" sz="1800" dirty="0">
+                <a:latin typeface="+mn-lt"/>
                 <a:ea typeface="+mn-ea"/>
               </a:rPr>
               <a:t>four-body terms: </a:t>
             </a:r>
             <a:r>
-              <a:rPr lang="en-US" altLang="ja-JP" sz="2400" dirty="0" err="1">
-                <a:latin typeface="+mn-ea"/>
+              <a:rPr lang="en-US" altLang="ja-JP" sz="1800" dirty="0" err="1">
+                <a:latin typeface="+mn-lt"/>
                 <a:ea typeface="+mn-ea"/>
               </a:rPr>
               <a:t>cijkl</a:t>
             </a:r>
-            <a:endParaRPr lang="ja-JP" altLang="en-US" sz="2400" dirty="0">
-              <a:latin typeface="+mn-ea"/>
+            <a:endParaRPr lang="ja-JP" altLang="en-US" sz="1800" dirty="0">
+              <a:latin typeface="+mn-lt"/>
               <a:ea typeface="+mn-ea"/>
             </a:endParaRPr>
           </a:p>
@@ -11498,7 +11498,7 @@
         </p:nvGrpSpPr>
         <p:grpSpPr bwMode="auto">
           <a:xfrm>
-            <a:off x="1009650" y="2687717"/>
+            <a:off x="1428105" y="2687717"/>
             <a:ext cx="2747963" cy="3927475"/>
             <a:chOff x="609601" y="1659750"/>
             <a:chExt cx="3175000" cy="4537850"/>
